--- a/output/final_presentation.pptx
+++ b/output/final_presentation.pptx
@@ -20,8 +20,6 @@
     <p:sldId id="268" r:id="rId20"/>
     <p:sldId id="269" r:id="rId21"/>
     <p:sldId id="270" r:id="rId22"/>
-    <p:sldId id="271" r:id="rId23"/>
-    <p:sldId id="272" r:id="rId24"/>
   </p:sldIdLst>
   <p:sldSz cy="5143500" cx="9144000"/>
   <p:notesSz cx="6858000" cy="9144000"/>
@@ -29488,9 +29486,6 @@
               <a:lnSpc>
                 <a:spcPct val="150000"/>
               </a:lnSpc>
-              <a:spcAft>
-                <a:spcPts val="1200"/>
-              </a:spcAft>
             </a:pPr>
             <a:r>
               <a:rPr sz="2400" b="1">
@@ -29499,26 +29494,7 @@
                 </a:solidFill>
                 <a:latin typeface="Noto Sans JP"/>
               </a:rPr>
-              <a:t>2.1. AIREAD_ARISE-4034 【AIRead】</a:t>
-            </a:r>
-          </a:p>
-          <a:p>
-            <a:pPr algn="ctr">
-              <a:lnSpc>
-                <a:spcPct val="150000"/>
-              </a:lnSpc>
-              <a:spcAft>
-                <a:spcPts val="1800"/>
-              </a:spcAft>
-            </a:pPr>
-            <a:r>
-              <a:rPr sz="2400" b="1">
-                <a:solidFill>
-                  <a:srgbClr val="000000"/>
-                </a:solidFill>
-                <a:latin typeface="Noto Sans JP"/>
-              </a:rPr>
-              <a:t>位置合わせ機能の強化: tăng độ chính xác của alignment function</a:t>
+              <a:t>2.1. AIREAD_ARISE-4034 【AIRead】位置合わせ機能の強化</a:t>
             </a:r>
           </a:p>
         </p:txBody>
@@ -29564,9 +29540,9 @@
           <a:lstStyle/>
           <a:p>
             <a:pPr algn="l">
-              <a:spcAft>
-                <a:spcPts val="1200"/>
-              </a:spcAft>
+              <a:lnSpc>
+                <a:spcPct val="100000"/>
+              </a:lnSpc>
             </a:pPr>
             <a:r>
               <a:rPr sz="1800" b="1">
@@ -29606,19 +29582,13 @@
               <a:lnSpc>
                 <a:spcPct val="115000"/>
               </a:lnSpc>
-              <a:spcBef>
-                <a:spcPts val="1114"/>
-              </a:spcBef>
-              <a:spcAft>
-                <a:spcPts val="1200"/>
-              </a:spcAft>
               <a:buChar char="●"/>
             </a:pPr>
             <a:r>
               <a:rPr sz="1400">
                 <a:latin typeface="Noto Sans JP"/>
               </a:rPr>
-              <a:t>Mô tả Vấn đề: Một số biểu mẫu bị lệch do lấy điểm đặc trưng từ ảnh đã tiền xử lý, ảnh hưởng đến quy trình làm việc của khách hàng.</a:t>
+              <a:t>Mô tả Vấn đề: Một số biểu mẫu bị lệch do lấy điểm đặc trưng từ ảnh đã tiền xử lý.</a:t>
             </a:r>
           </a:p>
           <a:p>
@@ -29626,19 +29596,13 @@
               <a:lnSpc>
                 <a:spcPct val="115000"/>
               </a:lnSpc>
-              <a:spcBef>
-                <a:spcPts val="1114"/>
-              </a:spcBef>
-              <a:spcAft>
-                <a:spcPts val="1200"/>
-              </a:spcAft>
               <a:buChar char="○"/>
             </a:pPr>
             <a:r>
               <a:rPr sz="1400">
                 <a:latin typeface="Noto Sans JP"/>
               </a:rPr>
-              <a:t>Quy trình Giải pháp: Cần đảm bảo rằng ảnh đầu vào được sử dụng cho căn chỉnh là ảnh gốc.</a:t>
+              <a:t>Chúng tôi đã sửa ảnh template thành ảnh trước khi tiền xử lý.</a:t>
             </a:r>
           </a:p>
           <a:p>
@@ -29646,19 +29610,27 @@
               <a:lnSpc>
                 <a:spcPct val="115000"/>
               </a:lnSpc>
-              <a:spcBef>
-                <a:spcPts val="1114"/>
-              </a:spcBef>
-              <a:spcAft>
-                <a:spcPts val="1380"/>
-              </a:spcAft>
               <a:buChar char="○"/>
             </a:pPr>
             <a:r>
               <a:rPr sz="1400">
                 <a:latin typeface="Noto Sans JP"/>
               </a:rPr>
-              <a:t>Testing đã thực hiện: đã thử nghiệm với ảnh template nghiêng và xoay ở các góc khác nhau.</a:t>
+              <a:t>Quy trình Giải pháp: Đã điều chỉnh hàm warp_affine.</a:t>
+            </a:r>
+          </a:p>
+          <a:p>
+            <a:pPr algn="l" lvl="1" indent="-317500" marL="914400">
+              <a:lnSpc>
+                <a:spcPct val="115000"/>
+              </a:lnSpc>
+              <a:buChar char="○"/>
+            </a:pPr>
+            <a:r>
+              <a:rPr sz="1400">
+                <a:latin typeface="Noto Sans JP"/>
+              </a:rPr>
+              <a:t>Kết quả: Quá trình căn chỉnh hoạt động tốt.</a:t>
             </a:r>
           </a:p>
         </p:txBody>
@@ -29688,9 +29660,9 @@
           <a:lstStyle/>
           <a:p>
             <a:pPr algn="ctr">
-              <a:spcAft>
-                <a:spcPts val="1200"/>
-              </a:spcAft>
+              <a:lnSpc>
+                <a:spcPct val="100000"/>
+              </a:lnSpc>
             </a:pPr>
             <a:r>
               <a:rPr sz="2000" b="1" i="0">
@@ -29748,9 +29720,6 @@
               <a:lnSpc>
                 <a:spcPct val="150000"/>
               </a:lnSpc>
-              <a:spcAft>
-                <a:spcPts val="1200"/>
-              </a:spcAft>
             </a:pPr>
             <a:r>
               <a:rPr sz="2400" b="1">
@@ -29759,26 +29728,7 @@
                 </a:solidFill>
                 <a:latin typeface="Noto Sans JP"/>
               </a:rPr>
-              <a:t>2.2. AIREAD_ARISE-4157 【multi3_jpn】</a:t>
-            </a:r>
-          </a:p>
-          <a:p>
-            <a:pPr algn="ctr">
-              <a:lnSpc>
-                <a:spcPct val="150000"/>
-              </a:lnSpc>
-              <a:spcAft>
-                <a:spcPts val="1800"/>
-              </a:spcAft>
-            </a:pPr>
-            <a:r>
-              <a:rPr sz="2400" b="1">
-                <a:solidFill>
-                  <a:srgbClr val="000000"/>
-                </a:solidFill>
-                <a:latin typeface="Noto Sans JP"/>
-              </a:rPr>
-              <a:t>Cải thiện độ chính xác mô hình multi3_jpn</a:t>
+              <a:t>2.2. AIREAD_ARISE-4157 【multi3_jpn】Cải thiện độ chính xác</a:t>
             </a:r>
           </a:p>
         </p:txBody>
@@ -29824,9 +29774,9 @@
           <a:lstStyle/>
           <a:p>
             <a:pPr algn="l">
-              <a:spcAft>
-                <a:spcPts val="1200"/>
-              </a:spcAft>
+              <a:lnSpc>
+                <a:spcPct val="100000"/>
+              </a:lnSpc>
             </a:pPr>
             <a:r>
               <a:rPr sz="1800" b="1">
@@ -29866,19 +29816,13 @@
               <a:lnSpc>
                 <a:spcPct val="115000"/>
               </a:lnSpc>
-              <a:spcBef>
-                <a:spcPts val="1114"/>
-              </a:spcBef>
-              <a:spcAft>
-                <a:spcPts val="1200"/>
-              </a:spcAft>
               <a:buChar char="●"/>
             </a:pPr>
             <a:r>
               <a:rPr sz="1400">
                 <a:latin typeface="Noto Sans JP"/>
               </a:rPr>
-              <a:t>Mô tả Vấn đề: Mô hình hiện tại gặp khó khăn trong việc nhận diện các ký tự dài và ký tự phức tạp như 「〃」.</a:t>
+              <a:t>Mô tả Vấn đề: Mô hình multi3_jpn gặp khó khăn trong việc nhận diện các component dài.</a:t>
             </a:r>
           </a:p>
           <a:p>
@@ -29886,19 +29830,13 @@
               <a:lnSpc>
                 <a:spcPct val="115000"/>
               </a:lnSpc>
-              <a:spcBef>
-                <a:spcPts val="1114"/>
-              </a:spcBef>
-              <a:spcAft>
-                <a:spcPts val="1200"/>
-              </a:spcAft>
               <a:buChar char="○"/>
             </a:pPr>
             <a:r>
               <a:rPr sz="1400">
                 <a:latin typeface="Noto Sans JP"/>
               </a:rPr>
-              <a:t>Quy trình Giải pháp: Hệ thống hiện tại dễ bị đọc sai đối với các component có nhiều chữ và các ký tự đặc biệt.</a:t>
+              <a:t>Chúng tôi đã test riêng một số case components dài.</a:t>
             </a:r>
           </a:p>
           <a:p>
@@ -29906,19 +29844,27 @@
               <a:lnSpc>
                 <a:spcPct val="115000"/>
               </a:lnSpc>
-              <a:spcBef>
-                <a:spcPts val="1114"/>
-              </a:spcBef>
-              <a:spcAft>
-                <a:spcPts val="1380"/>
-              </a:spcAft>
               <a:buChar char="○"/>
             </a:pPr>
             <a:r>
               <a:rPr sz="1400">
                 <a:latin typeface="Noto Sans JP"/>
               </a:rPr>
-              <a:t>Testing đã thực hiện: Chúng tôi đã thử nghiệm với 100 ảnh và phân tích lỗi trong quá trình nhận diện.</a:t>
+              <a:t>Kết quả: Độ chính xác cải thiện đáng kể cho long_comp.</a:t>
+            </a:r>
+          </a:p>
+          <a:p>
+            <a:pPr algn="l" lvl="1" indent="-317500" marL="914400">
+              <a:lnSpc>
+                <a:spcPct val="115000"/>
+              </a:lnSpc>
+              <a:buChar char="○"/>
+            </a:pPr>
+            <a:r>
+              <a:rPr sz="1400">
+                <a:latin typeface="Noto Sans JP"/>
+              </a:rPr>
+              <a:t>Chúng tôi đã sửa lại phần resize trong hàm preprocess.</a:t>
             </a:r>
           </a:p>
         </p:txBody>
@@ -29948,9 +29894,9 @@
           <a:lstStyle/>
           <a:p>
             <a:pPr algn="ctr">
-              <a:spcAft>
-                <a:spcPts val="1200"/>
-              </a:spcAft>
+              <a:lnSpc>
+                <a:spcPct val="100000"/>
+              </a:lnSpc>
             </a:pPr>
             <a:r>
               <a:rPr sz="2000" b="1" i="0">
@@ -29990,8 +29936,8 @@
         </p:nvSpPr>
         <p:spPr>
           <a:xfrm>
-            <a:off x="1191600" y="1483850"/>
-            <a:ext cx="6760800" cy="1555800"/>
+            <a:off x="2542873" y="2571750"/>
+            <a:ext cx="5665500" cy="862200"/>
           </a:xfrm>
           <a:prstGeom prst="rect">
             <a:avLst/>
@@ -30004,41 +29950,58 @@
           </a:bodyPr>
           <a:lstStyle/>
           <a:p>
-            <a:pPr algn="ctr">
-              <a:lnSpc>
-                <a:spcPct val="150000"/>
-              </a:lnSpc>
-              <a:spcAft>
-                <a:spcPts val="1200"/>
-              </a:spcAft>
+            <a:pPr algn="r">
+              <a:lnSpc>
+                <a:spcPct val="100000"/>
+              </a:lnSpc>
             </a:pPr>
             <a:r>
-              <a:rPr sz="2400" b="1">
+              <a:rPr sz="3000" b="1">
                 <a:solidFill>
                   <a:srgbClr val="000000"/>
                 </a:solidFill>
                 <a:latin typeface="Noto Sans JP"/>
               </a:rPr>
-              <a:t>2.3. AIREAD_ARISE-4149 【AIRead】</a:t>
+              <a:t>次の作業内容</a:t>
             </a:r>
           </a:p>
+        </p:txBody>
+      </p:sp>
+      <p:sp>
+        <p:nvSpPr>
+          <p:cNvPr id="3" name="TextBox 2"/>
+          <p:cNvSpPr txBox="1"/>
+          <p:nvPr/>
+        </p:nvSpPr>
+        <p:spPr>
+          <a:xfrm>
+            <a:off x="5151175" y="1768609"/>
+            <a:ext cx="3057300" cy="862200"/>
+          </a:xfrm>
+          <a:prstGeom prst="rect">
+            <a:avLst/>
+          </a:prstGeom>
+          <a:noFill/>
+        </p:spPr>
+        <p:txBody>
+          <a:bodyPr wrap="square" lIns="45720" rIns="45720" tIns="22860" bIns="22860">
+            <a:spAutoFit/>
+          </a:bodyPr>
+          <a:lstStyle/>
           <a:p>
-            <a:pPr algn="ctr">
-              <a:lnSpc>
-                <a:spcPct val="150000"/>
-              </a:lnSpc>
-              <a:spcAft>
-                <a:spcPts val="1800"/>
-              </a:spcAft>
+            <a:pPr algn="r">
+              <a:lnSpc>
+                <a:spcPct val="100000"/>
+              </a:lnSpc>
             </a:pPr>
             <a:r>
-              <a:rPr sz="2400" b="1">
+              <a:rPr sz="6000" b="1">
                 <a:solidFill>
                   <a:srgbClr val="000000"/>
                 </a:solidFill>
                 <a:latin typeface="Noto Sans JP"/>
               </a:rPr>
-              <a:t>Trong folder Temp của USERPROFILE còn tồn tại onnxruntime-java</a:t>
+              <a:t>03</a:t>
             </a:r>
           </a:p>
         </p:txBody>
@@ -30084,286 +30047,9 @@
           <a:lstStyle/>
           <a:p>
             <a:pPr algn="l">
-              <a:spcAft>
-                <a:spcPts val="1200"/>
-              </a:spcAft>
-            </a:pPr>
-            <a:r>
-              <a:rPr sz="1800" b="1">
-                <a:solidFill>
-                  <a:srgbClr val="000000"/>
-                </a:solidFill>
-                <a:latin typeface="Noto Sans JP"/>
-              </a:rPr>
-              <a:t>2. 完了済み作業</a:t>
-            </a:r>
-          </a:p>
-        </p:txBody>
-      </p:sp>
-      <p:sp>
-        <p:nvSpPr>
-          <p:cNvPr id="3" name="TextBox 2"/>
-          <p:cNvSpPr txBox="1"/>
-          <p:nvPr/>
-        </p:nvSpPr>
-        <p:spPr>
-          <a:xfrm>
-            <a:off x="626250" y="923775"/>
-            <a:ext cx="7891500" cy="3873600"/>
-          </a:xfrm>
-          <a:prstGeom prst="rect">
-            <a:avLst/>
-          </a:prstGeom>
-          <a:noFill/>
-        </p:spPr>
-        <p:txBody>
-          <a:bodyPr wrap="square" lIns="45720" rIns="45720" tIns="22860" bIns="22860">
-            <a:spAutoFit/>
-          </a:bodyPr>
-          <a:lstStyle/>
-          <a:p>
-            <a:pPr algn="l" indent="-317500" marL="457200">
-              <a:lnSpc>
-                <a:spcPct val="115000"/>
-              </a:lnSpc>
-              <a:spcBef>
-                <a:spcPts val="1114"/>
-              </a:spcBef>
-              <a:spcAft>
-                <a:spcPts val="1200"/>
-              </a:spcAft>
-              <a:buChar char="●"/>
-            </a:pPr>
-            <a:r>
-              <a:rPr sz="1400">
-                <a:latin typeface="Noto Sans JP"/>
-              </a:rPr>
-              <a:t>Mô tả Vấn đề: Mỗi lần chạy AIRead sẽ tạo ra một thư mục tạm thời trong %USERPROFILE%\AppData\Local\Temp.</a:t>
-            </a:r>
-          </a:p>
-          <a:p>
-            <a:pPr algn="l" lvl="1" indent="-317500" marL="914400">
-              <a:lnSpc>
-                <a:spcPct val="115000"/>
-              </a:lnSpc>
-              <a:spcBef>
-                <a:spcPts val="1114"/>
-              </a:spcBef>
-              <a:spcAft>
-                <a:spcPts val="1200"/>
-              </a:spcAft>
-              <a:buChar char="○"/>
-            </a:pPr>
-            <a:r>
-              <a:rPr sz="1400">
-                <a:latin typeface="Noto Sans JP"/>
-              </a:rPr>
-              <a:t>Quy trình Giải pháp: Các thư mục tạm thời không được xóa sau khi chạy, gây ra sự lãng phí tài nguyên lưu trữ cho người dùng.</a:t>
-            </a:r>
-          </a:p>
-          <a:p>
-            <a:pPr algn="l" lvl="1" indent="-317500" marL="914400">
-              <a:lnSpc>
-                <a:spcPct val="115000"/>
-              </a:lnSpc>
-              <a:spcBef>
-                <a:spcPts val="1114"/>
-              </a:spcBef>
-              <a:spcAft>
-                <a:spcPts val="1380"/>
-              </a:spcAft>
-              <a:buChar char="○"/>
-            </a:pPr>
-            <a:r>
-              <a:rPr sz="1400">
-                <a:latin typeface="Noto Sans JP"/>
-              </a:rPr>
-              <a:t>Testing đã thực hiện: Đã kiểm tra quá trình xóa thư mục tạm thời và đảm bảo không ảnh hưởng đến các tiến trình khác.</a:t>
-            </a:r>
-          </a:p>
-        </p:txBody>
-      </p:sp>
-      <p:sp>
-        <p:nvSpPr>
-          <p:cNvPr id="4" name="TextBox 3"/>
-          <p:cNvSpPr txBox="1"/>
-          <p:nvPr/>
-        </p:nvSpPr>
-        <p:spPr>
-          <a:xfrm>
-            <a:off x="2653144" y="-3003"/>
-            <a:ext cx="3816900" cy="421500"/>
-          </a:xfrm>
-          <a:prstGeom prst="rect">
-            <a:avLst/>
-          </a:prstGeom>
-          <a:solidFill>
-            <a:srgbClr val="FFECB9"/>
-          </a:solidFill>
-        </p:spPr>
-        <p:txBody>
-          <a:bodyPr wrap="square" lIns="45720" rIns="45720" tIns="22860" bIns="22860">
-            <a:spAutoFit/>
-          </a:bodyPr>
-          <a:lstStyle/>
-          <a:p>
-            <a:pPr algn="ctr">
-              <a:spcAft>
-                <a:spcPts val="1200"/>
-              </a:spcAft>
-            </a:pPr>
-            <a:r>
-              <a:rPr sz="2000" b="1" i="0">
-                <a:solidFill>
-                  <a:srgbClr val="000000"/>
-                </a:solidFill>
-                <a:latin typeface="Noto Sans JP"/>
-              </a:rPr>
-              <a:t>2. 完了済み作業</a:t>
-            </a:r>
-          </a:p>
-        </p:txBody>
-      </p:sp>
-    </p:spTree>
-  </p:cSld>
-  <p:clrMapOvr>
-    <a:masterClrMapping/>
-  </p:clrMapOvr>
-</p:sld>
-</file>
-
-<file path=ppt/slides/slide16.xml><?xml version="1.0" encoding="utf-8"?>
-<p:sld xmlns:a="http://schemas.openxmlformats.org/drawingml/2006/main" xmlns:p="http://schemas.openxmlformats.org/presentationml/2006/main" xmlns:r="http://schemas.openxmlformats.org/officeDocument/2006/relationships">
-  <p:cSld>
-    <p:spTree>
-      <p:nvGrpSpPr>
-        <p:cNvPr id="1" name=""/>
-        <p:cNvGrpSpPr/>
-        <p:nvPr/>
-      </p:nvGrpSpPr>
-      <p:grpSpPr/>
-      <p:sp>
-        <p:nvSpPr>
-          <p:cNvPr id="2" name="TextBox 1"/>
-          <p:cNvSpPr txBox="1"/>
-          <p:nvPr/>
-        </p:nvSpPr>
-        <p:spPr>
-          <a:xfrm>
-            <a:off x="2542873" y="2571750"/>
-            <a:ext cx="5665500" cy="862200"/>
-          </a:xfrm>
-          <a:prstGeom prst="rect">
-            <a:avLst/>
-          </a:prstGeom>
-          <a:noFill/>
-        </p:spPr>
-        <p:txBody>
-          <a:bodyPr wrap="square" lIns="45720" rIns="45720" tIns="22860" bIns="22860">
-            <a:spAutoFit/>
-          </a:bodyPr>
-          <a:lstStyle/>
-          <a:p>
-            <a:pPr algn="r">
-              <a:spcAft>
-                <a:spcPts val="1200"/>
-              </a:spcAft>
-            </a:pPr>
-            <a:r>
-              <a:rPr sz="3000" b="1">
-                <a:solidFill>
-                  <a:srgbClr val="000000"/>
-                </a:solidFill>
-                <a:latin typeface="Noto Sans JP"/>
-              </a:rPr>
-              <a:t>次の作業内容</a:t>
-            </a:r>
-          </a:p>
-        </p:txBody>
-      </p:sp>
-      <p:sp>
-        <p:nvSpPr>
-          <p:cNvPr id="3" name="TextBox 2"/>
-          <p:cNvSpPr txBox="1"/>
-          <p:nvPr/>
-        </p:nvSpPr>
-        <p:spPr>
-          <a:xfrm>
-            <a:off x="5151175" y="1768609"/>
-            <a:ext cx="3057300" cy="862200"/>
-          </a:xfrm>
-          <a:prstGeom prst="rect">
-            <a:avLst/>
-          </a:prstGeom>
-          <a:noFill/>
-        </p:spPr>
-        <p:txBody>
-          <a:bodyPr wrap="square" lIns="45720" rIns="45720" tIns="22860" bIns="22860">
-            <a:spAutoFit/>
-          </a:bodyPr>
-          <a:lstStyle/>
-          <a:p>
-            <a:pPr algn="r">
-              <a:spcAft>
-                <a:spcPts val="1200"/>
-              </a:spcAft>
-            </a:pPr>
-            <a:r>
-              <a:rPr sz="6000" b="1">
-                <a:solidFill>
-                  <a:srgbClr val="000000"/>
-                </a:solidFill>
-                <a:latin typeface="Noto Sans JP"/>
-              </a:rPr>
-              <a:t>03</a:t>
-            </a:r>
-          </a:p>
-        </p:txBody>
-      </p:sp>
-    </p:spTree>
-  </p:cSld>
-  <p:clrMapOvr>
-    <a:masterClrMapping/>
-  </p:clrMapOvr>
-</p:sld>
-</file>
-
-<file path=ppt/slides/slide17.xml><?xml version="1.0" encoding="utf-8"?>
-<p:sld xmlns:a="http://schemas.openxmlformats.org/drawingml/2006/main" xmlns:p="http://schemas.openxmlformats.org/presentationml/2006/main" xmlns:r="http://schemas.openxmlformats.org/officeDocument/2006/relationships">
-  <p:cSld>
-    <p:spTree>
-      <p:nvGrpSpPr>
-        <p:cNvPr id="1" name=""/>
-        <p:cNvGrpSpPr/>
-        <p:nvPr/>
-      </p:nvGrpSpPr>
-      <p:grpSpPr/>
-      <p:sp>
-        <p:nvSpPr>
-          <p:cNvPr id="2" name="TextBox 1"/>
-          <p:cNvSpPr txBox="1"/>
-          <p:nvPr/>
-        </p:nvSpPr>
-        <p:spPr>
-          <a:xfrm>
-            <a:off x="584875" y="427349"/>
-            <a:ext cx="7717500" cy="421500"/>
-          </a:xfrm>
-          <a:prstGeom prst="rect">
-            <a:avLst/>
-          </a:prstGeom>
-          <a:noFill/>
-        </p:spPr>
-        <p:txBody>
-          <a:bodyPr wrap="square" lIns="45720" rIns="45720" tIns="22860" bIns="22860">
-            <a:spAutoFit/>
-          </a:bodyPr>
-          <a:lstStyle/>
-          <a:p>
-            <a:pPr algn="l">
-              <a:spcAft>
-                <a:spcPts val="1200"/>
-              </a:spcAft>
+              <a:lnSpc>
+                <a:spcPct val="100000"/>
+              </a:lnSpc>
             </a:pPr>
             <a:r>
               <a:rPr sz="1800" b="1">
@@ -30403,39 +30089,68 @@
               <a:lnSpc>
                 <a:spcPct val="115000"/>
               </a:lnSpc>
-              <a:spcBef>
-                <a:spcPts val="1114"/>
-              </a:spcBef>
-              <a:spcAft>
-                <a:spcPts val="1200"/>
-              </a:spcAft>
               <a:buChar char="●"/>
             </a:pPr>
             <a:r>
               <a:rPr sz="1400">
                 <a:latin typeface="Noto Sans JP"/>
               </a:rPr>
-              <a:t>Tiếp tục theo dõi hiệu suất của mô hình multi3_jpn sau các cải tiến.</a:t>
+              <a:t>Chúng tôi sẽ tiếp tục tối ưu hóa các quy trình tiền xử lý.</a:t>
             </a:r>
           </a:p>
           <a:p>
-            <a:pPr algn="l" lvl="1" indent="-317500" marL="914400">
+            <a:pPr algn="l" indent="-317500" marL="457200">
               <a:lnSpc>
                 <a:spcPct val="115000"/>
               </a:lnSpc>
-              <a:spcBef>
-                <a:spcPts val="1114"/>
-              </a:spcBef>
-              <a:spcAft>
-                <a:spcPts val="1380"/>
-              </a:spcAft>
-              <a:buChar char="○"/>
+              <a:buChar char="●"/>
             </a:pPr>
             <a:r>
               <a:rPr sz="1400">
                 <a:latin typeface="Noto Sans JP"/>
               </a:rPr>
-              <a:t>Chuẩn bị các kế hoạch cải thiện khác cho quy trình tiền xử lý và tối ưu hóa tài nguyên hệ thống.</a:t>
+              <a:t>Theo dõi và cải thiện hiệu suất của hệ thống.</a:t>
+            </a:r>
+          </a:p>
+        </p:txBody>
+      </p:sp>
+      <p:sp>
+        <p:nvSpPr>
+          <p:cNvPr id="4" name="TextBox 3"/>
+          <p:cNvSpPr txBox="1"/>
+          <p:nvPr/>
+        </p:nvSpPr>
+        <p:spPr>
+          <a:xfrm>
+            <a:off x="2653144" y="-3003"/>
+            <a:ext cx="3816900" cy="421500"/>
+          </a:xfrm>
+          <a:prstGeom prst="rect">
+            <a:avLst/>
+          </a:prstGeom>
+          <a:solidFill>
+            <a:srgbClr val="FFECB9"/>
+          </a:solidFill>
+        </p:spPr>
+        <p:txBody>
+          <a:bodyPr wrap="square" lIns="45720" rIns="45720" tIns="22860" bIns="22860">
+            <a:spAutoFit/>
+          </a:bodyPr>
+          <a:lstStyle/>
+          <a:p>
+            <a:pPr algn="ctr">
+              <a:lnSpc>
+                <a:spcPct val="100000"/>
+              </a:lnSpc>
+            </a:pPr>
+            <a:r>
+              <a:rPr sz="2000" b="1" i="0">
+                <a:solidFill>
+                  <a:srgbClr val="000000"/>
+                </a:solidFill>
+                <a:latin typeface="Noto Sans JP"/>
+              </a:rPr>
+              <a:t>3. 次の作業内容</a:t>
             </a:r>
           </a:p>
         </p:txBody>
@@ -30634,9 +30349,6 @@
               <a:lnSpc>
                 <a:spcPct val="150000"/>
               </a:lnSpc>
-              <a:spcAft>
-                <a:spcPts val="1800"/>
-              </a:spcAft>
             </a:pPr>
             <a:r>
               <a:rPr sz="3600" b="1">
@@ -30762,16 +30474,10 @@
           </a:bodyPr>
           <a:lstStyle/>
           <a:p>
-            <a:pPr algn="l">
+            <a:pPr algn="l" indent="-336550" marL="457200">
               <a:lnSpc>
                 <a:spcPct val="150000"/>
               </a:lnSpc>
-              <a:spcBef>
-                <a:spcPts val="1114"/>
-              </a:spcBef>
-              <a:spcAft>
-                <a:spcPts val="1200"/>
-              </a:spcAft>
               <a:buAutoNum type="arabicPeriod" startAt="1"/>
             </a:pPr>
             <a:r>
@@ -30785,16 +30491,10 @@
             </a:r>
           </a:p>
           <a:p>
-            <a:pPr algn="l">
+            <a:pPr algn="l" indent="-336550" marL="457200">
               <a:lnSpc>
                 <a:spcPct val="150000"/>
               </a:lnSpc>
-              <a:spcBef>
-                <a:spcPts val="1114"/>
-              </a:spcBef>
-              <a:spcAft>
-                <a:spcPts val="1200"/>
-              </a:spcAft>
               <a:buAutoNum type="arabicPeriod" startAt="1"/>
             </a:pPr>
             <a:r>
@@ -30808,16 +30508,10 @@
             </a:r>
           </a:p>
           <a:p>
-            <a:pPr algn="l">
+            <a:pPr algn="l" indent="-336550" marL="457200">
               <a:lnSpc>
                 <a:spcPct val="150000"/>
               </a:lnSpc>
-              <a:spcBef>
-                <a:spcPts val="1114"/>
-              </a:spcBef>
-              <a:spcAft>
-                <a:spcPts val="1800"/>
-              </a:spcAft>
               <a:buAutoNum type="arabicPeriod" startAt="1"/>
             </a:pPr>
             <a:r>
@@ -30873,9 +30567,9 @@
           <a:lstStyle/>
           <a:p>
             <a:pPr algn="r">
-              <a:spcAft>
-                <a:spcPts val="1200"/>
-              </a:spcAft>
+              <a:lnSpc>
+                <a:spcPct val="100000"/>
+              </a:lnSpc>
             </a:pPr>
             <a:r>
               <a:rPr sz="3000" b="1">
@@ -30912,9 +30606,9 @@
           <a:lstStyle/>
           <a:p>
             <a:pPr algn="r">
-              <a:spcAft>
-                <a:spcPts val="1200"/>
-              </a:spcAft>
+              <a:lnSpc>
+                <a:spcPct val="100000"/>
+              </a:lnSpc>
             </a:pPr>
             <a:r>
               <a:rPr sz="6000" b="1">
@@ -30969,9 +30663,9 @@
           <a:lstStyle/>
           <a:p>
             <a:pPr algn="l">
-              <a:spcAft>
-                <a:spcPts val="1200"/>
-              </a:spcAft>
+              <a:lnSpc>
+                <a:spcPct val="100000"/>
+              </a:lnSpc>
             </a:pPr>
             <a:r>
               <a:rPr sz="1800" b="1">
@@ -30980,7 +30674,7 @@
                 </a:solidFill>
                 <a:latin typeface="Noto Sans JP"/>
               </a:rPr>
-              <a:t>1.	タスクの目的</a:t>
+              <a:t>1. タスクの目的</a:t>
             </a:r>
           </a:p>
         </p:txBody>
@@ -31011,12 +30705,6 @@
               <a:lnSpc>
                 <a:spcPct val="115000"/>
               </a:lnSpc>
-              <a:spcBef>
-                <a:spcPts val="1114"/>
-              </a:spcBef>
-              <a:spcAft>
-                <a:spcPts val="1200"/>
-              </a:spcAft>
               <a:buChar char="●"/>
             </a:pPr>
             <a:r>
@@ -31031,12 +30719,6 @@
               <a:lnSpc>
                 <a:spcPct val="115000"/>
               </a:lnSpc>
-              <a:spcBef>
-                <a:spcPts val="1114"/>
-              </a:spcBef>
-              <a:spcAft>
-                <a:spcPts val="1200"/>
-              </a:spcAft>
               <a:buChar char="○"/>
             </a:pPr>
             <a:r>
@@ -31051,12 +30733,6 @@
               <a:lnSpc>
                 <a:spcPct val="115000"/>
               </a:lnSpc>
-              <a:spcBef>
-                <a:spcPts val="1114"/>
-              </a:spcBef>
-              <a:spcAft>
-                <a:spcPts val="1200"/>
-              </a:spcAft>
               <a:buChar char="●"/>
             </a:pPr>
             <a:r>
@@ -31071,12 +30747,6 @@
               <a:lnSpc>
                 <a:spcPct val="115000"/>
               </a:lnSpc>
-              <a:spcBef>
-                <a:spcPts val="1114"/>
-              </a:spcBef>
-              <a:spcAft>
-                <a:spcPts val="1200"/>
-              </a:spcAft>
               <a:buChar char="○"/>
             </a:pPr>
             <a:r>
@@ -31091,12 +30761,6 @@
               <a:lnSpc>
                 <a:spcPct val="115000"/>
               </a:lnSpc>
-              <a:spcBef>
-                <a:spcPts val="1114"/>
-              </a:spcBef>
-              <a:spcAft>
-                <a:spcPts val="1200"/>
-              </a:spcAft>
               <a:buChar char="●"/>
             </a:pPr>
             <a:r>
@@ -31111,12 +30775,6 @@
               <a:lnSpc>
                 <a:spcPct val="115000"/>
               </a:lnSpc>
-              <a:spcBef>
-                <a:spcPts val="1114"/>
-              </a:spcBef>
-              <a:spcAft>
-                <a:spcPts val="1380"/>
-              </a:spcAft>
               <a:buChar char="○"/>
             </a:pPr>
             <a:r>
@@ -31153,9 +30811,9 @@
           <a:lstStyle/>
           <a:p>
             <a:pPr algn="ctr">
-              <a:spcAft>
-                <a:spcPts val="1200"/>
-              </a:spcAft>
+              <a:lnSpc>
+                <a:spcPct val="100000"/>
+              </a:lnSpc>
             </a:pPr>
             <a:r>
               <a:rPr sz="2000" b="1" i="0">
@@ -31210,9 +30868,9 @@
           <a:lstStyle/>
           <a:p>
             <a:pPr algn="r">
-              <a:spcAft>
-                <a:spcPts val="1200"/>
-              </a:spcAft>
+              <a:lnSpc>
+                <a:spcPct val="100000"/>
+              </a:lnSpc>
             </a:pPr>
             <a:r>
               <a:rPr sz="3000" b="1">
@@ -31249,9 +30907,9 @@
           <a:lstStyle/>
           <a:p>
             <a:pPr algn="r">
-              <a:spcAft>
-                <a:spcPts val="1200"/>
-              </a:spcAft>
+              <a:lnSpc>
+                <a:spcPct val="100000"/>
+              </a:lnSpc>
             </a:pPr>
             <a:r>
               <a:rPr sz="6000" b="1">

--- a/output/final_presentation.pptx
+++ b/output/final_presentation.pptx
@@ -20,6 +20,21 @@
     <p:sldId id="268" r:id="rId20"/>
     <p:sldId id="269" r:id="rId21"/>
     <p:sldId id="270" r:id="rId22"/>
+    <p:sldId id="271" r:id="rId23"/>
+    <p:sldId id="272" r:id="rId24"/>
+    <p:sldId id="273" r:id="rId25"/>
+    <p:sldId id="274" r:id="rId26"/>
+    <p:sldId id="275" r:id="rId27"/>
+    <p:sldId id="276" r:id="rId28"/>
+    <p:sldId id="277" r:id="rId29"/>
+    <p:sldId id="278" r:id="rId30"/>
+    <p:sldId id="279" r:id="rId31"/>
+    <p:sldId id="280" r:id="rId32"/>
+    <p:sldId id="281" r:id="rId33"/>
+    <p:sldId id="282" r:id="rId34"/>
+    <p:sldId id="283" r:id="rId35"/>
+    <p:sldId id="284" r:id="rId36"/>
+    <p:sldId id="285" r:id="rId37"/>
   </p:sldIdLst>
   <p:sldSz cy="5143500" cx="9144000"/>
   <p:notesSz cx="6858000" cy="9144000"/>
@@ -29494,7 +29509,23 @@
                 </a:solidFill>
                 <a:latin typeface="Noto Sans JP"/>
               </a:rPr>
-              <a:t>2.1. AIREAD_ARISE-4034 【AIRead】位置合わせ機能の強化</a:t>
+              <a:t>2.1. AIREAD_ARISE-4034【AIRead】</a:t>
+            </a:r>
+          </a:p>
+          <a:p>
+            <a:pPr algn="ctr">
+              <a:lnSpc>
+                <a:spcPct val="150000"/>
+              </a:lnSpc>
+            </a:pPr>
+            <a:r>
+              <a:rPr sz="2400" b="1">
+                <a:solidFill>
+                  <a:srgbClr val="000000"/>
+                </a:solidFill>
+                <a:latin typeface="Noto Sans JP"/>
+              </a:rPr>
+              <a:t>位置合わせ機能の強化: tăng độ chính xác của alignment function</a:t>
             </a:r>
           </a:p>
         </p:txBody>
@@ -29564,6 +29595,45 @@
         </p:nvSpPr>
         <p:spPr>
           <a:xfrm>
+            <a:off x="8768388" y="4835723"/>
+            <a:ext cx="283200" cy="246300"/>
+          </a:xfrm>
+          <a:prstGeom prst="rect">
+            <a:avLst/>
+          </a:prstGeom>
+          <a:noFill/>
+        </p:spPr>
+        <p:txBody>
+          <a:bodyPr wrap="square" lIns="45720" rIns="45720" tIns="22860" bIns="22860">
+            <a:spAutoFit/>
+          </a:bodyPr>
+          <a:lstStyle/>
+          <a:p>
+            <a:pPr algn="l">
+              <a:lnSpc>
+                <a:spcPct val="100000"/>
+              </a:lnSpc>
+            </a:pPr>
+            <a:r>
+              <a:rPr sz="1000" b="0" i="0">
+                <a:solidFill>
+                  <a:srgbClr val="000000"/>
+                </a:solidFill>
+                <a:latin typeface="Arial"/>
+              </a:rPr>
+              <a:t>3</a:t>
+            </a:r>
+          </a:p>
+        </p:txBody>
+      </p:sp>
+      <p:sp>
+        <p:nvSpPr>
+          <p:cNvPr id="4" name="TextBox 3"/>
+          <p:cNvSpPr txBox="1"/>
+          <p:nvPr/>
+        </p:nvSpPr>
+        <p:spPr>
+          <a:xfrm>
             <a:off x="626250" y="923775"/>
             <a:ext cx="7891500" cy="3873600"/>
           </a:xfrm>
@@ -29588,56 +29658,14 @@
               <a:rPr sz="1400">
                 <a:latin typeface="Noto Sans JP"/>
               </a:rPr>
-              <a:t>Mô tả Vấn đề: Một số biểu mẫu bị lệch do lấy điểm đặc trưng từ ảnh đã tiền xử lý.</a:t>
-            </a:r>
-          </a:p>
-          <a:p>
-            <a:pPr algn="l" lvl="1" indent="-317500" marL="914400">
-              <a:lnSpc>
-                <a:spcPct val="115000"/>
-              </a:lnSpc>
-              <a:buChar char="○"/>
-            </a:pPr>
-            <a:r>
-              <a:rPr sz="1400">
-                <a:latin typeface="Noto Sans JP"/>
-              </a:rPr>
-              <a:t>Chúng tôi đã sửa ảnh template thành ảnh trước khi tiền xử lý.</a:t>
-            </a:r>
-          </a:p>
-          <a:p>
-            <a:pPr algn="l" lvl="1" indent="-317500" marL="914400">
-              <a:lnSpc>
-                <a:spcPct val="115000"/>
-              </a:lnSpc>
-              <a:buChar char="○"/>
-            </a:pPr>
-            <a:r>
-              <a:rPr sz="1400">
-                <a:latin typeface="Noto Sans JP"/>
-              </a:rPr>
-              <a:t>Quy trình Giải pháp: Đã điều chỉnh hàm warp_affine.</a:t>
-            </a:r>
-          </a:p>
-          <a:p>
-            <a:pPr algn="l" lvl="1" indent="-317500" marL="914400">
-              <a:lnSpc>
-                <a:spcPct val="115000"/>
-              </a:lnSpc>
-              <a:buChar char="○"/>
-            </a:pPr>
-            <a:r>
-              <a:rPr sz="1400">
-                <a:latin typeface="Noto Sans JP"/>
-              </a:rPr>
-              <a:t>Kết quả: Quá trình căn chỉnh hoạt động tốt.</a:t>
+              <a:t>Một số biểu mẫu bị lệch do lấy điểm đặc trưng từ ảnh đã tiền xử lý, trong khi template sử dụng ảnh gốc. Điều này dẫn đến việc không thể căn chỉnh chính xác các thành phần trong tài liệu, gây ảnh hưởng nghiêm trọng đến quy trình làm việc của khách hàng.</a:t>
             </a:r>
           </a:p>
         </p:txBody>
       </p:sp>
       <p:sp>
         <p:nvSpPr>
-          <p:cNvPr id="4" name="TextBox 3"/>
+          <p:cNvPr id="5" name="TextBox 4"/>
           <p:cNvSpPr txBox="1"/>
           <p:nvPr/>
         </p:nvSpPr>
@@ -29702,8 +29730,8 @@
         </p:nvSpPr>
         <p:spPr>
           <a:xfrm>
-            <a:off x="1191600" y="1483850"/>
-            <a:ext cx="6760800" cy="1555800"/>
+            <a:off x="584875" y="427349"/>
+            <a:ext cx="7717500" cy="421500"/>
           </a:xfrm>
           <a:prstGeom prst="rect">
             <a:avLst/>
@@ -29716,19 +29744,178 @@
           </a:bodyPr>
           <a:lstStyle/>
           <a:p>
-            <a:pPr algn="ctr">
-              <a:lnSpc>
-                <a:spcPct val="150000"/>
+            <a:pPr algn="l">
+              <a:lnSpc>
+                <a:spcPct val="100000"/>
               </a:lnSpc>
             </a:pPr>
             <a:r>
-              <a:rPr sz="2400" b="1">
+              <a:rPr sz="1800" b="1">
                 <a:solidFill>
                   <a:srgbClr val="000000"/>
                 </a:solidFill>
                 <a:latin typeface="Noto Sans JP"/>
               </a:rPr>
-              <a:t>2.2. AIREAD_ARISE-4157 【multi3_jpn】Cải thiện độ chính xác</a:t>
+              <a:t>2. 完了済み作業</a:t>
+            </a:r>
+          </a:p>
+        </p:txBody>
+      </p:sp>
+      <p:sp>
+        <p:nvSpPr>
+          <p:cNvPr id="3" name="TextBox 2"/>
+          <p:cNvSpPr txBox="1"/>
+          <p:nvPr/>
+        </p:nvSpPr>
+        <p:spPr>
+          <a:xfrm>
+            <a:off x="8768388" y="4835723"/>
+            <a:ext cx="283200" cy="246300"/>
+          </a:xfrm>
+          <a:prstGeom prst="rect">
+            <a:avLst/>
+          </a:prstGeom>
+          <a:noFill/>
+        </p:spPr>
+        <p:txBody>
+          <a:bodyPr wrap="square" lIns="45720" rIns="45720" tIns="22860" bIns="22860">
+            <a:spAutoFit/>
+          </a:bodyPr>
+          <a:lstStyle/>
+          <a:p>
+            <a:pPr algn="l">
+              <a:lnSpc>
+                <a:spcPct val="100000"/>
+              </a:lnSpc>
+            </a:pPr>
+            <a:r>
+              <a:rPr sz="1000" b="0" i="0">
+                <a:solidFill>
+                  <a:srgbClr val="000000"/>
+                </a:solidFill>
+                <a:latin typeface="Arial"/>
+              </a:rPr>
+              <a:t>3</a:t>
+            </a:r>
+          </a:p>
+        </p:txBody>
+      </p:sp>
+      <p:sp>
+        <p:nvSpPr>
+          <p:cNvPr id="4" name="TextBox 3"/>
+          <p:cNvSpPr txBox="1"/>
+          <p:nvPr/>
+        </p:nvSpPr>
+        <p:spPr>
+          <a:xfrm>
+            <a:off x="626250" y="923775"/>
+            <a:ext cx="7891500" cy="3873600"/>
+          </a:xfrm>
+          <a:prstGeom prst="rect">
+            <a:avLst/>
+          </a:prstGeom>
+          <a:noFill/>
+        </p:spPr>
+        <p:txBody>
+          <a:bodyPr wrap="square" lIns="45720" rIns="45720" tIns="22860" bIns="22860">
+            <a:spAutoFit/>
+          </a:bodyPr>
+          <a:lstStyle/>
+          <a:p>
+            <a:pPr algn="l" indent="-317500" marL="457200">
+              <a:lnSpc>
+                <a:spcPct val="115000"/>
+              </a:lnSpc>
+              <a:buChar char="●"/>
+            </a:pPr>
+            <a:r>
+              <a:rPr sz="1400">
+                <a:latin typeface="Noto Sans JP"/>
+              </a:rPr>
+              <a:t>Vấn đề hiện tại: Sự không khớp giữa ảnh đầu vào đã tiền xử lý và template gốc dẫn đến kết quả không chính xác trong việc căn chỉnh, ảnh hưởng đến khả năng nhận diện của hệ thống.</a:t>
+            </a:r>
+          </a:p>
+          <a:p>
+            <a:pPr algn="l" lvl="1" indent="-317500" marL="914400">
+              <a:lnSpc>
+                <a:spcPct val="115000"/>
+              </a:lnSpc>
+              <a:buChar char="○"/>
+            </a:pPr>
+            <a:r>
+              <a:rPr sz="1400">
+                <a:latin typeface="Noto Sans JP"/>
+              </a:rPr>
+              <a:t>Chúng tôi đã sửa ảnh template thành ảnh trước khi tiền xử lý để đảm bảo tính nhất quán giữa các ảnh đầu vào và template.</a:t>
+            </a:r>
+          </a:p>
+          <a:p>
+            <a:pPr algn="l" lvl="1" indent="-317500" marL="914400">
+              <a:lnSpc>
+                <a:spcPct val="115000"/>
+              </a:lnSpc>
+              <a:buChar char="○"/>
+            </a:pPr>
+            <a:r>
+              <a:rPr sz="1400">
+                <a:latin typeface="Noto Sans JP"/>
+              </a:rPr>
+              <a:t>Implementation chi tiết: Chúng tôi đã sửa đổi file MultiCharRecognitionManager.java, thay đổi cách truyền tham số từ binary sang src để lấy warp_affine.</a:t>
+            </a:r>
+          </a:p>
+          <a:p>
+            <a:pPr algn="l" lvl="1" indent="-317500" marL="914400">
+              <a:lnSpc>
+                <a:spcPct val="115000"/>
+              </a:lnSpc>
+              <a:buChar char="○"/>
+            </a:pPr>
+            <a:r>
+              <a:rPr sz="1400">
+                <a:latin typeface="Noto Sans JP"/>
+              </a:rPr>
+              <a:t>Configuration changes: Không có thay đổi cấu hình cụ thể trong nhiệm vụ này.</a:t>
+            </a:r>
+          </a:p>
+        </p:txBody>
+      </p:sp>
+      <p:sp>
+        <p:nvSpPr>
+          <p:cNvPr id="5" name="TextBox 4"/>
+          <p:cNvSpPr txBox="1"/>
+          <p:nvPr/>
+        </p:nvSpPr>
+        <p:spPr>
+          <a:xfrm>
+            <a:off x="2653144" y="-3003"/>
+            <a:ext cx="3816900" cy="421500"/>
+          </a:xfrm>
+          <a:prstGeom prst="rect">
+            <a:avLst/>
+          </a:prstGeom>
+          <a:solidFill>
+            <a:srgbClr val="FFECB9"/>
+          </a:solidFill>
+        </p:spPr>
+        <p:txBody>
+          <a:bodyPr wrap="square" lIns="45720" rIns="45720" tIns="22860" bIns="22860">
+            <a:spAutoFit/>
+          </a:bodyPr>
+          <a:lstStyle/>
+          <a:p>
+            <a:pPr algn="ctr">
+              <a:lnSpc>
+                <a:spcPct val="100000"/>
+              </a:lnSpc>
+            </a:pPr>
+            <a:r>
+              <a:rPr sz="2000" b="1" i="0">
+                <a:solidFill>
+                  <a:srgbClr val="000000"/>
+                </a:solidFill>
+                <a:latin typeface="Noto Sans JP"/>
+              </a:rPr>
+              <a:t>2. 完了済み作業</a:t>
             </a:r>
           </a:p>
         </p:txBody>
@@ -29798,6 +29985,45 @@
         </p:nvSpPr>
         <p:spPr>
           <a:xfrm>
+            <a:off x="8768388" y="4835723"/>
+            <a:ext cx="283200" cy="246300"/>
+          </a:xfrm>
+          <a:prstGeom prst="rect">
+            <a:avLst/>
+          </a:prstGeom>
+          <a:noFill/>
+        </p:spPr>
+        <p:txBody>
+          <a:bodyPr wrap="square" lIns="45720" rIns="45720" tIns="22860" bIns="22860">
+            <a:spAutoFit/>
+          </a:bodyPr>
+          <a:lstStyle/>
+          <a:p>
+            <a:pPr algn="l">
+              <a:lnSpc>
+                <a:spcPct val="100000"/>
+              </a:lnSpc>
+            </a:pPr>
+            <a:r>
+              <a:rPr sz="1000" b="0" i="0">
+                <a:solidFill>
+                  <a:srgbClr val="000000"/>
+                </a:solidFill>
+                <a:latin typeface="Arial"/>
+              </a:rPr>
+              <a:t>3</a:t>
+            </a:r>
+          </a:p>
+        </p:txBody>
+      </p:sp>
+      <p:sp>
+        <p:nvSpPr>
+          <p:cNvPr id="4" name="TextBox 3"/>
+          <p:cNvSpPr txBox="1"/>
+          <p:nvPr/>
+        </p:nvSpPr>
+        <p:spPr>
+          <a:xfrm>
             <a:off x="626250" y="923775"/>
             <a:ext cx="7891500" cy="3873600"/>
           </a:xfrm>
@@ -29822,7 +30048,7 @@
               <a:rPr sz="1400">
                 <a:latin typeface="Noto Sans JP"/>
               </a:rPr>
-              <a:t>Mô tả Vấn đề: Mô hình multi3_jpn gặp khó khăn trong việc nhận diện các component dài.</a:t>
+              <a:t>Vấn đề hiện tại: Sự không khớp giữa ảnh đầu vào đã tiền xử lý và template gốc dẫn đến kết quả không chính xác trong việc căn chỉnh, ảnh hưởng đến khả năng nhận diện của hệ thống.</a:t>
             </a:r>
           </a:p>
           <a:p>
@@ -29836,7 +30062,7 @@
               <a:rPr sz="1400">
                 <a:latin typeface="Noto Sans JP"/>
               </a:rPr>
-              <a:t>Chúng tôi đã test riêng một số case components dài.</a:t>
+              <a:t>Testing đã thực hiện: Chúng tôi đã thử nghiệm với các ảnh template nghiêng -2 độ và xoay +90, -90, 180 độ, và kết quả cho thấy quá trình căn chỉnh hoạt động tốt.</a:t>
             </a:r>
           </a:p>
           <a:p>
@@ -29850,7 +30076,7 @@
               <a:rPr sz="1400">
                 <a:latin typeface="Noto Sans JP"/>
               </a:rPr>
-              <a:t>Kết quả: Độ chính xác cải thiện đáng kể cho long_comp.</a:t>
+              <a:t>Kết quả đo lường: Quá trình căn chỉnh hoạt động tốt dù ảnh raw chưa qua bước tiền xử lý.</a:t>
             </a:r>
           </a:p>
           <a:p>
@@ -29864,14 +30090,14 @@
               <a:rPr sz="1400">
                 <a:latin typeface="Noto Sans JP"/>
               </a:rPr>
-              <a:t>Chúng tôi đã sửa lại phần resize trong hàm preprocess.</a:t>
+              <a:t>Quality control: Khi bật IS_DEBUG = false, các ảnh debug sẽ không được xuất ra nữa, đảm bảo giảm thiểu không gian lưu trữ không cần thiết.</a:t>
             </a:r>
           </a:p>
         </p:txBody>
       </p:sp>
       <p:sp>
         <p:nvSpPr>
-          <p:cNvPr id="4" name="TextBox 3"/>
+          <p:cNvPr id="5" name="TextBox 4"/>
           <p:cNvSpPr txBox="1"/>
           <p:nvPr/>
         </p:nvSpPr>
@@ -29936,8 +30162,8 @@
         </p:nvSpPr>
         <p:spPr>
           <a:xfrm>
-            <a:off x="2542873" y="2571750"/>
-            <a:ext cx="5665500" cy="862200"/>
+            <a:off x="584875" y="427349"/>
+            <a:ext cx="7717500" cy="421500"/>
           </a:xfrm>
           <a:prstGeom prst="rect">
             <a:avLst/>
@@ -29950,19 +30176,19 @@
           </a:bodyPr>
           <a:lstStyle/>
           <a:p>
-            <a:pPr algn="r">
+            <a:pPr algn="l">
               <a:lnSpc>
                 <a:spcPct val="100000"/>
               </a:lnSpc>
             </a:pPr>
             <a:r>
-              <a:rPr sz="3000" b="1">
+              <a:rPr sz="1800" b="1">
                 <a:solidFill>
                   <a:srgbClr val="000000"/>
                 </a:solidFill>
                 <a:latin typeface="Noto Sans JP"/>
               </a:rPr>
-              <a:t>次の作業内容</a:t>
+              <a:t>2. 完了済み作業</a:t>
             </a:r>
           </a:p>
         </p:txBody>
@@ -29975,8 +30201,8 @@
         </p:nvSpPr>
         <p:spPr>
           <a:xfrm>
-            <a:off x="5151175" y="1768609"/>
-            <a:ext cx="3057300" cy="862200"/>
+            <a:off x="8768388" y="4835723"/>
+            <a:ext cx="283200" cy="246300"/>
           </a:xfrm>
           <a:prstGeom prst="rect">
             <a:avLst/>
@@ -29989,19 +30215,125 @@
           </a:bodyPr>
           <a:lstStyle/>
           <a:p>
-            <a:pPr algn="r">
+            <a:pPr algn="l">
               <a:lnSpc>
                 <a:spcPct val="100000"/>
               </a:lnSpc>
             </a:pPr>
             <a:r>
-              <a:rPr sz="6000" b="1">
+              <a:rPr sz="1000" b="0" i="0">
+                <a:solidFill>
+                  <a:srgbClr val="000000"/>
+                </a:solidFill>
+                <a:latin typeface="Arial"/>
+              </a:rPr>
+              <a:t>3</a:t>
+            </a:r>
+          </a:p>
+        </p:txBody>
+      </p:sp>
+      <p:sp>
+        <p:nvSpPr>
+          <p:cNvPr id="4" name="TextBox 3"/>
+          <p:cNvSpPr txBox="1"/>
+          <p:nvPr/>
+        </p:nvSpPr>
+        <p:spPr>
+          <a:xfrm>
+            <a:off x="626250" y="923775"/>
+            <a:ext cx="7891500" cy="3873600"/>
+          </a:xfrm>
+          <a:prstGeom prst="rect">
+            <a:avLst/>
+          </a:prstGeom>
+          <a:noFill/>
+        </p:spPr>
+        <p:txBody>
+          <a:bodyPr wrap="square" lIns="45720" rIns="45720" tIns="22860" bIns="22860">
+            <a:spAutoFit/>
+          </a:bodyPr>
+          <a:lstStyle/>
+          <a:p>
+            <a:pPr algn="l" indent="-317500" marL="457200">
+              <a:lnSpc>
+                <a:spcPct val="115000"/>
+              </a:lnSpc>
+              <a:buChar char="●"/>
+            </a:pPr>
+            <a:r>
+              <a:rPr sz="1400">
+                <a:latin typeface="Noto Sans JP"/>
+              </a:rPr>
+              <a:t>Quá trình căn chỉnh hoạt động hiệu quả với các ảnh đầu vào, không còn vấn đề lệch lạc.</a:t>
+            </a:r>
+          </a:p>
+          <a:p>
+            <a:pPr algn="l" indent="-317500" marL="457200">
+              <a:lnSpc>
+                <a:spcPct val="115000"/>
+              </a:lnSpc>
+              <a:buChar char="●"/>
+            </a:pPr>
+            <a:r>
+              <a:rPr sz="1400">
+                <a:latin typeface="Noto Sans JP"/>
+              </a:rPr>
+              <a:t>Việc sử dụng ảnh gốc thay vì ảnh đã tiền xử lý giúp nâng cao độ chính xác của hệ thống, giảm thiểu lỗi trong quá trình nhận diện ký tự.</a:t>
+            </a:r>
+          </a:p>
+          <a:p>
+            <a:pPr algn="l" indent="-317500" marL="457200">
+              <a:lnSpc>
+                <a:spcPct val="115000"/>
+              </a:lnSpc>
+              <a:buChar char="●"/>
+            </a:pPr>
+            <a:r>
+              <a:rPr sz="1400">
+                <a:latin typeface="Noto Sans JP"/>
+              </a:rPr>
+              <a:t>Kết quả đạt được cho thấy hệ thống có khả năng hoạt động ổn định và chính xác hơn, góp phần cải thiện hiệu suất tổng thể.</a:t>
+            </a:r>
+          </a:p>
+        </p:txBody>
+      </p:sp>
+      <p:sp>
+        <p:nvSpPr>
+          <p:cNvPr id="5" name="TextBox 4"/>
+          <p:cNvSpPr txBox="1"/>
+          <p:nvPr/>
+        </p:nvSpPr>
+        <p:spPr>
+          <a:xfrm>
+            <a:off x="2653144" y="-3003"/>
+            <a:ext cx="3816900" cy="421500"/>
+          </a:xfrm>
+          <a:prstGeom prst="rect">
+            <a:avLst/>
+          </a:prstGeom>
+          <a:solidFill>
+            <a:srgbClr val="FFECB9"/>
+          </a:solidFill>
+        </p:spPr>
+        <p:txBody>
+          <a:bodyPr wrap="square" lIns="45720" rIns="45720" tIns="22860" bIns="22860">
+            <a:spAutoFit/>
+          </a:bodyPr>
+          <a:lstStyle/>
+          <a:p>
+            <a:pPr algn="ctr">
+              <a:lnSpc>
+                <a:spcPct val="100000"/>
+              </a:lnSpc>
+            </a:pPr>
+            <a:r>
+              <a:rPr sz="2000" b="1" i="0">
                 <a:solidFill>
                   <a:srgbClr val="000000"/>
                 </a:solidFill>
                 <a:latin typeface="Noto Sans JP"/>
               </a:rPr>
-              <a:t>03</a:t>
+              <a:t>2. 完了済み作業</a:t>
             </a:r>
           </a:p>
         </p:txBody>
@@ -30015,6 +30347,79 @@
 </file>
 
 <file path=ppt/slides/slide15.xml><?xml version="1.0" encoding="utf-8"?>
+<p:sld xmlns:a="http://schemas.openxmlformats.org/drawingml/2006/main" xmlns:p="http://schemas.openxmlformats.org/presentationml/2006/main" xmlns:r="http://schemas.openxmlformats.org/officeDocument/2006/relationships">
+  <p:cSld>
+    <p:spTree>
+      <p:nvGrpSpPr>
+        <p:cNvPr id="1" name=""/>
+        <p:cNvGrpSpPr/>
+        <p:nvPr/>
+      </p:nvGrpSpPr>
+      <p:grpSpPr/>
+      <p:sp>
+        <p:nvSpPr>
+          <p:cNvPr id="2" name="TextBox 1"/>
+          <p:cNvSpPr txBox="1"/>
+          <p:nvPr/>
+        </p:nvSpPr>
+        <p:spPr>
+          <a:xfrm>
+            <a:off x="1191600" y="1483850"/>
+            <a:ext cx="6760800" cy="1555800"/>
+          </a:xfrm>
+          <a:prstGeom prst="rect">
+            <a:avLst/>
+          </a:prstGeom>
+          <a:noFill/>
+        </p:spPr>
+        <p:txBody>
+          <a:bodyPr wrap="square" lIns="45720" rIns="45720" tIns="22860" bIns="22860">
+            <a:spAutoFit/>
+          </a:bodyPr>
+          <a:lstStyle/>
+          <a:p>
+            <a:pPr algn="ctr">
+              <a:lnSpc>
+                <a:spcPct val="150000"/>
+              </a:lnSpc>
+            </a:pPr>
+            <a:r>
+              <a:rPr sz="2400" b="1">
+                <a:solidFill>
+                  <a:srgbClr val="000000"/>
+                </a:solidFill>
+                <a:latin typeface="Noto Sans JP"/>
+              </a:rPr>
+              <a:t>2.2. AIREAD_ARISE-4157 【multi3_jpn】</a:t>
+            </a:r>
+          </a:p>
+          <a:p>
+            <a:pPr algn="ctr">
+              <a:lnSpc>
+                <a:spcPct val="150000"/>
+              </a:lnSpc>
+            </a:pPr>
+            <a:r>
+              <a:rPr sz="2400" b="1">
+                <a:solidFill>
+                  <a:srgbClr val="000000"/>
+                </a:solidFill>
+                <a:latin typeface="Noto Sans JP"/>
+              </a:rPr>
+              <a:t>Cải thiện độ chính xác mô hình multi3_jpn</a:t>
+            </a:r>
+          </a:p>
+        </p:txBody>
+      </p:sp>
+    </p:spTree>
+  </p:cSld>
+  <p:clrMapOvr>
+    <a:masterClrMapping/>
+  </p:clrMapOvr>
+</p:sld>
+</file>
+
+<file path=ppt/slides/slide16.xml><?xml version="1.0" encoding="utf-8"?>
 <p:sld xmlns:a="http://schemas.openxmlformats.org/drawingml/2006/main" xmlns:p="http://schemas.openxmlformats.org/presentationml/2006/main" xmlns:r="http://schemas.openxmlformats.org/officeDocument/2006/relationships">
   <p:cSld>
     <p:spTree>
@@ -30058,7 +30463,7 @@
                 </a:solidFill>
                 <a:latin typeface="Noto Sans JP"/>
               </a:rPr>
-              <a:t>3. 次の作業内容</a:t>
+              <a:t>2. 完了済み作業</a:t>
             </a:r>
           </a:p>
         </p:txBody>
@@ -30066,6 +30471,45 @@
       <p:sp>
         <p:nvSpPr>
           <p:cNvPr id="3" name="TextBox 2"/>
+          <p:cNvSpPr txBox="1"/>
+          <p:nvPr/>
+        </p:nvSpPr>
+        <p:spPr>
+          <a:xfrm>
+            <a:off x="8768388" y="4835723"/>
+            <a:ext cx="283200" cy="246300"/>
+          </a:xfrm>
+          <a:prstGeom prst="rect">
+            <a:avLst/>
+          </a:prstGeom>
+          <a:noFill/>
+        </p:spPr>
+        <p:txBody>
+          <a:bodyPr wrap="square" lIns="45720" rIns="45720" tIns="22860" bIns="22860">
+            <a:spAutoFit/>
+          </a:bodyPr>
+          <a:lstStyle/>
+          <a:p>
+            <a:pPr algn="l">
+              <a:lnSpc>
+                <a:spcPct val="100000"/>
+              </a:lnSpc>
+            </a:pPr>
+            <a:r>
+              <a:rPr sz="1000" b="0" i="0">
+                <a:solidFill>
+                  <a:srgbClr val="000000"/>
+                </a:solidFill>
+                <a:latin typeface="Arial"/>
+              </a:rPr>
+              <a:t>3</a:t>
+            </a:r>
+          </a:p>
+        </p:txBody>
+      </p:sp>
+      <p:sp>
+        <p:nvSpPr>
+          <p:cNvPr id="4" name="TextBox 3"/>
           <p:cNvSpPr txBox="1"/>
           <p:nvPr/>
         </p:nvSpPr>
@@ -30095,28 +30539,14 @@
               <a:rPr sz="1400">
                 <a:latin typeface="Noto Sans JP"/>
               </a:rPr>
-              <a:t>Chúng tôi sẽ tiếp tục tối ưu hóa các quy trình tiền xử lý.</a:t>
-            </a:r>
-          </a:p>
-          <a:p>
-            <a:pPr algn="l" indent="-317500" marL="457200">
-              <a:lnSpc>
-                <a:spcPct val="115000"/>
-              </a:lnSpc>
-              <a:buChar char="●"/>
-            </a:pPr>
-            <a:r>
-              <a:rPr sz="1400">
-                <a:latin typeface="Noto Sans JP"/>
-              </a:rPr>
-              <a:t>Theo dõi và cải thiện hiệu suất của hệ thống.</a:t>
+              <a:t>Mô hình multi3_jpn gặp khó khăn trong việc nhận diện các ký tự dài và ký tự đặc biệt như 「〃」, dẫn đến nhiều trường hợp đọc sai. Điều này ảnh hưởng đến độ tin cậy của hệ thống và trải nghiệm của người dùng.</a:t>
             </a:r>
           </a:p>
         </p:txBody>
       </p:sp>
       <p:sp>
         <p:nvSpPr>
-          <p:cNvPr id="4" name="TextBox 3"/>
+          <p:cNvPr id="5" name="TextBox 4"/>
           <p:cNvSpPr txBox="1"/>
           <p:nvPr/>
         </p:nvSpPr>
@@ -30150,7 +30580,641 @@
                 </a:solidFill>
                 <a:latin typeface="Noto Sans JP"/>
               </a:rPr>
-              <a:t>3. 次の作業内容</a:t>
+              <a:t>2. 完了済み作業</a:t>
+            </a:r>
+          </a:p>
+        </p:txBody>
+      </p:sp>
+    </p:spTree>
+  </p:cSld>
+  <p:clrMapOvr>
+    <a:masterClrMapping/>
+  </p:clrMapOvr>
+</p:sld>
+</file>
+
+<file path=ppt/slides/slide17.xml><?xml version="1.0" encoding="utf-8"?>
+<p:sld xmlns:a="http://schemas.openxmlformats.org/drawingml/2006/main" xmlns:p="http://schemas.openxmlformats.org/presentationml/2006/main" xmlns:r="http://schemas.openxmlformats.org/officeDocument/2006/relationships">
+  <p:cSld>
+    <p:spTree>
+      <p:nvGrpSpPr>
+        <p:cNvPr id="1" name=""/>
+        <p:cNvGrpSpPr/>
+        <p:nvPr/>
+      </p:nvGrpSpPr>
+      <p:grpSpPr/>
+      <p:sp>
+        <p:nvSpPr>
+          <p:cNvPr id="2" name="TextBox 1"/>
+          <p:cNvSpPr txBox="1"/>
+          <p:nvPr/>
+        </p:nvSpPr>
+        <p:spPr>
+          <a:xfrm>
+            <a:off x="584875" y="427349"/>
+            <a:ext cx="7717500" cy="421500"/>
+          </a:xfrm>
+          <a:prstGeom prst="rect">
+            <a:avLst/>
+          </a:prstGeom>
+          <a:noFill/>
+        </p:spPr>
+        <p:txBody>
+          <a:bodyPr wrap="square" lIns="45720" rIns="45720" tIns="22860" bIns="22860">
+            <a:spAutoFit/>
+          </a:bodyPr>
+          <a:lstStyle/>
+          <a:p>
+            <a:pPr algn="l">
+              <a:lnSpc>
+                <a:spcPct val="100000"/>
+              </a:lnSpc>
+            </a:pPr>
+            <a:r>
+              <a:rPr sz="1800" b="1">
+                <a:solidFill>
+                  <a:srgbClr val="000000"/>
+                </a:solidFill>
+                <a:latin typeface="Noto Sans JP"/>
+              </a:rPr>
+              <a:t>2. 完了済み作業</a:t>
+            </a:r>
+          </a:p>
+        </p:txBody>
+      </p:sp>
+      <p:sp>
+        <p:nvSpPr>
+          <p:cNvPr id="3" name="TextBox 2"/>
+          <p:cNvSpPr txBox="1"/>
+          <p:nvPr/>
+        </p:nvSpPr>
+        <p:spPr>
+          <a:xfrm>
+            <a:off x="8768388" y="4835723"/>
+            <a:ext cx="283200" cy="246300"/>
+          </a:xfrm>
+          <a:prstGeom prst="rect">
+            <a:avLst/>
+          </a:prstGeom>
+          <a:noFill/>
+        </p:spPr>
+        <p:txBody>
+          <a:bodyPr wrap="square" lIns="45720" rIns="45720" tIns="22860" bIns="22860">
+            <a:spAutoFit/>
+          </a:bodyPr>
+          <a:lstStyle/>
+          <a:p>
+            <a:pPr algn="l">
+              <a:lnSpc>
+                <a:spcPct val="100000"/>
+              </a:lnSpc>
+            </a:pPr>
+            <a:r>
+              <a:rPr sz="1000" b="0" i="0">
+                <a:solidFill>
+                  <a:srgbClr val="000000"/>
+                </a:solidFill>
+                <a:latin typeface="Arial"/>
+              </a:rPr>
+              <a:t>3</a:t>
+            </a:r>
+          </a:p>
+        </p:txBody>
+      </p:sp>
+      <p:sp>
+        <p:nvSpPr>
+          <p:cNvPr id="4" name="TextBox 3"/>
+          <p:cNvSpPr txBox="1"/>
+          <p:nvPr/>
+        </p:nvSpPr>
+        <p:spPr>
+          <a:xfrm>
+            <a:off x="626250" y="923775"/>
+            <a:ext cx="7891500" cy="3873600"/>
+          </a:xfrm>
+          <a:prstGeom prst="rect">
+            <a:avLst/>
+          </a:prstGeom>
+          <a:noFill/>
+        </p:spPr>
+        <p:txBody>
+          <a:bodyPr wrap="square" lIns="45720" rIns="45720" tIns="22860" bIns="22860">
+            <a:spAutoFit/>
+          </a:bodyPr>
+          <a:lstStyle/>
+          <a:p>
+            <a:pPr algn="l" indent="-317500" marL="457200">
+              <a:lnSpc>
+                <a:spcPct val="115000"/>
+              </a:lnSpc>
+              <a:buChar char="●"/>
+            </a:pPr>
+            <a:r>
+              <a:rPr sz="1400">
+                <a:latin typeface="Noto Sans JP"/>
+              </a:rPr>
+              <a:t>Vấn đề hiện tại: Mô hình hiện tại không thể nhận diện chính xác các ký tự dài và ký tự đặc biệt, gây ra lỗi trong việc đọc ký tự.</a:t>
+            </a:r>
+          </a:p>
+          <a:p>
+            <a:pPr algn="l" lvl="1" indent="-317500" marL="914400">
+              <a:lnSpc>
+                <a:spcPct val="115000"/>
+              </a:lnSpc>
+              <a:buChar char="○"/>
+            </a:pPr>
+            <a:r>
+              <a:rPr sz="1400">
+                <a:latin typeface="Noto Sans JP"/>
+              </a:rPr>
+              <a:t>Chúng tôi đã thực hiện các bài kiểm tra riêng cho các trường hợp ký tự dài (~70 ký tự/câu) trên mã nguồn PaddleOCRv5 và mã dự án để xác định nguyên nhân gây ra lỗi.</a:t>
+            </a:r>
+          </a:p>
+          <a:p>
+            <a:pPr algn="l" lvl="1" indent="-317500" marL="914400">
+              <a:lnSpc>
+                <a:spcPct val="115000"/>
+              </a:lnSpc>
+              <a:buChar char="○"/>
+            </a:pPr>
+            <a:r>
+              <a:rPr sz="1400">
+                <a:latin typeface="Noto Sans JP"/>
+              </a:rPr>
+              <a:t>Implementation chi tiết: Đang kiểm tra lại phần preprocess của dự án để xác định vấn đề trong quy trình xử lý ảnh.</a:t>
+            </a:r>
+          </a:p>
+          <a:p>
+            <a:pPr algn="l" lvl="1" indent="-317500" marL="914400">
+              <a:lnSpc>
+                <a:spcPct val="115000"/>
+              </a:lnSpc>
+              <a:buChar char="○"/>
+            </a:pPr>
+            <a:r>
+              <a:rPr sz="1400">
+                <a:latin typeface="Noto Sans JP"/>
+              </a:rPr>
+              <a:t>Configuration changes: Không có thay đổi cấu hình cụ thể trong nhiệm vụ này.</a:t>
+            </a:r>
+          </a:p>
+        </p:txBody>
+      </p:sp>
+      <p:sp>
+        <p:nvSpPr>
+          <p:cNvPr id="5" name="TextBox 4"/>
+          <p:cNvSpPr txBox="1"/>
+          <p:nvPr/>
+        </p:nvSpPr>
+        <p:spPr>
+          <a:xfrm>
+            <a:off x="2653144" y="-3003"/>
+            <a:ext cx="3816900" cy="421500"/>
+          </a:xfrm>
+          <a:prstGeom prst="rect">
+            <a:avLst/>
+          </a:prstGeom>
+          <a:solidFill>
+            <a:srgbClr val="FFECB9"/>
+          </a:solidFill>
+        </p:spPr>
+        <p:txBody>
+          <a:bodyPr wrap="square" lIns="45720" rIns="45720" tIns="22860" bIns="22860">
+            <a:spAutoFit/>
+          </a:bodyPr>
+          <a:lstStyle/>
+          <a:p>
+            <a:pPr algn="ctr">
+              <a:lnSpc>
+                <a:spcPct val="100000"/>
+              </a:lnSpc>
+            </a:pPr>
+            <a:r>
+              <a:rPr sz="2000" b="1" i="0">
+                <a:solidFill>
+                  <a:srgbClr val="000000"/>
+                </a:solidFill>
+                <a:latin typeface="Noto Sans JP"/>
+              </a:rPr>
+              <a:t>2. 完了済み作業</a:t>
+            </a:r>
+          </a:p>
+        </p:txBody>
+      </p:sp>
+    </p:spTree>
+  </p:cSld>
+  <p:clrMapOvr>
+    <a:masterClrMapping/>
+  </p:clrMapOvr>
+</p:sld>
+</file>
+
+<file path=ppt/slides/slide18.xml><?xml version="1.0" encoding="utf-8"?>
+<p:sld xmlns:a="http://schemas.openxmlformats.org/drawingml/2006/main" xmlns:p="http://schemas.openxmlformats.org/presentationml/2006/main" xmlns:r="http://schemas.openxmlformats.org/officeDocument/2006/relationships">
+  <p:cSld>
+    <p:spTree>
+      <p:nvGrpSpPr>
+        <p:cNvPr id="1" name=""/>
+        <p:cNvGrpSpPr/>
+        <p:nvPr/>
+      </p:nvGrpSpPr>
+      <p:grpSpPr/>
+      <p:sp>
+        <p:nvSpPr>
+          <p:cNvPr id="2" name="TextBox 1"/>
+          <p:cNvSpPr txBox="1"/>
+          <p:nvPr/>
+        </p:nvSpPr>
+        <p:spPr>
+          <a:xfrm>
+            <a:off x="584875" y="427349"/>
+            <a:ext cx="7717500" cy="421500"/>
+          </a:xfrm>
+          <a:prstGeom prst="rect">
+            <a:avLst/>
+          </a:prstGeom>
+          <a:noFill/>
+        </p:spPr>
+        <p:txBody>
+          <a:bodyPr wrap="square" lIns="45720" rIns="45720" tIns="22860" bIns="22860">
+            <a:spAutoFit/>
+          </a:bodyPr>
+          <a:lstStyle/>
+          <a:p>
+            <a:pPr algn="l">
+              <a:lnSpc>
+                <a:spcPct val="100000"/>
+              </a:lnSpc>
+            </a:pPr>
+            <a:r>
+              <a:rPr sz="1800" b="1">
+                <a:solidFill>
+                  <a:srgbClr val="000000"/>
+                </a:solidFill>
+                <a:latin typeface="Noto Sans JP"/>
+              </a:rPr>
+              <a:t>2. 完了済み作業</a:t>
+            </a:r>
+          </a:p>
+        </p:txBody>
+      </p:sp>
+      <p:sp>
+        <p:nvSpPr>
+          <p:cNvPr id="3" name="TextBox 2"/>
+          <p:cNvSpPr txBox="1"/>
+          <p:nvPr/>
+        </p:nvSpPr>
+        <p:spPr>
+          <a:xfrm>
+            <a:off x="8768388" y="4835723"/>
+            <a:ext cx="283200" cy="246300"/>
+          </a:xfrm>
+          <a:prstGeom prst="rect">
+            <a:avLst/>
+          </a:prstGeom>
+          <a:noFill/>
+        </p:spPr>
+        <p:txBody>
+          <a:bodyPr wrap="square" lIns="45720" rIns="45720" tIns="22860" bIns="22860">
+            <a:spAutoFit/>
+          </a:bodyPr>
+          <a:lstStyle/>
+          <a:p>
+            <a:pPr algn="l">
+              <a:lnSpc>
+                <a:spcPct val="100000"/>
+              </a:lnSpc>
+            </a:pPr>
+            <a:r>
+              <a:rPr sz="1000" b="0" i="0">
+                <a:solidFill>
+                  <a:srgbClr val="000000"/>
+                </a:solidFill>
+                <a:latin typeface="Arial"/>
+              </a:rPr>
+              <a:t>3</a:t>
+            </a:r>
+          </a:p>
+        </p:txBody>
+      </p:sp>
+      <p:sp>
+        <p:nvSpPr>
+          <p:cNvPr id="4" name="TextBox 3"/>
+          <p:cNvSpPr txBox="1"/>
+          <p:nvPr/>
+        </p:nvSpPr>
+        <p:spPr>
+          <a:xfrm>
+            <a:off x="626250" y="923775"/>
+            <a:ext cx="7891500" cy="3873600"/>
+          </a:xfrm>
+          <a:prstGeom prst="rect">
+            <a:avLst/>
+          </a:prstGeom>
+          <a:noFill/>
+        </p:spPr>
+        <p:txBody>
+          <a:bodyPr wrap="square" lIns="45720" rIns="45720" tIns="22860" bIns="22860">
+            <a:spAutoFit/>
+          </a:bodyPr>
+          <a:lstStyle/>
+          <a:p>
+            <a:pPr algn="l" indent="-317500" marL="457200">
+              <a:lnSpc>
+                <a:spcPct val="115000"/>
+              </a:lnSpc>
+              <a:buChar char="●"/>
+            </a:pPr>
+            <a:r>
+              <a:rPr sz="1400">
+                <a:latin typeface="Noto Sans JP"/>
+              </a:rPr>
+              <a:t>Vấn đề hiện tại: Mô hình hiện tại không thể nhận diện chính xác các ký tự dài và ký tự đặc biệt, gây ra lỗi trong việc đọc ký tự.</a:t>
+            </a:r>
+          </a:p>
+          <a:p>
+            <a:pPr algn="l" lvl="1" indent="-317500" marL="914400">
+              <a:lnSpc>
+                <a:spcPct val="115000"/>
+              </a:lnSpc>
+              <a:buChar char="○"/>
+            </a:pPr>
+            <a:r>
+              <a:rPr sz="1400">
+                <a:latin typeface="Noto Sans JP"/>
+              </a:rPr>
+              <a:t>Testing đã thực hiện: Chúng tôi đã chạy các bài kiểm tra với các trường hợp ký tự dài và ký tự đặc biệt, so sánh kết quả giữa mã PaddleOCRv5 và mã dự án.</a:t>
+            </a:r>
+          </a:p>
+          <a:p>
+            <a:pPr algn="l" lvl="1" indent="-317500" marL="914400">
+              <a:lnSpc>
+                <a:spcPct val="115000"/>
+              </a:lnSpc>
+              <a:buChar char="○"/>
+            </a:pPr>
+            <a:r>
+              <a:rPr sz="1400">
+                <a:latin typeface="Noto Sans JP"/>
+              </a:rPr>
+              <a:t>Kết quả đo lường: Code PaddleOCRv5 đạt độ chính xác 91/100 với ảnh tự render, trong khi mã dự án gặp lỗi hoàn toàn.</a:t>
+            </a:r>
+          </a:p>
+          <a:p>
+            <a:pPr algn="l" lvl="1" indent="-317500" marL="914400">
+              <a:lnSpc>
+                <a:spcPct val="115000"/>
+              </a:lnSpc>
+              <a:buChar char="○"/>
+            </a:pPr>
+            <a:r>
+              <a:rPr sz="1400">
+                <a:latin typeface="Noto Sans JP"/>
+              </a:rPr>
+              <a:t>Quality control: Đang trong quá trình kiểm tra và xác minh các lỗi trong quy trình preprocess.</a:t>
+            </a:r>
+          </a:p>
+        </p:txBody>
+      </p:sp>
+      <p:sp>
+        <p:nvSpPr>
+          <p:cNvPr id="5" name="TextBox 4"/>
+          <p:cNvSpPr txBox="1"/>
+          <p:nvPr/>
+        </p:nvSpPr>
+        <p:spPr>
+          <a:xfrm>
+            <a:off x="2653144" y="-3003"/>
+            <a:ext cx="3816900" cy="421500"/>
+          </a:xfrm>
+          <a:prstGeom prst="rect">
+            <a:avLst/>
+          </a:prstGeom>
+          <a:solidFill>
+            <a:srgbClr val="FFECB9"/>
+          </a:solidFill>
+        </p:spPr>
+        <p:txBody>
+          <a:bodyPr wrap="square" lIns="45720" rIns="45720" tIns="22860" bIns="22860">
+            <a:spAutoFit/>
+          </a:bodyPr>
+          <a:lstStyle/>
+          <a:p>
+            <a:pPr algn="ctr">
+              <a:lnSpc>
+                <a:spcPct val="100000"/>
+              </a:lnSpc>
+            </a:pPr>
+            <a:r>
+              <a:rPr sz="2000" b="1" i="0">
+                <a:solidFill>
+                  <a:srgbClr val="000000"/>
+                </a:solidFill>
+                <a:latin typeface="Noto Sans JP"/>
+              </a:rPr>
+              <a:t>2. 完了済み作業</a:t>
+            </a:r>
+          </a:p>
+        </p:txBody>
+      </p:sp>
+    </p:spTree>
+  </p:cSld>
+  <p:clrMapOvr>
+    <a:masterClrMapping/>
+  </p:clrMapOvr>
+</p:sld>
+</file>
+
+<file path=ppt/slides/slide19.xml><?xml version="1.0" encoding="utf-8"?>
+<p:sld xmlns:a="http://schemas.openxmlformats.org/drawingml/2006/main" xmlns:p="http://schemas.openxmlformats.org/presentationml/2006/main" xmlns:r="http://schemas.openxmlformats.org/officeDocument/2006/relationships">
+  <p:cSld>
+    <p:spTree>
+      <p:nvGrpSpPr>
+        <p:cNvPr id="1" name=""/>
+        <p:cNvGrpSpPr/>
+        <p:nvPr/>
+      </p:nvGrpSpPr>
+      <p:grpSpPr/>
+      <p:sp>
+        <p:nvSpPr>
+          <p:cNvPr id="2" name="TextBox 1"/>
+          <p:cNvSpPr txBox="1"/>
+          <p:nvPr/>
+        </p:nvSpPr>
+        <p:spPr>
+          <a:xfrm>
+            <a:off x="584875" y="427349"/>
+            <a:ext cx="7717500" cy="421500"/>
+          </a:xfrm>
+          <a:prstGeom prst="rect">
+            <a:avLst/>
+          </a:prstGeom>
+          <a:noFill/>
+        </p:spPr>
+        <p:txBody>
+          <a:bodyPr wrap="square" lIns="45720" rIns="45720" tIns="22860" bIns="22860">
+            <a:spAutoFit/>
+          </a:bodyPr>
+          <a:lstStyle/>
+          <a:p>
+            <a:pPr algn="l">
+              <a:lnSpc>
+                <a:spcPct val="100000"/>
+              </a:lnSpc>
+            </a:pPr>
+            <a:r>
+              <a:rPr sz="1800" b="1">
+                <a:solidFill>
+                  <a:srgbClr val="000000"/>
+                </a:solidFill>
+                <a:latin typeface="Noto Sans JP"/>
+              </a:rPr>
+              <a:t>2. 完了済み作業</a:t>
+            </a:r>
+          </a:p>
+        </p:txBody>
+      </p:sp>
+      <p:sp>
+        <p:nvSpPr>
+          <p:cNvPr id="3" name="TextBox 2"/>
+          <p:cNvSpPr txBox="1"/>
+          <p:nvPr/>
+        </p:nvSpPr>
+        <p:spPr>
+          <a:xfrm>
+            <a:off x="8768388" y="4835723"/>
+            <a:ext cx="283200" cy="246300"/>
+          </a:xfrm>
+          <a:prstGeom prst="rect">
+            <a:avLst/>
+          </a:prstGeom>
+          <a:noFill/>
+        </p:spPr>
+        <p:txBody>
+          <a:bodyPr wrap="square" lIns="45720" rIns="45720" tIns="22860" bIns="22860">
+            <a:spAutoFit/>
+          </a:bodyPr>
+          <a:lstStyle/>
+          <a:p>
+            <a:pPr algn="l">
+              <a:lnSpc>
+                <a:spcPct val="100000"/>
+              </a:lnSpc>
+            </a:pPr>
+            <a:r>
+              <a:rPr sz="1000" b="0" i="0">
+                <a:solidFill>
+                  <a:srgbClr val="000000"/>
+                </a:solidFill>
+                <a:latin typeface="Arial"/>
+              </a:rPr>
+              <a:t>3</a:t>
+            </a:r>
+          </a:p>
+        </p:txBody>
+      </p:sp>
+      <p:sp>
+        <p:nvSpPr>
+          <p:cNvPr id="4" name="TextBox 3"/>
+          <p:cNvSpPr txBox="1"/>
+          <p:nvPr/>
+        </p:nvSpPr>
+        <p:spPr>
+          <a:xfrm>
+            <a:off x="626250" y="923775"/>
+            <a:ext cx="7891500" cy="3873600"/>
+          </a:xfrm>
+          <a:prstGeom prst="rect">
+            <a:avLst/>
+          </a:prstGeom>
+          <a:noFill/>
+        </p:spPr>
+        <p:txBody>
+          <a:bodyPr wrap="square" lIns="45720" rIns="45720" tIns="22860" bIns="22860">
+            <a:spAutoFit/>
+          </a:bodyPr>
+          <a:lstStyle/>
+          <a:p>
+            <a:pPr algn="l" indent="-317500" marL="457200">
+              <a:lnSpc>
+                <a:spcPct val="115000"/>
+              </a:lnSpc>
+              <a:buChar char="●"/>
+            </a:pPr>
+            <a:r>
+              <a:rPr sz="1400">
+                <a:latin typeface="Noto Sans JP"/>
+              </a:rPr>
+              <a:t>Đã xác định được rằng mã dự án gặp vấn đề trong quy trình preprocess, cần được sửa đổi để cải thiện độ chính xác.</a:t>
+            </a:r>
+          </a:p>
+          <a:p>
+            <a:pPr algn="l" indent="-317500" marL="457200">
+              <a:lnSpc>
+                <a:spcPct val="115000"/>
+              </a:lnSpc>
+              <a:buChar char="●"/>
+            </a:pPr>
+            <a:r>
+              <a:rPr sz="1400">
+                <a:latin typeface="Noto Sans JP"/>
+              </a:rPr>
+              <a:t>Sự khác biệt trong kết quả giữa mã PaddleOCRv5 và mã dự án cho thấy cần phải điều chỉnh quy trình xử lý ảnh để đảm bảo tính chính xác trong nhận diện ký tự.</a:t>
+            </a:r>
+          </a:p>
+          <a:p>
+            <a:pPr algn="l" indent="-317500" marL="457200">
+              <a:lnSpc>
+                <a:spcPct val="115000"/>
+              </a:lnSpc>
+              <a:buChar char="●"/>
+            </a:pPr>
+            <a:r>
+              <a:rPr sz="1400">
+                <a:latin typeface="Noto Sans JP"/>
+              </a:rPr>
+              <a:t>Cần tiếp tục điều chỉnh và tối ưu hóa quy trình preprocess để đạt được kết quả tốt hơn.</a:t>
+            </a:r>
+          </a:p>
+        </p:txBody>
+      </p:sp>
+      <p:sp>
+        <p:nvSpPr>
+          <p:cNvPr id="5" name="TextBox 4"/>
+          <p:cNvSpPr txBox="1"/>
+          <p:nvPr/>
+        </p:nvSpPr>
+        <p:spPr>
+          <a:xfrm>
+            <a:off x="2653144" y="-3003"/>
+            <a:ext cx="3816900" cy="421500"/>
+          </a:xfrm>
+          <a:prstGeom prst="rect">
+            <a:avLst/>
+          </a:prstGeom>
+          <a:solidFill>
+            <a:srgbClr val="FFECB9"/>
+          </a:solidFill>
+        </p:spPr>
+        <p:txBody>
+          <a:bodyPr wrap="square" lIns="45720" rIns="45720" tIns="22860" bIns="22860">
+            <a:spAutoFit/>
+          </a:bodyPr>
+          <a:lstStyle/>
+          <a:p>
+            <a:pPr algn="ctr">
+              <a:lnSpc>
+                <a:spcPct val="100000"/>
+              </a:lnSpc>
+            </a:pPr>
+            <a:r>
+              <a:rPr sz="2000" b="1" i="0">
+                <a:solidFill>
+                  <a:srgbClr val="000000"/>
+                </a:solidFill>
+                <a:latin typeface="Noto Sans JP"/>
+              </a:rPr>
+              <a:t>2. 完了済み作業</a:t>
             </a:r>
           </a:p>
         </p:txBody>
@@ -30215,6 +31279,1662 @@
 </p:sld>
 </file>
 
+<file path=ppt/slides/slide20.xml><?xml version="1.0" encoding="utf-8"?>
+<p:sld xmlns:a="http://schemas.openxmlformats.org/drawingml/2006/main" xmlns:p="http://schemas.openxmlformats.org/presentationml/2006/main" xmlns:r="http://schemas.openxmlformats.org/officeDocument/2006/relationships">
+  <p:cSld>
+    <p:spTree>
+      <p:nvGrpSpPr>
+        <p:cNvPr id="1" name=""/>
+        <p:cNvGrpSpPr/>
+        <p:nvPr/>
+      </p:nvGrpSpPr>
+      <p:grpSpPr/>
+      <p:sp>
+        <p:nvSpPr>
+          <p:cNvPr id="2" name="TextBox 1"/>
+          <p:cNvSpPr txBox="1"/>
+          <p:nvPr/>
+        </p:nvSpPr>
+        <p:spPr>
+          <a:xfrm>
+            <a:off x="1191600" y="1483850"/>
+            <a:ext cx="6760800" cy="1555800"/>
+          </a:xfrm>
+          <a:prstGeom prst="rect">
+            <a:avLst/>
+          </a:prstGeom>
+          <a:noFill/>
+        </p:spPr>
+        <p:txBody>
+          <a:bodyPr wrap="square" lIns="45720" rIns="45720" tIns="22860" bIns="22860">
+            <a:spAutoFit/>
+          </a:bodyPr>
+          <a:lstStyle/>
+          <a:p>
+            <a:pPr algn="ctr">
+              <a:lnSpc>
+                <a:spcPct val="150000"/>
+              </a:lnSpc>
+            </a:pPr>
+            <a:r>
+              <a:rPr sz="2400" b="1">
+                <a:solidFill>
+                  <a:srgbClr val="000000"/>
+                </a:solidFill>
+                <a:latin typeface="Noto Sans JP"/>
+              </a:rPr>
+              <a:t>2.3. AIREAD_ARISE-4157 【multi3_jpn】</a:t>
+            </a:r>
+          </a:p>
+          <a:p>
+            <a:pPr algn="ctr">
+              <a:lnSpc>
+                <a:spcPct val="150000"/>
+              </a:lnSpc>
+            </a:pPr>
+            <a:r>
+              <a:rPr sz="2400" b="1">
+                <a:solidFill>
+                  <a:srgbClr val="000000"/>
+                </a:solidFill>
+                <a:latin typeface="Noto Sans JP"/>
+              </a:rPr>
+              <a:t>Cải thiện độ chính xác mô hình multi3_jpn</a:t>
+            </a:r>
+          </a:p>
+        </p:txBody>
+      </p:sp>
+    </p:spTree>
+  </p:cSld>
+  <p:clrMapOvr>
+    <a:masterClrMapping/>
+  </p:clrMapOvr>
+</p:sld>
+</file>
+
+<file path=ppt/slides/slide21.xml><?xml version="1.0" encoding="utf-8"?>
+<p:sld xmlns:a="http://schemas.openxmlformats.org/drawingml/2006/main" xmlns:p="http://schemas.openxmlformats.org/presentationml/2006/main" xmlns:r="http://schemas.openxmlformats.org/officeDocument/2006/relationships">
+  <p:cSld>
+    <p:spTree>
+      <p:nvGrpSpPr>
+        <p:cNvPr id="1" name=""/>
+        <p:cNvGrpSpPr/>
+        <p:nvPr/>
+      </p:nvGrpSpPr>
+      <p:grpSpPr/>
+      <p:sp>
+        <p:nvSpPr>
+          <p:cNvPr id="2" name="TextBox 1"/>
+          <p:cNvSpPr txBox="1"/>
+          <p:nvPr/>
+        </p:nvSpPr>
+        <p:spPr>
+          <a:xfrm>
+            <a:off x="584875" y="427349"/>
+            <a:ext cx="7717500" cy="421500"/>
+          </a:xfrm>
+          <a:prstGeom prst="rect">
+            <a:avLst/>
+          </a:prstGeom>
+          <a:noFill/>
+        </p:spPr>
+        <p:txBody>
+          <a:bodyPr wrap="square" lIns="45720" rIns="45720" tIns="22860" bIns="22860">
+            <a:spAutoFit/>
+          </a:bodyPr>
+          <a:lstStyle/>
+          <a:p>
+            <a:pPr algn="l">
+              <a:lnSpc>
+                <a:spcPct val="100000"/>
+              </a:lnSpc>
+            </a:pPr>
+            <a:r>
+              <a:rPr sz="1800" b="1">
+                <a:solidFill>
+                  <a:srgbClr val="000000"/>
+                </a:solidFill>
+                <a:latin typeface="Noto Sans JP"/>
+              </a:rPr>
+              <a:t>2. 完了済み作業</a:t>
+            </a:r>
+          </a:p>
+        </p:txBody>
+      </p:sp>
+      <p:sp>
+        <p:nvSpPr>
+          <p:cNvPr id="3" name="TextBox 2"/>
+          <p:cNvSpPr txBox="1"/>
+          <p:nvPr/>
+        </p:nvSpPr>
+        <p:spPr>
+          <a:xfrm>
+            <a:off x="8768388" y="4835723"/>
+            <a:ext cx="283200" cy="246300"/>
+          </a:xfrm>
+          <a:prstGeom prst="rect">
+            <a:avLst/>
+          </a:prstGeom>
+          <a:noFill/>
+        </p:spPr>
+        <p:txBody>
+          <a:bodyPr wrap="square" lIns="45720" rIns="45720" tIns="22860" bIns="22860">
+            <a:spAutoFit/>
+          </a:bodyPr>
+          <a:lstStyle/>
+          <a:p>
+            <a:pPr algn="l">
+              <a:lnSpc>
+                <a:spcPct val="100000"/>
+              </a:lnSpc>
+            </a:pPr>
+            <a:r>
+              <a:rPr sz="1000" b="0" i="0">
+                <a:solidFill>
+                  <a:srgbClr val="000000"/>
+                </a:solidFill>
+                <a:latin typeface="Arial"/>
+              </a:rPr>
+              <a:t>3</a:t>
+            </a:r>
+          </a:p>
+        </p:txBody>
+      </p:sp>
+      <p:sp>
+        <p:nvSpPr>
+          <p:cNvPr id="4" name="TextBox 3"/>
+          <p:cNvSpPr txBox="1"/>
+          <p:nvPr/>
+        </p:nvSpPr>
+        <p:spPr>
+          <a:xfrm>
+            <a:off x="626250" y="923775"/>
+            <a:ext cx="7891500" cy="3873600"/>
+          </a:xfrm>
+          <a:prstGeom prst="rect">
+            <a:avLst/>
+          </a:prstGeom>
+          <a:noFill/>
+        </p:spPr>
+        <p:txBody>
+          <a:bodyPr wrap="square" lIns="45720" rIns="45720" tIns="22860" bIns="22860">
+            <a:spAutoFit/>
+          </a:bodyPr>
+          <a:lstStyle/>
+          <a:p>
+            <a:pPr algn="l" indent="-317500" marL="457200">
+              <a:lnSpc>
+                <a:spcPct val="115000"/>
+              </a:lnSpc>
+              <a:buChar char="●"/>
+            </a:pPr>
+            <a:r>
+              <a:rPr sz="1400">
+                <a:latin typeface="Noto Sans JP"/>
+              </a:rPr>
+              <a:t>Quy trình tiền xử lý cũ sử dụng resize cố định và padding trắng gây lỗi cho mô hình multi3_jpn, dẫn đến ảnh dài bị vỡ nét và padding không chính xác cho ảnh ngắn.</a:t>
+            </a:r>
+          </a:p>
+        </p:txBody>
+      </p:sp>
+      <p:sp>
+        <p:nvSpPr>
+          <p:cNvPr id="5" name="TextBox 4"/>
+          <p:cNvSpPr txBox="1"/>
+          <p:nvPr/>
+        </p:nvSpPr>
+        <p:spPr>
+          <a:xfrm>
+            <a:off x="2653144" y="-3003"/>
+            <a:ext cx="3816900" cy="421500"/>
+          </a:xfrm>
+          <a:prstGeom prst="rect">
+            <a:avLst/>
+          </a:prstGeom>
+          <a:solidFill>
+            <a:srgbClr val="FFECB9"/>
+          </a:solidFill>
+        </p:spPr>
+        <p:txBody>
+          <a:bodyPr wrap="square" lIns="45720" rIns="45720" tIns="22860" bIns="22860">
+            <a:spAutoFit/>
+          </a:bodyPr>
+          <a:lstStyle/>
+          <a:p>
+            <a:pPr algn="ctr">
+              <a:lnSpc>
+                <a:spcPct val="100000"/>
+              </a:lnSpc>
+            </a:pPr>
+            <a:r>
+              <a:rPr sz="2000" b="1" i="0">
+                <a:solidFill>
+                  <a:srgbClr val="000000"/>
+                </a:solidFill>
+                <a:latin typeface="Noto Sans JP"/>
+              </a:rPr>
+              <a:t>2. 完了済み作業</a:t>
+            </a:r>
+          </a:p>
+        </p:txBody>
+      </p:sp>
+    </p:spTree>
+  </p:cSld>
+  <p:clrMapOvr>
+    <a:masterClrMapping/>
+  </p:clrMapOvr>
+</p:sld>
+</file>
+
+<file path=ppt/slides/slide22.xml><?xml version="1.0" encoding="utf-8"?>
+<p:sld xmlns:a="http://schemas.openxmlformats.org/drawingml/2006/main" xmlns:p="http://schemas.openxmlformats.org/presentationml/2006/main" xmlns:r="http://schemas.openxmlformats.org/officeDocument/2006/relationships">
+  <p:cSld>
+    <p:spTree>
+      <p:nvGrpSpPr>
+        <p:cNvPr id="1" name=""/>
+        <p:cNvGrpSpPr/>
+        <p:nvPr/>
+      </p:nvGrpSpPr>
+      <p:grpSpPr/>
+      <p:sp>
+        <p:nvSpPr>
+          <p:cNvPr id="2" name="TextBox 1"/>
+          <p:cNvSpPr txBox="1"/>
+          <p:nvPr/>
+        </p:nvSpPr>
+        <p:spPr>
+          <a:xfrm>
+            <a:off x="584875" y="427349"/>
+            <a:ext cx="7717500" cy="421500"/>
+          </a:xfrm>
+          <a:prstGeom prst="rect">
+            <a:avLst/>
+          </a:prstGeom>
+          <a:noFill/>
+        </p:spPr>
+        <p:txBody>
+          <a:bodyPr wrap="square" lIns="45720" rIns="45720" tIns="22860" bIns="22860">
+            <a:spAutoFit/>
+          </a:bodyPr>
+          <a:lstStyle/>
+          <a:p>
+            <a:pPr algn="l">
+              <a:lnSpc>
+                <a:spcPct val="100000"/>
+              </a:lnSpc>
+            </a:pPr>
+            <a:r>
+              <a:rPr sz="1800" b="1">
+                <a:solidFill>
+                  <a:srgbClr val="000000"/>
+                </a:solidFill>
+                <a:latin typeface="Noto Sans JP"/>
+              </a:rPr>
+              <a:t>2. 完了済み作業</a:t>
+            </a:r>
+          </a:p>
+        </p:txBody>
+      </p:sp>
+      <p:sp>
+        <p:nvSpPr>
+          <p:cNvPr id="3" name="TextBox 2"/>
+          <p:cNvSpPr txBox="1"/>
+          <p:nvPr/>
+        </p:nvSpPr>
+        <p:spPr>
+          <a:xfrm>
+            <a:off x="8768388" y="4835723"/>
+            <a:ext cx="283200" cy="246300"/>
+          </a:xfrm>
+          <a:prstGeom prst="rect">
+            <a:avLst/>
+          </a:prstGeom>
+          <a:noFill/>
+        </p:spPr>
+        <p:txBody>
+          <a:bodyPr wrap="square" lIns="45720" rIns="45720" tIns="22860" bIns="22860">
+            <a:spAutoFit/>
+          </a:bodyPr>
+          <a:lstStyle/>
+          <a:p>
+            <a:pPr algn="l">
+              <a:lnSpc>
+                <a:spcPct val="100000"/>
+              </a:lnSpc>
+            </a:pPr>
+            <a:r>
+              <a:rPr sz="1000" b="0" i="0">
+                <a:solidFill>
+                  <a:srgbClr val="000000"/>
+                </a:solidFill>
+                <a:latin typeface="Arial"/>
+              </a:rPr>
+              <a:t>3</a:t>
+            </a:r>
+          </a:p>
+        </p:txBody>
+      </p:sp>
+      <p:sp>
+        <p:nvSpPr>
+          <p:cNvPr id="4" name="TextBox 3"/>
+          <p:cNvSpPr txBox="1"/>
+          <p:nvPr/>
+        </p:nvSpPr>
+        <p:spPr>
+          <a:xfrm>
+            <a:off x="626250" y="923775"/>
+            <a:ext cx="7891500" cy="3873600"/>
+          </a:xfrm>
+          <a:prstGeom prst="rect">
+            <a:avLst/>
+          </a:prstGeom>
+          <a:noFill/>
+        </p:spPr>
+        <p:txBody>
+          <a:bodyPr wrap="square" lIns="45720" rIns="45720" tIns="22860" bIns="22860">
+            <a:spAutoFit/>
+          </a:bodyPr>
+          <a:lstStyle/>
+          <a:p>
+            <a:pPr algn="l" indent="-317500" marL="457200">
+              <a:lnSpc>
+                <a:spcPct val="115000"/>
+              </a:lnSpc>
+              <a:buChar char="●"/>
+            </a:pPr>
+            <a:r>
+              <a:rPr sz="1400">
+                <a:latin typeface="Noto Sans JP"/>
+              </a:rPr>
+              <a:t>Vấn đề hiện tại: Việc sử dụng chiều cao cố định 48px và padding trắng gây ra sự sai lệch trong quá trình nhận diện ký tự, đặc biệt với các ảnh dài.</a:t>
+            </a:r>
+          </a:p>
+          <a:p>
+            <a:pPr algn="l" lvl="1" indent="-317500" marL="914400">
+              <a:lnSpc>
+                <a:spcPct val="115000"/>
+              </a:lnSpc>
+              <a:buChar char="○"/>
+            </a:pPr>
+            <a:r>
+              <a:rPr sz="1400">
+                <a:latin typeface="Noto Sans JP"/>
+              </a:rPr>
+              <a:t>Chúng tôi đã sửa lại phần resize hàm preprocess để đảm bảo ảnh dài sẽ được resize về chiều cao 48px cố định, giữ tỷ lệ ban đầu cho chiều rộng.</a:t>
+            </a:r>
+          </a:p>
+          <a:p>
+            <a:pPr algn="l" lvl="1" indent="-317500" marL="914400">
+              <a:lnSpc>
+                <a:spcPct val="115000"/>
+              </a:lnSpc>
+              <a:buChar char="○"/>
+            </a:pPr>
+            <a:r>
+              <a:rPr sz="1400">
+                <a:latin typeface="Noto Sans JP"/>
+              </a:rPr>
+              <a:t>Implementation chi tiết: Chúng tôi đã điều chỉnh file MultiCharRecognitionManager.java, sửa đổi hàm preprocess() để thực hiện việc resize và padding chính xác.</a:t>
+            </a:r>
+          </a:p>
+          <a:p>
+            <a:pPr algn="l" lvl="1" indent="-317500" marL="914400">
+              <a:lnSpc>
+                <a:spcPct val="115000"/>
+              </a:lnSpc>
+              <a:buChar char="○"/>
+            </a:pPr>
+            <a:r>
+              <a:rPr sz="1400">
+                <a:latin typeface="Noto Sans JP"/>
+              </a:rPr>
+              <a:t>Configuration changes: resize_mode: "fixed" → "adaptive" (để giữ tỷ lệ ảnh gốc), padding_color: RGB(255,255,255) → RGB(128,128,128) (để match training data distribution).</a:t>
+            </a:r>
+          </a:p>
+        </p:txBody>
+      </p:sp>
+      <p:sp>
+        <p:nvSpPr>
+          <p:cNvPr id="5" name="TextBox 4"/>
+          <p:cNvSpPr txBox="1"/>
+          <p:nvPr/>
+        </p:nvSpPr>
+        <p:spPr>
+          <a:xfrm>
+            <a:off x="2653144" y="-3003"/>
+            <a:ext cx="3816900" cy="421500"/>
+          </a:xfrm>
+          <a:prstGeom prst="rect">
+            <a:avLst/>
+          </a:prstGeom>
+          <a:solidFill>
+            <a:srgbClr val="FFECB9"/>
+          </a:solidFill>
+        </p:spPr>
+        <p:txBody>
+          <a:bodyPr wrap="square" lIns="45720" rIns="45720" tIns="22860" bIns="22860">
+            <a:spAutoFit/>
+          </a:bodyPr>
+          <a:lstStyle/>
+          <a:p>
+            <a:pPr algn="ctr">
+              <a:lnSpc>
+                <a:spcPct val="100000"/>
+              </a:lnSpc>
+            </a:pPr>
+            <a:r>
+              <a:rPr sz="2000" b="1" i="0">
+                <a:solidFill>
+                  <a:srgbClr val="000000"/>
+                </a:solidFill>
+                <a:latin typeface="Noto Sans JP"/>
+              </a:rPr>
+              <a:t>2. 完了済み作業</a:t>
+            </a:r>
+          </a:p>
+        </p:txBody>
+      </p:sp>
+    </p:spTree>
+  </p:cSld>
+  <p:clrMapOvr>
+    <a:masterClrMapping/>
+  </p:clrMapOvr>
+</p:sld>
+</file>
+
+<file path=ppt/slides/slide23.xml><?xml version="1.0" encoding="utf-8"?>
+<p:sld xmlns:a="http://schemas.openxmlformats.org/drawingml/2006/main" xmlns:p="http://schemas.openxmlformats.org/presentationml/2006/main" xmlns:r="http://schemas.openxmlformats.org/officeDocument/2006/relationships">
+  <p:cSld>
+    <p:spTree>
+      <p:nvGrpSpPr>
+        <p:cNvPr id="1" name=""/>
+        <p:cNvGrpSpPr/>
+        <p:nvPr/>
+      </p:nvGrpSpPr>
+      <p:grpSpPr/>
+      <p:sp>
+        <p:nvSpPr>
+          <p:cNvPr id="2" name="TextBox 1"/>
+          <p:cNvSpPr txBox="1"/>
+          <p:nvPr/>
+        </p:nvSpPr>
+        <p:spPr>
+          <a:xfrm>
+            <a:off x="584875" y="427349"/>
+            <a:ext cx="7717500" cy="421500"/>
+          </a:xfrm>
+          <a:prstGeom prst="rect">
+            <a:avLst/>
+          </a:prstGeom>
+          <a:noFill/>
+        </p:spPr>
+        <p:txBody>
+          <a:bodyPr wrap="square" lIns="45720" rIns="45720" tIns="22860" bIns="22860">
+            <a:spAutoFit/>
+          </a:bodyPr>
+          <a:lstStyle/>
+          <a:p>
+            <a:pPr algn="l">
+              <a:lnSpc>
+                <a:spcPct val="100000"/>
+              </a:lnSpc>
+            </a:pPr>
+            <a:r>
+              <a:rPr sz="1800" b="1">
+                <a:solidFill>
+                  <a:srgbClr val="000000"/>
+                </a:solidFill>
+                <a:latin typeface="Noto Sans JP"/>
+              </a:rPr>
+              <a:t>2. 完了済み作業</a:t>
+            </a:r>
+          </a:p>
+        </p:txBody>
+      </p:sp>
+      <p:sp>
+        <p:nvSpPr>
+          <p:cNvPr id="3" name="TextBox 2"/>
+          <p:cNvSpPr txBox="1"/>
+          <p:nvPr/>
+        </p:nvSpPr>
+        <p:spPr>
+          <a:xfrm>
+            <a:off x="8768388" y="4835723"/>
+            <a:ext cx="283200" cy="246300"/>
+          </a:xfrm>
+          <a:prstGeom prst="rect">
+            <a:avLst/>
+          </a:prstGeom>
+          <a:noFill/>
+        </p:spPr>
+        <p:txBody>
+          <a:bodyPr wrap="square" lIns="45720" rIns="45720" tIns="22860" bIns="22860">
+            <a:spAutoFit/>
+          </a:bodyPr>
+          <a:lstStyle/>
+          <a:p>
+            <a:pPr algn="l">
+              <a:lnSpc>
+                <a:spcPct val="100000"/>
+              </a:lnSpc>
+            </a:pPr>
+            <a:r>
+              <a:rPr sz="1000" b="0" i="0">
+                <a:solidFill>
+                  <a:srgbClr val="000000"/>
+                </a:solidFill>
+                <a:latin typeface="Arial"/>
+              </a:rPr>
+              <a:t>3</a:t>
+            </a:r>
+          </a:p>
+        </p:txBody>
+      </p:sp>
+      <p:sp>
+        <p:nvSpPr>
+          <p:cNvPr id="4" name="TextBox 3"/>
+          <p:cNvSpPr txBox="1"/>
+          <p:nvPr/>
+        </p:nvSpPr>
+        <p:spPr>
+          <a:xfrm>
+            <a:off x="626250" y="923775"/>
+            <a:ext cx="7891500" cy="3873600"/>
+          </a:xfrm>
+          <a:prstGeom prst="rect">
+            <a:avLst/>
+          </a:prstGeom>
+          <a:noFill/>
+        </p:spPr>
+        <p:txBody>
+          <a:bodyPr wrap="square" lIns="45720" rIns="45720" tIns="22860" bIns="22860">
+            <a:spAutoFit/>
+          </a:bodyPr>
+          <a:lstStyle/>
+          <a:p>
+            <a:pPr algn="l" indent="-317500" marL="457200">
+              <a:lnSpc>
+                <a:spcPct val="115000"/>
+              </a:lnSpc>
+              <a:buChar char="●"/>
+            </a:pPr>
+            <a:r>
+              <a:rPr sz="1400">
+                <a:latin typeface="Noto Sans JP"/>
+              </a:rPr>
+              <a:t>Vấn đề hiện tại: Việc sử dụng chiều cao cố định 48px và padding trắng gây ra sự sai lệch trong quá trình nhận diện ký tự, đặc biệt với các ảnh dài.</a:t>
+            </a:r>
+          </a:p>
+          <a:p>
+            <a:pPr algn="l" lvl="1" indent="-317500" marL="914400">
+              <a:lnSpc>
+                <a:spcPct val="115000"/>
+              </a:lnSpc>
+              <a:buChar char="○"/>
+            </a:pPr>
+            <a:r>
+              <a:rPr sz="1400">
+                <a:latin typeface="Noto Sans JP"/>
+              </a:rPr>
+              <a:t>Testing đã thực hiện: Chúng tôi đã chạy thử nghiệm với 100 ảnh dài và 100 ảnh ngắn, kiểm tra độ chính xác của các ký tự.</a:t>
+            </a:r>
+          </a:p>
+          <a:p>
+            <a:pPr algn="l" lvl="1" indent="-317500" marL="914400">
+              <a:lnSpc>
+                <a:spcPct val="115000"/>
+              </a:lnSpc>
+              <a:buChar char="○"/>
+            </a:pPr>
+            <a:r>
+              <a:rPr sz="1400">
+                <a:latin typeface="Noto Sans JP"/>
+              </a:rPr>
+              <a:t>Kết quả đo lường: Preprocess cũ: long_comp: 0/100, vban chứa số: 1/100, ký tự 〃: 19/100. Preprocess mới: long_comp: 92/100, vban chứa số: 99/100, ký tự 〃: 92/100.</a:t>
+            </a:r>
+          </a:p>
+          <a:p>
+            <a:pPr algn="l" lvl="1" indent="-317500" marL="914400">
+              <a:lnSpc>
+                <a:spcPct val="115000"/>
+              </a:lnSpc>
+              <a:buChar char="○"/>
+            </a:pPr>
+            <a:r>
+              <a:rPr sz="1400">
+                <a:latin typeface="Noto Sans JP"/>
+              </a:rPr>
+              <a:t>Quality control: Đã kiểm tra tính tương thích ngược và không có regression trên các test case hiện có.</a:t>
+            </a:r>
+          </a:p>
+        </p:txBody>
+      </p:sp>
+      <p:sp>
+        <p:nvSpPr>
+          <p:cNvPr id="5" name="TextBox 4"/>
+          <p:cNvSpPr txBox="1"/>
+          <p:nvPr/>
+        </p:nvSpPr>
+        <p:spPr>
+          <a:xfrm>
+            <a:off x="2653144" y="-3003"/>
+            <a:ext cx="3816900" cy="421500"/>
+          </a:xfrm>
+          <a:prstGeom prst="rect">
+            <a:avLst/>
+          </a:prstGeom>
+          <a:solidFill>
+            <a:srgbClr val="FFECB9"/>
+          </a:solidFill>
+        </p:spPr>
+        <p:txBody>
+          <a:bodyPr wrap="square" lIns="45720" rIns="45720" tIns="22860" bIns="22860">
+            <a:spAutoFit/>
+          </a:bodyPr>
+          <a:lstStyle/>
+          <a:p>
+            <a:pPr algn="ctr">
+              <a:lnSpc>
+                <a:spcPct val="100000"/>
+              </a:lnSpc>
+            </a:pPr>
+            <a:r>
+              <a:rPr sz="2000" b="1" i="0">
+                <a:solidFill>
+                  <a:srgbClr val="000000"/>
+                </a:solidFill>
+                <a:latin typeface="Noto Sans JP"/>
+              </a:rPr>
+              <a:t>2. 完了済み作業</a:t>
+            </a:r>
+          </a:p>
+        </p:txBody>
+      </p:sp>
+    </p:spTree>
+  </p:cSld>
+  <p:clrMapOvr>
+    <a:masterClrMapping/>
+  </p:clrMapOvr>
+</p:sld>
+</file>
+
+<file path=ppt/slides/slide24.xml><?xml version="1.0" encoding="utf-8"?>
+<p:sld xmlns:a="http://schemas.openxmlformats.org/drawingml/2006/main" xmlns:p="http://schemas.openxmlformats.org/presentationml/2006/main" xmlns:r="http://schemas.openxmlformats.org/officeDocument/2006/relationships">
+  <p:cSld>
+    <p:spTree>
+      <p:nvGrpSpPr>
+        <p:cNvPr id="1" name=""/>
+        <p:cNvGrpSpPr/>
+        <p:nvPr/>
+      </p:nvGrpSpPr>
+      <p:grpSpPr/>
+      <p:sp>
+        <p:nvSpPr>
+          <p:cNvPr id="2" name="TextBox 1"/>
+          <p:cNvSpPr txBox="1"/>
+          <p:nvPr/>
+        </p:nvSpPr>
+        <p:spPr>
+          <a:xfrm>
+            <a:off x="584875" y="427349"/>
+            <a:ext cx="7717500" cy="421500"/>
+          </a:xfrm>
+          <a:prstGeom prst="rect">
+            <a:avLst/>
+          </a:prstGeom>
+          <a:noFill/>
+        </p:spPr>
+        <p:txBody>
+          <a:bodyPr wrap="square" lIns="45720" rIns="45720" tIns="22860" bIns="22860">
+            <a:spAutoFit/>
+          </a:bodyPr>
+          <a:lstStyle/>
+          <a:p>
+            <a:pPr algn="l">
+              <a:lnSpc>
+                <a:spcPct val="100000"/>
+              </a:lnSpc>
+            </a:pPr>
+            <a:r>
+              <a:rPr sz="1800" b="1">
+                <a:solidFill>
+                  <a:srgbClr val="000000"/>
+                </a:solidFill>
+                <a:latin typeface="Noto Sans JP"/>
+              </a:rPr>
+              <a:t>2. 完了済み作業</a:t>
+            </a:r>
+          </a:p>
+        </p:txBody>
+      </p:sp>
+      <p:sp>
+        <p:nvSpPr>
+          <p:cNvPr id="3" name="TextBox 2"/>
+          <p:cNvSpPr txBox="1"/>
+          <p:nvPr/>
+        </p:nvSpPr>
+        <p:spPr>
+          <a:xfrm>
+            <a:off x="8768388" y="4835723"/>
+            <a:ext cx="283200" cy="246300"/>
+          </a:xfrm>
+          <a:prstGeom prst="rect">
+            <a:avLst/>
+          </a:prstGeom>
+          <a:noFill/>
+        </p:spPr>
+        <p:txBody>
+          <a:bodyPr wrap="square" lIns="45720" rIns="45720" tIns="22860" bIns="22860">
+            <a:spAutoFit/>
+          </a:bodyPr>
+          <a:lstStyle/>
+          <a:p>
+            <a:pPr algn="l">
+              <a:lnSpc>
+                <a:spcPct val="100000"/>
+              </a:lnSpc>
+            </a:pPr>
+            <a:r>
+              <a:rPr sz="1000" b="0" i="0">
+                <a:solidFill>
+                  <a:srgbClr val="000000"/>
+                </a:solidFill>
+                <a:latin typeface="Arial"/>
+              </a:rPr>
+              <a:t>3</a:t>
+            </a:r>
+          </a:p>
+        </p:txBody>
+      </p:sp>
+      <p:sp>
+        <p:nvSpPr>
+          <p:cNvPr id="4" name="TextBox 3"/>
+          <p:cNvSpPr txBox="1"/>
+          <p:nvPr/>
+        </p:nvSpPr>
+        <p:spPr>
+          <a:xfrm>
+            <a:off x="626250" y="923775"/>
+            <a:ext cx="7891500" cy="3873600"/>
+          </a:xfrm>
+          <a:prstGeom prst="rect">
+            <a:avLst/>
+          </a:prstGeom>
+          <a:noFill/>
+        </p:spPr>
+        <p:txBody>
+          <a:bodyPr wrap="square" lIns="45720" rIns="45720" tIns="22860" bIns="22860">
+            <a:spAutoFit/>
+          </a:bodyPr>
+          <a:lstStyle/>
+          <a:p>
+            <a:pPr algn="l" indent="-317500" marL="457200">
+              <a:lnSpc>
+                <a:spcPct val="115000"/>
+              </a:lnSpc>
+              <a:buChar char="●"/>
+            </a:pPr>
+            <a:r>
+              <a:rPr sz="1400">
+                <a:latin typeface="Noto Sans JP"/>
+              </a:rPr>
+              <a:t>Độ chính xác của mô hình đã được cải thiện đáng kể với long_comp tăng từ 0 lên 92, vban chứa số từ 1 lên 99, ký tự 〃 từ 19 lên 92.</a:t>
+            </a:r>
+          </a:p>
+          <a:p>
+            <a:pPr algn="l" indent="-317500" marL="457200">
+              <a:lnSpc>
+                <a:spcPct val="115000"/>
+              </a:lnSpc>
+              <a:buChar char="●"/>
+            </a:pPr>
+            <a:r>
+              <a:rPr sz="1400">
+                <a:latin typeface="Noto Sans JP"/>
+              </a:rPr>
+              <a:t>Việc điều chỉnh quy trình resize và padding giúp cải thiện đáng kể độ chính xác của hệ thống, cho thấy tầm quan trọng của việc tối ưu hóa quy trình tiền xử lý.</a:t>
+            </a:r>
+          </a:p>
+          <a:p>
+            <a:pPr algn="l" indent="-317500" marL="457200">
+              <a:lnSpc>
+                <a:spcPct val="115000"/>
+              </a:lnSpc>
+              <a:buChar char="●"/>
+            </a:pPr>
+            <a:r>
+              <a:rPr sz="1400">
+                <a:latin typeface="Noto Sans JP"/>
+              </a:rPr>
+              <a:t>Kết quả đạt được cho thấy mô hình hiện tại đã hoạt động ổn định và chính xác hơn, đáp ứng tốt hơn yêu cầu của khách hàng.</a:t>
+            </a:r>
+          </a:p>
+        </p:txBody>
+      </p:sp>
+      <p:sp>
+        <p:nvSpPr>
+          <p:cNvPr id="5" name="TextBox 4"/>
+          <p:cNvSpPr txBox="1"/>
+          <p:nvPr/>
+        </p:nvSpPr>
+        <p:spPr>
+          <a:xfrm>
+            <a:off x="2653144" y="-3003"/>
+            <a:ext cx="3816900" cy="421500"/>
+          </a:xfrm>
+          <a:prstGeom prst="rect">
+            <a:avLst/>
+          </a:prstGeom>
+          <a:solidFill>
+            <a:srgbClr val="FFECB9"/>
+          </a:solidFill>
+        </p:spPr>
+        <p:txBody>
+          <a:bodyPr wrap="square" lIns="45720" rIns="45720" tIns="22860" bIns="22860">
+            <a:spAutoFit/>
+          </a:bodyPr>
+          <a:lstStyle/>
+          <a:p>
+            <a:pPr algn="ctr">
+              <a:lnSpc>
+                <a:spcPct val="100000"/>
+              </a:lnSpc>
+            </a:pPr>
+            <a:r>
+              <a:rPr sz="2000" b="1" i="0">
+                <a:solidFill>
+                  <a:srgbClr val="000000"/>
+                </a:solidFill>
+                <a:latin typeface="Noto Sans JP"/>
+              </a:rPr>
+              <a:t>2. 完了済み作業</a:t>
+            </a:r>
+          </a:p>
+        </p:txBody>
+      </p:sp>
+    </p:spTree>
+  </p:cSld>
+  <p:clrMapOvr>
+    <a:masterClrMapping/>
+  </p:clrMapOvr>
+</p:sld>
+</file>
+
+<file path=ppt/slides/slide25.xml><?xml version="1.0" encoding="utf-8"?>
+<p:sld xmlns:a="http://schemas.openxmlformats.org/drawingml/2006/main" xmlns:p="http://schemas.openxmlformats.org/presentationml/2006/main" xmlns:r="http://schemas.openxmlformats.org/officeDocument/2006/relationships">
+  <p:cSld>
+    <p:spTree>
+      <p:nvGrpSpPr>
+        <p:cNvPr id="1" name=""/>
+        <p:cNvGrpSpPr/>
+        <p:nvPr/>
+      </p:nvGrpSpPr>
+      <p:grpSpPr/>
+      <p:sp>
+        <p:nvSpPr>
+          <p:cNvPr id="2" name="TextBox 1"/>
+          <p:cNvSpPr txBox="1"/>
+          <p:nvPr/>
+        </p:nvSpPr>
+        <p:spPr>
+          <a:xfrm>
+            <a:off x="1191600" y="1483850"/>
+            <a:ext cx="6760800" cy="1555800"/>
+          </a:xfrm>
+          <a:prstGeom prst="rect">
+            <a:avLst/>
+          </a:prstGeom>
+          <a:noFill/>
+        </p:spPr>
+        <p:txBody>
+          <a:bodyPr wrap="square" lIns="45720" rIns="45720" tIns="22860" bIns="22860">
+            <a:spAutoFit/>
+          </a:bodyPr>
+          <a:lstStyle/>
+          <a:p>
+            <a:pPr algn="ctr">
+              <a:lnSpc>
+                <a:spcPct val="150000"/>
+              </a:lnSpc>
+            </a:pPr>
+            <a:r>
+              <a:rPr sz="2400" b="1">
+                <a:solidFill>
+                  <a:srgbClr val="000000"/>
+                </a:solidFill>
+                <a:latin typeface="Noto Sans JP"/>
+              </a:rPr>
+              <a:t>2.4. AIREAD_ARISE-4149 【AIRead】</a:t>
+            </a:r>
+          </a:p>
+          <a:p>
+            <a:pPr algn="ctr">
+              <a:lnSpc>
+                <a:spcPct val="150000"/>
+              </a:lnSpc>
+            </a:pPr>
+            <a:r>
+              <a:rPr sz="2400" b="1">
+                <a:solidFill>
+                  <a:srgbClr val="000000"/>
+                </a:solidFill>
+                <a:latin typeface="Noto Sans JP"/>
+              </a:rPr>
+              <a:t>Trong folder Temp của USERPROFILE còn tồn tại onnxruntime-java</a:t>
+            </a:r>
+          </a:p>
+        </p:txBody>
+      </p:sp>
+    </p:spTree>
+  </p:cSld>
+  <p:clrMapOvr>
+    <a:masterClrMapping/>
+  </p:clrMapOvr>
+</p:sld>
+</file>
+
+<file path=ppt/slides/slide26.xml><?xml version="1.0" encoding="utf-8"?>
+<p:sld xmlns:a="http://schemas.openxmlformats.org/drawingml/2006/main" xmlns:p="http://schemas.openxmlformats.org/presentationml/2006/main" xmlns:r="http://schemas.openxmlformats.org/officeDocument/2006/relationships">
+  <p:cSld>
+    <p:spTree>
+      <p:nvGrpSpPr>
+        <p:cNvPr id="1" name=""/>
+        <p:cNvGrpSpPr/>
+        <p:nvPr/>
+      </p:nvGrpSpPr>
+      <p:grpSpPr/>
+      <p:sp>
+        <p:nvSpPr>
+          <p:cNvPr id="2" name="TextBox 1"/>
+          <p:cNvSpPr txBox="1"/>
+          <p:nvPr/>
+        </p:nvSpPr>
+        <p:spPr>
+          <a:xfrm>
+            <a:off x="584875" y="427349"/>
+            <a:ext cx="7717500" cy="421500"/>
+          </a:xfrm>
+          <a:prstGeom prst="rect">
+            <a:avLst/>
+          </a:prstGeom>
+          <a:noFill/>
+        </p:spPr>
+        <p:txBody>
+          <a:bodyPr wrap="square" lIns="45720" rIns="45720" tIns="22860" bIns="22860">
+            <a:spAutoFit/>
+          </a:bodyPr>
+          <a:lstStyle/>
+          <a:p>
+            <a:pPr algn="l">
+              <a:lnSpc>
+                <a:spcPct val="100000"/>
+              </a:lnSpc>
+            </a:pPr>
+            <a:r>
+              <a:rPr sz="1800" b="1">
+                <a:solidFill>
+                  <a:srgbClr val="000000"/>
+                </a:solidFill>
+                <a:latin typeface="Noto Sans JP"/>
+              </a:rPr>
+              <a:t>2. 完了済み作業</a:t>
+            </a:r>
+          </a:p>
+        </p:txBody>
+      </p:sp>
+      <p:sp>
+        <p:nvSpPr>
+          <p:cNvPr id="3" name="TextBox 2"/>
+          <p:cNvSpPr txBox="1"/>
+          <p:nvPr/>
+        </p:nvSpPr>
+        <p:spPr>
+          <a:xfrm>
+            <a:off x="8768388" y="4835723"/>
+            <a:ext cx="283200" cy="246300"/>
+          </a:xfrm>
+          <a:prstGeom prst="rect">
+            <a:avLst/>
+          </a:prstGeom>
+          <a:noFill/>
+        </p:spPr>
+        <p:txBody>
+          <a:bodyPr wrap="square" lIns="45720" rIns="45720" tIns="22860" bIns="22860">
+            <a:spAutoFit/>
+          </a:bodyPr>
+          <a:lstStyle/>
+          <a:p>
+            <a:pPr algn="l">
+              <a:lnSpc>
+                <a:spcPct val="100000"/>
+              </a:lnSpc>
+            </a:pPr>
+            <a:r>
+              <a:rPr sz="1000" b="0" i="0">
+                <a:solidFill>
+                  <a:srgbClr val="000000"/>
+                </a:solidFill>
+                <a:latin typeface="Arial"/>
+              </a:rPr>
+              <a:t>3</a:t>
+            </a:r>
+          </a:p>
+        </p:txBody>
+      </p:sp>
+      <p:sp>
+        <p:nvSpPr>
+          <p:cNvPr id="4" name="TextBox 3"/>
+          <p:cNvSpPr txBox="1"/>
+          <p:nvPr/>
+        </p:nvSpPr>
+        <p:spPr>
+          <a:xfrm>
+            <a:off x="626250" y="923775"/>
+            <a:ext cx="7891500" cy="3873600"/>
+          </a:xfrm>
+          <a:prstGeom prst="rect">
+            <a:avLst/>
+          </a:prstGeom>
+          <a:noFill/>
+        </p:spPr>
+        <p:txBody>
+          <a:bodyPr wrap="square" lIns="45720" rIns="45720" tIns="22860" bIns="22860">
+            <a:spAutoFit/>
+          </a:bodyPr>
+          <a:lstStyle/>
+          <a:p>
+            <a:pPr algn="l" indent="-317500" marL="457200">
+              <a:lnSpc>
+                <a:spcPct val="115000"/>
+              </a:lnSpc>
+              <a:buChar char="●"/>
+            </a:pPr>
+            <a:r>
+              <a:rPr sz="1400">
+                <a:latin typeface="Noto Sans JP"/>
+              </a:rPr>
+              <a:t>Mỗi lần chạy AIRead sẽ tạo ra một thư mục trên đường dẫn %USERPROFILE%\AppData\Local\Temp với dung lượng khoảng 10MB. Nếu số lần chạy tăng lên, sẽ chiếm nhiều dung lượng không cần thiết.</a:t>
+            </a:r>
+          </a:p>
+        </p:txBody>
+      </p:sp>
+      <p:sp>
+        <p:nvSpPr>
+          <p:cNvPr id="5" name="TextBox 4"/>
+          <p:cNvSpPr txBox="1"/>
+          <p:nvPr/>
+        </p:nvSpPr>
+        <p:spPr>
+          <a:xfrm>
+            <a:off x="2653144" y="-3003"/>
+            <a:ext cx="3816900" cy="421500"/>
+          </a:xfrm>
+          <a:prstGeom prst="rect">
+            <a:avLst/>
+          </a:prstGeom>
+          <a:solidFill>
+            <a:srgbClr val="FFECB9"/>
+          </a:solidFill>
+        </p:spPr>
+        <p:txBody>
+          <a:bodyPr wrap="square" lIns="45720" rIns="45720" tIns="22860" bIns="22860">
+            <a:spAutoFit/>
+          </a:bodyPr>
+          <a:lstStyle/>
+          <a:p>
+            <a:pPr algn="ctr">
+              <a:lnSpc>
+                <a:spcPct val="100000"/>
+              </a:lnSpc>
+            </a:pPr>
+            <a:r>
+              <a:rPr sz="2000" b="1" i="0">
+                <a:solidFill>
+                  <a:srgbClr val="000000"/>
+                </a:solidFill>
+                <a:latin typeface="Noto Sans JP"/>
+              </a:rPr>
+              <a:t>2. 完了済み作業</a:t>
+            </a:r>
+          </a:p>
+        </p:txBody>
+      </p:sp>
+    </p:spTree>
+  </p:cSld>
+  <p:clrMapOvr>
+    <a:masterClrMapping/>
+  </p:clrMapOvr>
+</p:sld>
+</file>
+
+<file path=ppt/slides/slide27.xml><?xml version="1.0" encoding="utf-8"?>
+<p:sld xmlns:a="http://schemas.openxmlformats.org/drawingml/2006/main" xmlns:p="http://schemas.openxmlformats.org/presentationml/2006/main" xmlns:r="http://schemas.openxmlformats.org/officeDocument/2006/relationships">
+  <p:cSld>
+    <p:spTree>
+      <p:nvGrpSpPr>
+        <p:cNvPr id="1" name=""/>
+        <p:cNvGrpSpPr/>
+        <p:nvPr/>
+      </p:nvGrpSpPr>
+      <p:grpSpPr/>
+      <p:sp>
+        <p:nvSpPr>
+          <p:cNvPr id="2" name="TextBox 1"/>
+          <p:cNvSpPr txBox="1"/>
+          <p:nvPr/>
+        </p:nvSpPr>
+        <p:spPr>
+          <a:xfrm>
+            <a:off x="584875" y="427349"/>
+            <a:ext cx="7717500" cy="421500"/>
+          </a:xfrm>
+          <a:prstGeom prst="rect">
+            <a:avLst/>
+          </a:prstGeom>
+          <a:noFill/>
+        </p:spPr>
+        <p:txBody>
+          <a:bodyPr wrap="square" lIns="45720" rIns="45720" tIns="22860" bIns="22860">
+            <a:spAutoFit/>
+          </a:bodyPr>
+          <a:lstStyle/>
+          <a:p>
+            <a:pPr algn="l">
+              <a:lnSpc>
+                <a:spcPct val="100000"/>
+              </a:lnSpc>
+            </a:pPr>
+            <a:r>
+              <a:rPr sz="1800" b="1">
+                <a:solidFill>
+                  <a:srgbClr val="000000"/>
+                </a:solidFill>
+                <a:latin typeface="Noto Sans JP"/>
+              </a:rPr>
+              <a:t>2. 完了済み作業</a:t>
+            </a:r>
+          </a:p>
+        </p:txBody>
+      </p:sp>
+      <p:sp>
+        <p:nvSpPr>
+          <p:cNvPr id="3" name="TextBox 2"/>
+          <p:cNvSpPr txBox="1"/>
+          <p:nvPr/>
+        </p:nvSpPr>
+        <p:spPr>
+          <a:xfrm>
+            <a:off x="8768388" y="4835723"/>
+            <a:ext cx="283200" cy="246300"/>
+          </a:xfrm>
+          <a:prstGeom prst="rect">
+            <a:avLst/>
+          </a:prstGeom>
+          <a:noFill/>
+        </p:spPr>
+        <p:txBody>
+          <a:bodyPr wrap="square" lIns="45720" rIns="45720" tIns="22860" bIns="22860">
+            <a:spAutoFit/>
+          </a:bodyPr>
+          <a:lstStyle/>
+          <a:p>
+            <a:pPr algn="l">
+              <a:lnSpc>
+                <a:spcPct val="100000"/>
+              </a:lnSpc>
+            </a:pPr>
+            <a:r>
+              <a:rPr sz="1000" b="0" i="0">
+                <a:solidFill>
+                  <a:srgbClr val="000000"/>
+                </a:solidFill>
+                <a:latin typeface="Arial"/>
+              </a:rPr>
+              <a:t>3</a:t>
+            </a:r>
+          </a:p>
+        </p:txBody>
+      </p:sp>
+      <p:sp>
+        <p:nvSpPr>
+          <p:cNvPr id="4" name="TextBox 3"/>
+          <p:cNvSpPr txBox="1"/>
+          <p:nvPr/>
+        </p:nvSpPr>
+        <p:spPr>
+          <a:xfrm>
+            <a:off x="626250" y="923775"/>
+            <a:ext cx="7891500" cy="3873600"/>
+          </a:xfrm>
+          <a:prstGeom prst="rect">
+            <a:avLst/>
+          </a:prstGeom>
+          <a:noFill/>
+        </p:spPr>
+        <p:txBody>
+          <a:bodyPr wrap="square" lIns="45720" rIns="45720" tIns="22860" bIns="22860">
+            <a:spAutoFit/>
+          </a:bodyPr>
+          <a:lstStyle/>
+          <a:p>
+            <a:pPr algn="l" indent="-317500" marL="457200">
+              <a:lnSpc>
+                <a:spcPct val="115000"/>
+              </a:lnSpc>
+              <a:buChar char="●"/>
+            </a:pPr>
+            <a:r>
+              <a:rPr sz="1400">
+                <a:latin typeface="Noto Sans JP"/>
+              </a:rPr>
+              <a:t>Vấn đề hiện tại: Việc tạo ra nhiều thư mục tạm thời gây lãng phí dung lượng lưu trữ, ảnh hưởng đến hiệu suất hệ thống.</a:t>
+            </a:r>
+          </a:p>
+          <a:p>
+            <a:pPr algn="l" lvl="1" indent="-317500" marL="914400">
+              <a:lnSpc>
+                <a:spcPct val="115000"/>
+              </a:lnSpc>
+              <a:buChar char="○"/>
+            </a:pPr>
+            <a:r>
+              <a:rPr sz="1400">
+                <a:latin typeface="Noto Sans JP"/>
+              </a:rPr>
+              <a:t>Chúng tôi đã thêm FileSystemUtil.java vào Core.src.main.java...Core.Utils để sử dụng trong MultiCharRecognitionManager.java nhằm xóa các file temp của onnxruntime.</a:t>
+            </a:r>
+          </a:p>
+          <a:p>
+            <a:pPr algn="l" lvl="1" indent="-317500" marL="914400">
+              <a:lnSpc>
+                <a:spcPct val="115000"/>
+              </a:lnSpc>
+              <a:buChar char="○"/>
+            </a:pPr>
+            <a:r>
+              <a:rPr sz="1400">
+                <a:latin typeface="Noto Sans JP"/>
+              </a:rPr>
+              <a:t>Implementation chi tiết: Chúng tôi đã thực hiện việc xóa các folder onnxruntime còn trong folder temp mà không ảnh hưởng đến các tiến trình khác.</a:t>
+            </a:r>
+          </a:p>
+          <a:p>
+            <a:pPr algn="l" lvl="1" indent="-317500" marL="914400">
+              <a:lnSpc>
+                <a:spcPct val="115000"/>
+              </a:lnSpc>
+              <a:buChar char="○"/>
+            </a:pPr>
+            <a:r>
+              <a:rPr sz="1400">
+                <a:latin typeface="Noto Sans JP"/>
+              </a:rPr>
+              <a:t>Configuration changes: Không có thay đổi cấu hình cụ thể trong nhiệm vụ này.</a:t>
+            </a:r>
+          </a:p>
+        </p:txBody>
+      </p:sp>
+      <p:sp>
+        <p:nvSpPr>
+          <p:cNvPr id="5" name="TextBox 4"/>
+          <p:cNvSpPr txBox="1"/>
+          <p:nvPr/>
+        </p:nvSpPr>
+        <p:spPr>
+          <a:xfrm>
+            <a:off x="2653144" y="-3003"/>
+            <a:ext cx="3816900" cy="421500"/>
+          </a:xfrm>
+          <a:prstGeom prst="rect">
+            <a:avLst/>
+          </a:prstGeom>
+          <a:solidFill>
+            <a:srgbClr val="FFECB9"/>
+          </a:solidFill>
+        </p:spPr>
+        <p:txBody>
+          <a:bodyPr wrap="square" lIns="45720" rIns="45720" tIns="22860" bIns="22860">
+            <a:spAutoFit/>
+          </a:bodyPr>
+          <a:lstStyle/>
+          <a:p>
+            <a:pPr algn="ctr">
+              <a:lnSpc>
+                <a:spcPct val="100000"/>
+              </a:lnSpc>
+            </a:pPr>
+            <a:r>
+              <a:rPr sz="2000" b="1" i="0">
+                <a:solidFill>
+                  <a:srgbClr val="000000"/>
+                </a:solidFill>
+                <a:latin typeface="Noto Sans JP"/>
+              </a:rPr>
+              <a:t>2. 完了済み作業</a:t>
+            </a:r>
+          </a:p>
+        </p:txBody>
+      </p:sp>
+    </p:spTree>
+  </p:cSld>
+  <p:clrMapOvr>
+    <a:masterClrMapping/>
+  </p:clrMapOvr>
+</p:sld>
+</file>
+
+<file path=ppt/slides/slide28.xml><?xml version="1.0" encoding="utf-8"?>
+<p:sld xmlns:a="http://schemas.openxmlformats.org/drawingml/2006/main" xmlns:p="http://schemas.openxmlformats.org/presentationml/2006/main" xmlns:r="http://schemas.openxmlformats.org/officeDocument/2006/relationships">
+  <p:cSld>
+    <p:spTree>
+      <p:nvGrpSpPr>
+        <p:cNvPr id="1" name=""/>
+        <p:cNvGrpSpPr/>
+        <p:nvPr/>
+      </p:nvGrpSpPr>
+      <p:grpSpPr/>
+      <p:sp>
+        <p:nvSpPr>
+          <p:cNvPr id="2" name="TextBox 1"/>
+          <p:cNvSpPr txBox="1"/>
+          <p:nvPr/>
+        </p:nvSpPr>
+        <p:spPr>
+          <a:xfrm>
+            <a:off x="584875" y="427349"/>
+            <a:ext cx="7717500" cy="421500"/>
+          </a:xfrm>
+          <a:prstGeom prst="rect">
+            <a:avLst/>
+          </a:prstGeom>
+          <a:noFill/>
+        </p:spPr>
+        <p:txBody>
+          <a:bodyPr wrap="square" lIns="45720" rIns="45720" tIns="22860" bIns="22860">
+            <a:spAutoFit/>
+          </a:bodyPr>
+          <a:lstStyle/>
+          <a:p>
+            <a:pPr algn="l">
+              <a:lnSpc>
+                <a:spcPct val="100000"/>
+              </a:lnSpc>
+            </a:pPr>
+            <a:r>
+              <a:rPr sz="1800" b="1">
+                <a:solidFill>
+                  <a:srgbClr val="000000"/>
+                </a:solidFill>
+                <a:latin typeface="Noto Sans JP"/>
+              </a:rPr>
+              <a:t>2. 完了済み作業</a:t>
+            </a:r>
+          </a:p>
+        </p:txBody>
+      </p:sp>
+      <p:sp>
+        <p:nvSpPr>
+          <p:cNvPr id="3" name="TextBox 2"/>
+          <p:cNvSpPr txBox="1"/>
+          <p:nvPr/>
+        </p:nvSpPr>
+        <p:spPr>
+          <a:xfrm>
+            <a:off x="8768388" y="4835723"/>
+            <a:ext cx="283200" cy="246300"/>
+          </a:xfrm>
+          <a:prstGeom prst="rect">
+            <a:avLst/>
+          </a:prstGeom>
+          <a:noFill/>
+        </p:spPr>
+        <p:txBody>
+          <a:bodyPr wrap="square" lIns="45720" rIns="45720" tIns="22860" bIns="22860">
+            <a:spAutoFit/>
+          </a:bodyPr>
+          <a:lstStyle/>
+          <a:p>
+            <a:pPr algn="l">
+              <a:lnSpc>
+                <a:spcPct val="100000"/>
+              </a:lnSpc>
+            </a:pPr>
+            <a:r>
+              <a:rPr sz="1000" b="0" i="0">
+                <a:solidFill>
+                  <a:srgbClr val="000000"/>
+                </a:solidFill>
+                <a:latin typeface="Arial"/>
+              </a:rPr>
+              <a:t>3</a:t>
+            </a:r>
+          </a:p>
+        </p:txBody>
+      </p:sp>
+      <p:sp>
+        <p:nvSpPr>
+          <p:cNvPr id="4" name="TextBox 3"/>
+          <p:cNvSpPr txBox="1"/>
+          <p:nvPr/>
+        </p:nvSpPr>
+        <p:spPr>
+          <a:xfrm>
+            <a:off x="626250" y="923775"/>
+            <a:ext cx="7891500" cy="3873600"/>
+          </a:xfrm>
+          <a:prstGeom prst="rect">
+            <a:avLst/>
+          </a:prstGeom>
+          <a:noFill/>
+        </p:spPr>
+        <p:txBody>
+          <a:bodyPr wrap="square" lIns="45720" rIns="45720" tIns="22860" bIns="22860">
+            <a:spAutoFit/>
+          </a:bodyPr>
+          <a:lstStyle/>
+          <a:p>
+            <a:pPr algn="l" indent="-317500" marL="457200">
+              <a:lnSpc>
+                <a:spcPct val="115000"/>
+              </a:lnSpc>
+              <a:buChar char="●"/>
+            </a:pPr>
+            <a:r>
+              <a:rPr sz="1400">
+                <a:latin typeface="Noto Sans JP"/>
+              </a:rPr>
+              <a:t>Vấn đề hiện tại: Việc tạo ra nhiều thư mục tạm thời gây lãng phí dung lượng lưu trữ, ảnh hưởng đến hiệu suất hệ thống.</a:t>
+            </a:r>
+          </a:p>
+          <a:p>
+            <a:pPr algn="l" lvl="1" indent="-317500" marL="914400">
+              <a:lnSpc>
+                <a:spcPct val="115000"/>
+              </a:lnSpc>
+              <a:buChar char="○"/>
+            </a:pPr>
+            <a:r>
+              <a:rPr sz="1400">
+                <a:latin typeface="Noto Sans JP"/>
+              </a:rPr>
+              <a:t>Testing đã thực hiện: Đã xác minh rằng việc xóa các folder onnxruntime không gây ra lỗi cho các tiến trình đang chạy.</a:t>
+            </a:r>
+          </a:p>
+          <a:p>
+            <a:pPr algn="l" lvl="1" indent="-317500" marL="914400">
+              <a:lnSpc>
+                <a:spcPct val="115000"/>
+              </a:lnSpc>
+              <a:buChar char="○"/>
+            </a:pPr>
+            <a:r>
+              <a:rPr sz="1400">
+                <a:latin typeface="Noto Sans JP"/>
+              </a:rPr>
+              <a:t>Kết quả đo lường: Đã xóa được các folder onnxruntime còn trong folder temp mà không làm ảnh hưởng đến các tiến trình khác, nhưng folder onnxruntime của lần chạy hiện tại không thể xóa.</a:t>
+            </a:r>
+          </a:p>
+          <a:p>
+            <a:pPr algn="l" lvl="1" indent="-317500" marL="914400">
+              <a:lnSpc>
+                <a:spcPct val="115000"/>
+              </a:lnSpc>
+              <a:buChar char="○"/>
+            </a:pPr>
+            <a:r>
+              <a:rPr sz="1400">
+                <a:latin typeface="Noto Sans JP"/>
+              </a:rPr>
+              <a:t>Quality control: Đảm bảo rằng việc xóa không làm ảnh hưởng đến quy trình hiện tại và sẽ được xóa trong lần chạy tiếp theo.</a:t>
+            </a:r>
+          </a:p>
+        </p:txBody>
+      </p:sp>
+      <p:sp>
+        <p:nvSpPr>
+          <p:cNvPr id="5" name="TextBox 4"/>
+          <p:cNvSpPr txBox="1"/>
+          <p:nvPr/>
+        </p:nvSpPr>
+        <p:spPr>
+          <a:xfrm>
+            <a:off x="2653144" y="-3003"/>
+            <a:ext cx="3816900" cy="421500"/>
+          </a:xfrm>
+          <a:prstGeom prst="rect">
+            <a:avLst/>
+          </a:prstGeom>
+          <a:solidFill>
+            <a:srgbClr val="FFECB9"/>
+          </a:solidFill>
+        </p:spPr>
+        <p:txBody>
+          <a:bodyPr wrap="square" lIns="45720" rIns="45720" tIns="22860" bIns="22860">
+            <a:spAutoFit/>
+          </a:bodyPr>
+          <a:lstStyle/>
+          <a:p>
+            <a:pPr algn="ctr">
+              <a:lnSpc>
+                <a:spcPct val="100000"/>
+              </a:lnSpc>
+            </a:pPr>
+            <a:r>
+              <a:rPr sz="2000" b="1" i="0">
+                <a:solidFill>
+                  <a:srgbClr val="000000"/>
+                </a:solidFill>
+                <a:latin typeface="Noto Sans JP"/>
+              </a:rPr>
+              <a:t>2. 完了済み作業</a:t>
+            </a:r>
+          </a:p>
+        </p:txBody>
+      </p:sp>
+    </p:spTree>
+  </p:cSld>
+  <p:clrMapOvr>
+    <a:masterClrMapping/>
+  </p:clrMapOvr>
+</p:sld>
+</file>
+
+<file path=ppt/slides/slide29.xml><?xml version="1.0" encoding="utf-8"?>
+<p:sld xmlns:a="http://schemas.openxmlformats.org/drawingml/2006/main" xmlns:p="http://schemas.openxmlformats.org/presentationml/2006/main" xmlns:r="http://schemas.openxmlformats.org/officeDocument/2006/relationships">
+  <p:cSld>
+    <p:spTree>
+      <p:nvGrpSpPr>
+        <p:cNvPr id="1" name=""/>
+        <p:cNvGrpSpPr/>
+        <p:nvPr/>
+      </p:nvGrpSpPr>
+      <p:grpSpPr/>
+      <p:sp>
+        <p:nvSpPr>
+          <p:cNvPr id="2" name="TextBox 1"/>
+          <p:cNvSpPr txBox="1"/>
+          <p:nvPr/>
+        </p:nvSpPr>
+        <p:spPr>
+          <a:xfrm>
+            <a:off x="2542873" y="2571750"/>
+            <a:ext cx="5665500" cy="862200"/>
+          </a:xfrm>
+          <a:prstGeom prst="rect">
+            <a:avLst/>
+          </a:prstGeom>
+          <a:noFill/>
+        </p:spPr>
+        <p:txBody>
+          <a:bodyPr wrap="square" lIns="45720" rIns="45720" tIns="22860" bIns="22860">
+            <a:spAutoFit/>
+          </a:bodyPr>
+          <a:lstStyle/>
+          <a:p>
+            <a:pPr algn="r">
+              <a:lnSpc>
+                <a:spcPct val="100000"/>
+              </a:lnSpc>
+            </a:pPr>
+            <a:r>
+              <a:rPr sz="3000" b="1">
+                <a:solidFill>
+                  <a:srgbClr val="000000"/>
+                </a:solidFill>
+                <a:latin typeface="Noto Sans JP"/>
+              </a:rPr>
+              <a:t>次の作業内容</a:t>
+            </a:r>
+          </a:p>
+        </p:txBody>
+      </p:sp>
+      <p:sp>
+        <p:nvSpPr>
+          <p:cNvPr id="3" name="TextBox 2"/>
+          <p:cNvSpPr txBox="1"/>
+          <p:nvPr/>
+        </p:nvSpPr>
+        <p:spPr>
+          <a:xfrm>
+            <a:off x="5151175" y="1768609"/>
+            <a:ext cx="3057300" cy="862200"/>
+          </a:xfrm>
+          <a:prstGeom prst="rect">
+            <a:avLst/>
+          </a:prstGeom>
+          <a:noFill/>
+        </p:spPr>
+        <p:txBody>
+          <a:bodyPr wrap="square" lIns="45720" rIns="45720" tIns="22860" bIns="22860">
+            <a:spAutoFit/>
+          </a:bodyPr>
+          <a:lstStyle/>
+          <a:p>
+            <a:pPr algn="r">
+              <a:lnSpc>
+                <a:spcPct val="100000"/>
+              </a:lnSpc>
+            </a:pPr>
+            <a:r>
+              <a:rPr sz="6000" b="1">
+                <a:solidFill>
+                  <a:srgbClr val="000000"/>
+                </a:solidFill>
+                <a:latin typeface="Noto Sans JP"/>
+              </a:rPr>
+              <a:t>03</a:t>
+            </a:r>
+          </a:p>
+        </p:txBody>
+      </p:sp>
+    </p:spTree>
+  </p:cSld>
+  <p:clrMapOvr>
+    <a:masterClrMapping/>
+  </p:clrMapOvr>
+</p:sld>
+</file>
+
 <file path=ppt/slides/slide3.xml><?xml version="1.0" encoding="utf-8"?>
 <p:sld xmlns:a="http://schemas.openxmlformats.org/drawingml/2006/main" xmlns:r="http://schemas.openxmlformats.org/officeDocument/2006/relationships" xmlns:mc="http://schemas.openxmlformats.org/markup-compatibility/2006" xmlns:mv="urn:schemas-microsoft-com:mac:vml" xmlns:p="http://schemas.openxmlformats.org/presentationml/2006/main" xmlns:c="http://schemas.openxmlformats.org/drawingml/2006/chart" xmlns:dgm="http://schemas.openxmlformats.org/drawingml/2006/diagram" xmlns:o="urn:schemas-microsoft-com:office:office" xmlns:v="urn:schemas-microsoft-com:vml" xmlns:pvml="urn:schemas-microsoft-com:office:powerpoint" xmlns:com="http://schemas.openxmlformats.org/drawingml/2006/compatibility" xmlns:p14="http://schemas.microsoft.com/office/powerpoint/2010/main" xmlns:p15="http://schemas.microsoft.com/office/powerpoint/2012/main" xmlns:ahyp="http://schemas.microsoft.com/office/drawing/2018/hyperlinkcolor">
   <p:cSld>
@@ -30232,6 +32952,180 @@
           <a:chExt cx="0" cy="0"/>
         </a:xfrm>
       </p:grpSpPr>
+    </p:spTree>
+  </p:cSld>
+  <p:clrMapOvr>
+    <a:masterClrMapping/>
+  </p:clrMapOvr>
+</p:sld>
+</file>
+
+<file path=ppt/slides/slide30.xml><?xml version="1.0" encoding="utf-8"?>
+<p:sld xmlns:a="http://schemas.openxmlformats.org/drawingml/2006/main" xmlns:p="http://schemas.openxmlformats.org/presentationml/2006/main" xmlns:r="http://schemas.openxmlformats.org/officeDocument/2006/relationships">
+  <p:cSld>
+    <p:spTree>
+      <p:nvGrpSpPr>
+        <p:cNvPr id="1" name=""/>
+        <p:cNvGrpSpPr/>
+        <p:nvPr/>
+      </p:nvGrpSpPr>
+      <p:grpSpPr/>
+      <p:sp>
+        <p:nvSpPr>
+          <p:cNvPr id="2" name="TextBox 1"/>
+          <p:cNvSpPr txBox="1"/>
+          <p:nvPr/>
+        </p:nvSpPr>
+        <p:spPr>
+          <a:xfrm>
+            <a:off x="584875" y="427349"/>
+            <a:ext cx="7717500" cy="421500"/>
+          </a:xfrm>
+          <a:prstGeom prst="rect">
+            <a:avLst/>
+          </a:prstGeom>
+          <a:noFill/>
+        </p:spPr>
+        <p:txBody>
+          <a:bodyPr wrap="square" lIns="45720" rIns="45720" tIns="22860" bIns="22860">
+            <a:spAutoFit/>
+          </a:bodyPr>
+          <a:lstStyle/>
+          <a:p>
+            <a:pPr algn="l">
+              <a:lnSpc>
+                <a:spcPct val="100000"/>
+              </a:lnSpc>
+            </a:pPr>
+            <a:r>
+              <a:rPr sz="1800" b="1">
+                <a:solidFill>
+                  <a:srgbClr val="000000"/>
+                </a:solidFill>
+                <a:latin typeface="Noto Sans JP"/>
+              </a:rPr>
+              <a:t>3. 次の作業内容</a:t>
+            </a:r>
+          </a:p>
+        </p:txBody>
+      </p:sp>
+      <p:sp>
+        <p:nvSpPr>
+          <p:cNvPr id="3" name="TextBox 2"/>
+          <p:cNvSpPr txBox="1"/>
+          <p:nvPr/>
+        </p:nvSpPr>
+        <p:spPr>
+          <a:xfrm>
+            <a:off x="8768388" y="4835723"/>
+            <a:ext cx="283200" cy="246300"/>
+          </a:xfrm>
+          <a:prstGeom prst="rect">
+            <a:avLst/>
+          </a:prstGeom>
+          <a:noFill/>
+        </p:spPr>
+        <p:txBody>
+          <a:bodyPr wrap="square" lIns="45720" rIns="45720" tIns="22860" bIns="22860">
+            <a:spAutoFit/>
+          </a:bodyPr>
+          <a:lstStyle/>
+          <a:p>
+            <a:pPr algn="l">
+              <a:lnSpc>
+                <a:spcPct val="100000"/>
+              </a:lnSpc>
+            </a:pPr>
+            <a:r>
+              <a:rPr sz="1000" b="0" i="0">
+                <a:solidFill>
+                  <a:srgbClr val="000000"/>
+                </a:solidFill>
+                <a:latin typeface="Arial"/>
+              </a:rPr>
+              <a:t>3</a:t>
+            </a:r>
+          </a:p>
+        </p:txBody>
+      </p:sp>
+      <p:sp>
+        <p:nvSpPr>
+          <p:cNvPr id="4" name="TextBox 3"/>
+          <p:cNvSpPr txBox="1"/>
+          <p:nvPr/>
+        </p:nvSpPr>
+        <p:spPr>
+          <a:xfrm>
+            <a:off x="626250" y="923775"/>
+            <a:ext cx="7891500" cy="3873600"/>
+          </a:xfrm>
+          <a:prstGeom prst="rect">
+            <a:avLst/>
+          </a:prstGeom>
+          <a:noFill/>
+        </p:spPr>
+        <p:txBody>
+          <a:bodyPr wrap="square" lIns="45720" rIns="45720" tIns="22860" bIns="22860">
+            <a:spAutoFit/>
+          </a:bodyPr>
+          <a:lstStyle/>
+          <a:p>
+            <a:pPr algn="l" indent="-317500" marL="457200">
+              <a:lnSpc>
+                <a:spcPct val="115000"/>
+              </a:lnSpc>
+              <a:buChar char="●"/>
+            </a:pPr>
+            <a:r>
+              <a:rPr sz="1400">
+                <a:latin typeface="Noto Sans JP"/>
+              </a:rPr>
+              <a:t>Chúng tôi sẽ tiếp tục tối ưu hóa quy trình preprocess để cải thiện độ chính xác của mô hình multi3_jpn và thực hiện các kiểm tra sâu hơn để đảm bảo hiệu suất của hệ thống. Đồng thời, sẽ theo dõi và xử lý các vấn đề liên quan đến dung lượng lưu trữ trong folder temp để đảm bảo hiệu suất hệ thống lâu dài.</a:t>
+            </a:r>
+          </a:p>
+        </p:txBody>
+      </p:sp>
+      <p:sp>
+        <p:nvSpPr>
+          <p:cNvPr id="5" name="TextBox 4"/>
+          <p:cNvSpPr txBox="1"/>
+          <p:nvPr/>
+        </p:nvSpPr>
+        <p:spPr>
+          <a:xfrm>
+            <a:off x="2653144" y="-3003"/>
+            <a:ext cx="3816900" cy="421500"/>
+          </a:xfrm>
+          <a:prstGeom prst="rect">
+            <a:avLst/>
+          </a:prstGeom>
+          <a:solidFill>
+            <a:srgbClr val="FFECB9"/>
+          </a:solidFill>
+        </p:spPr>
+        <p:txBody>
+          <a:bodyPr wrap="square" lIns="45720" rIns="45720" tIns="22860" bIns="22860">
+            <a:spAutoFit/>
+          </a:bodyPr>
+          <a:lstStyle/>
+          <a:p>
+            <a:pPr algn="ctr">
+              <a:lnSpc>
+                <a:spcPct val="100000"/>
+              </a:lnSpc>
+            </a:pPr>
+            <a:r>
+              <a:rPr sz="2000" b="1" i="0">
+                <a:solidFill>
+                  <a:srgbClr val="000000"/>
+                </a:solidFill>
+                <a:latin typeface="Noto Sans JP"/>
+              </a:rPr>
+              <a:t>3. 次の作業内容</a:t>
+            </a:r>
+          </a:p>
+        </p:txBody>
+      </p:sp>
     </p:spTree>
   </p:cSld>
   <p:clrMapOvr>
@@ -30357,7 +33251,7 @@
                 </a:solidFill>
                 <a:latin typeface="Noto Sans JP"/>
               </a:rPr>
-              <a:t>20250813</a:t>
+              <a:t>20250708</a:t>
             </a:r>
             <a:r>
               <a:t>
@@ -30478,6 +33372,9 @@
               <a:lnSpc>
                 <a:spcPct val="150000"/>
               </a:lnSpc>
+              <a:spcBef>
+                <a:spcPts val="1114"/>
+              </a:spcBef>
               <a:buAutoNum type="arabicPeriod" startAt="1"/>
             </a:pPr>
             <a:r>
@@ -30495,6 +33392,9 @@
               <a:lnSpc>
                 <a:spcPct val="150000"/>
               </a:lnSpc>
+              <a:spcBef>
+                <a:spcPts val="1114"/>
+              </a:spcBef>
               <a:buAutoNum type="arabicPeriod" startAt="1"/>
             </a:pPr>
             <a:r>
@@ -30512,6 +33412,9 @@
               <a:lnSpc>
                 <a:spcPct val="150000"/>
               </a:lnSpc>
+              <a:spcBef>
+                <a:spcPts val="1114"/>
+              </a:spcBef>
               <a:buAutoNum type="arabicPeriod" startAt="1"/>
             </a:pPr>
             <a:r>
@@ -30687,6 +33590,45 @@
         </p:nvSpPr>
         <p:spPr>
           <a:xfrm>
+            <a:off x="8768388" y="4835723"/>
+            <a:ext cx="283200" cy="246300"/>
+          </a:xfrm>
+          <a:prstGeom prst="rect">
+            <a:avLst/>
+          </a:prstGeom>
+          <a:noFill/>
+        </p:spPr>
+        <p:txBody>
+          <a:bodyPr wrap="square" lIns="45720" rIns="45720" tIns="22860" bIns="22860">
+            <a:spAutoFit/>
+          </a:bodyPr>
+          <a:lstStyle/>
+          <a:p>
+            <a:pPr algn="l">
+              <a:lnSpc>
+                <a:spcPct val="100000"/>
+              </a:lnSpc>
+            </a:pPr>
+            <a:r>
+              <a:rPr sz="1000" b="0" i="0">
+                <a:solidFill>
+                  <a:srgbClr val="000000"/>
+                </a:solidFill>
+                <a:latin typeface="Arial"/>
+              </a:rPr>
+              <a:t>3</a:t>
+            </a:r>
+          </a:p>
+        </p:txBody>
+      </p:sp>
+      <p:sp>
+        <p:nvSpPr>
+          <p:cNvPr id="4" name="TextBox 3"/>
+          <p:cNvSpPr txBox="1"/>
+          <p:nvPr/>
+        </p:nvSpPr>
+        <p:spPr>
+          <a:xfrm>
             <a:off x="626250" y="923775"/>
             <a:ext cx="7891500" cy="3873600"/>
           </a:xfrm>
@@ -30711,7 +33653,7 @@
               <a:rPr sz="1400">
                 <a:latin typeface="Noto Sans JP"/>
               </a:rPr>
-              <a:t>AIREAD_ARISE-4149 【AIRead】Trong folder Temp của USERPROFILE còn tồn tại onnxruntime-java</a:t>
+              <a:t>AIREAD_ARISE-4034【AIRead】位置合わせ機能の強化: tăng độ chính xác của alignment function</a:t>
             </a:r>
           </a:p>
           <a:p>
@@ -30725,7 +33667,21 @@
               <a:rPr sz="1400">
                 <a:latin typeface="Noto Sans JP"/>
               </a:rPr>
-              <a:t>Bổ sung hàm xóa các file temp tự động</a:t>
+              <a:t>Một số biểu mẫu bị lệch do lấy điểm đặc trưng từ ảnh đã tiền xử lý, trong khi template sử dụng ảnh g...</a:t>
+            </a:r>
+          </a:p>
+          <a:p>
+            <a:pPr algn="l" lvl="1" indent="-317500" marL="914400">
+              <a:lnSpc>
+                <a:spcPct val="115000"/>
+              </a:lnSpc>
+              <a:buChar char="○"/>
+            </a:pPr>
+            <a:r>
+              <a:rPr sz="1400">
+                <a:latin typeface="Noto Sans JP"/>
+              </a:rPr>
+              <a:t>Kết quả: Quá trình căn chỉnh hoạt động hiệu quả với các ảnh đầu vào, không còn vấn đề lệch lạc.</a:t>
             </a:r>
           </a:p>
           <a:p>
@@ -30739,7 +33695,7 @@
               <a:rPr sz="1400">
                 <a:latin typeface="Noto Sans JP"/>
               </a:rPr>
-              <a:t>AIREAD_ARISE-4157 【multi3_jpn】Cải thiện độ chính xác</a:t>
+              <a:t>AIREAD_ARISE-4157 【multi3_jpn】Cải thiện độ chính xác mô hình multi3_jpn</a:t>
             </a:r>
           </a:p>
           <a:p>
@@ -30753,7 +33709,21 @@
               <a:rPr sz="1400">
                 <a:latin typeface="Noto Sans JP"/>
               </a:rPr>
-              <a:t>Điều tra lỗi và sửa đổi hàm tiền xử lý của multi3_jpn</a:t>
+              <a:t>Mô hình multi3_jpn gặp khó khăn trong việc nhận diện các ký tự dài và ký tự đặc biệt như 「〃」, dẫn đế...</a:t>
+            </a:r>
+          </a:p>
+          <a:p>
+            <a:pPr algn="l" lvl="1" indent="-317500" marL="914400">
+              <a:lnSpc>
+                <a:spcPct val="115000"/>
+              </a:lnSpc>
+              <a:buChar char="○"/>
+            </a:pPr>
+            <a:r>
+              <a:rPr sz="1400">
+                <a:latin typeface="Noto Sans JP"/>
+              </a:rPr>
+              <a:t>Kết quả: Đã xác định được rằng mã dự án gặp vấn đề trong quy trình preprocess, cần được sửa đổi để cải thiện ...</a:t>
             </a:r>
           </a:p>
           <a:p>
@@ -30767,7 +33737,7 @@
               <a:rPr sz="1400">
                 <a:latin typeface="Noto Sans JP"/>
               </a:rPr>
-              <a:t>AIREAD_ARISE-4034【AIRead】位置合わせ機能の強化: tăng độ chính xác của alignment function</a:t>
+              <a:t>AIREAD_ARISE-4149 【AIRead】Trong folder Temp của USERPROFILE còn tồn tại onnxruntime-java</a:t>
             </a:r>
           </a:p>
           <a:p>
@@ -30781,14 +33751,28 @@
               <a:rPr sz="1400">
                 <a:latin typeface="Noto Sans JP"/>
               </a:rPr>
-              <a:t>Sửa ảnh template thành ảnh trước khi tiền xử lý</a:t>
+              <a:t>Mỗi lần chạy AIRead sẽ tạo ra một thư mục trên đường dẫn %USERPROFILE%\AppData\Local\Temp với dung l...</a:t>
+            </a:r>
+          </a:p>
+          <a:p>
+            <a:pPr algn="l" lvl="1" indent="-317500" marL="914400">
+              <a:lnSpc>
+                <a:spcPct val="115000"/>
+              </a:lnSpc>
+              <a:buChar char="○"/>
+            </a:pPr>
+            <a:r>
+              <a:rPr sz="1400">
+                <a:latin typeface="Noto Sans JP"/>
+              </a:rPr>
+              <a:t>Kết quả: Đã giảm thiểu dung lượng lưu trữ không cần thiết trong folder temp, nhưng vẫn còn folder onnxruntime...</a:t>
             </a:r>
           </a:p>
         </p:txBody>
       </p:sp>
       <p:sp>
         <p:nvSpPr>
-          <p:cNvPr id="4" name="TextBox 3"/>
+          <p:cNvPr id="5" name="TextBox 4"/>
           <p:cNvSpPr txBox="1"/>
           <p:nvPr/>
         </p:nvSpPr>

--- a/output/final_presentation.pptx
+++ b/output/final_presentation.pptx
@@ -30,11 +30,6 @@
     <p:sldId id="278" r:id="rId30"/>
     <p:sldId id="279" r:id="rId31"/>
     <p:sldId id="280" r:id="rId32"/>
-    <p:sldId id="281" r:id="rId33"/>
-    <p:sldId id="282" r:id="rId34"/>
-    <p:sldId id="283" r:id="rId35"/>
-    <p:sldId id="284" r:id="rId36"/>
-    <p:sldId id="285" r:id="rId37"/>
   </p:sldIdLst>
   <p:sldSz cy="5143500" cx="9144000"/>
   <p:notesSz cx="6858000" cy="9144000"/>
@@ -29658,7 +29653,7 @@
               <a:rPr sz="1400">
                 <a:latin typeface="Noto Sans JP"/>
               </a:rPr>
-              <a:t>Một số biểu mẫu bị lệch do lấy điểm đặc trưng từ ảnh đã tiền xử lý, trong khi template sử dụng ảnh gốc. Điều này dẫn đến việc không thể căn chỉnh chính xác các thành phần trong tài liệu, gây ảnh hưởng nghiêm trọng đến quy trình làm việc của khách hàng.</a:t>
+              <a:t>Một số biểu mẫu bị lệch do lấy điểm đặc trưng từ ảnh đã tiền xử lý, trong khi template dùng ảnh gốc dẫn đến mismatch giữa nguồn điểm đặc trưng (preprocessed) và template (original) gây warp_affine sai lệch; hệ thống xuất một số file debug (SIFT_01_Keypoint_Matches.jpg, SIFT_02_warpPerspective.jpg, SIFT_03_rgb_Image.jpg) theo mặc định gây lộn xộn thư mục output. Yêu cầu: đảm bảo input là ảnh gốc khi lấy feature để matching; chỉ xuất ảnh debug khi flag debug bật.</a:t>
             </a:r>
           </a:p>
         </p:txBody>
@@ -29832,7 +29827,7 @@
               <a:rPr sz="1400">
                 <a:latin typeface="Noto Sans JP"/>
               </a:rPr>
-              <a:t>Vấn đề hiện tại: Sự không khớp giữa ảnh đầu vào đã tiền xử lý và template gốc dẫn đến kết quả không chính xác trong việc căn chỉnh, ảnh hưởng đến khả năng nhận diện của hệ thống.</a:t>
+              <a:t>Chúng tôi đã tích hợp cơ chế điều kiện để chỉ xuất các file debug SIFT_01_Keypoint_Matches.jpg, SIFT_02_warpPerspective.jpg, SIFT_03_rgb_Image.jpg khi flag debug bật.</a:t>
             </a:r>
           </a:p>
           <a:p>
@@ -29846,35 +29841,7 @@
               <a:rPr sz="1400">
                 <a:latin typeface="Noto Sans JP"/>
               </a:rPr>
-              <a:t>Chúng tôi đã sửa ảnh template thành ảnh trước khi tiền xử lý để đảm bảo tính nhất quán giữa các ảnh đầu vào và template.</a:t>
-            </a:r>
-          </a:p>
-          <a:p>
-            <a:pPr algn="l" lvl="1" indent="-317500" marL="914400">
-              <a:lnSpc>
-                <a:spcPct val="115000"/>
-              </a:lnSpc>
-              <a:buChar char="○"/>
-            </a:pPr>
-            <a:r>
-              <a:rPr sz="1400">
-                <a:latin typeface="Noto Sans JP"/>
-              </a:rPr>
-              <a:t>Implementation chi tiết: Chúng tôi đã sửa đổi file MultiCharRecognitionManager.java, thay đổi cách truyền tham số từ binary sang src để lấy warp_affine.</a:t>
-            </a:r>
-          </a:p>
-          <a:p>
-            <a:pPr algn="l" lvl="1" indent="-317500" marL="914400">
-              <a:lnSpc>
-                <a:spcPct val="115000"/>
-              </a:lnSpc>
-              <a:buChar char="○"/>
-            </a:pPr>
-            <a:r>
-              <a:rPr sz="1400">
-                <a:latin typeface="Noto Sans JP"/>
-              </a:rPr>
-              <a:t>Configuration changes: Không có thay đổi cấu hình cụ thể trong nhiệm vụ này.</a:t>
+              <a:t>Cụ thể, hệ thống có sẵn config IS_DEBUG; chúng tôi đã truyền giá trị này vào hàm debug ảnh để điều khiển xuất ảnh debug (Raw data cũng đề cập AIREAD_DEBUG_MODE=true như điều kiện xuất debug).</a:t>
             </a:r>
           </a:p>
         </p:txBody>
@@ -30048,7 +30015,7 @@
               <a:rPr sz="1400">
                 <a:latin typeface="Noto Sans JP"/>
               </a:rPr>
-              <a:t>Vấn đề hiện tại: Sự không khớp giữa ảnh đầu vào đã tiền xử lý và template gốc dẫn đến kết quả không chính xác trong việc căn chỉnh, ảnh hưởng đến khả năng nhận diện của hệ thống.</a:t>
+              <a:t>Configuration changes: IS_DEBUG (config sẵn) được truyền vào hàm debug ảnh để điều khiển việc in ảnh debug; đồng thời đảm bảo chỉ xuất debug images khi AIREAD_DEBUG_MODE=true.</a:t>
             </a:r>
           </a:p>
           <a:p>
@@ -30062,35 +30029,7 @@
               <a:rPr sz="1400">
                 <a:latin typeface="Noto Sans JP"/>
               </a:rPr>
-              <a:t>Testing đã thực hiện: Chúng tôi đã thử nghiệm với các ảnh template nghiêng -2 độ và xoay +90, -90, 180 độ, và kết quả cho thấy quá trình căn chỉnh hoạt động tốt.</a:t>
-            </a:r>
-          </a:p>
-          <a:p>
-            <a:pPr algn="l" lvl="1" indent="-317500" marL="914400">
-              <a:lnSpc>
-                <a:spcPct val="115000"/>
-              </a:lnSpc>
-              <a:buChar char="○"/>
-            </a:pPr>
-            <a:r>
-              <a:rPr sz="1400">
-                <a:latin typeface="Noto Sans JP"/>
-              </a:rPr>
-              <a:t>Kết quả đo lường: Quá trình căn chỉnh hoạt động tốt dù ảnh raw chưa qua bước tiền xử lý.</a:t>
-            </a:r>
-          </a:p>
-          <a:p>
-            <a:pPr algn="l" lvl="1" indent="-317500" marL="914400">
-              <a:lnSpc>
-                <a:spcPct val="115000"/>
-              </a:lnSpc>
-              <a:buChar char="○"/>
-            </a:pPr>
-            <a:r>
-              <a:rPr sz="1400">
-                <a:latin typeface="Noto Sans JP"/>
-              </a:rPr>
-              <a:t>Quality control: Khi bật IS_DEBUG = false, các ảnh debug sẽ không được xuất ra nữa, đảm bảo giảm thiểu không gian lưu trữ không cần thiết.</a:t>
+              <a:t>Lưu ý: raw data có IS_DEBUG, IS_DEBBUG (typo) và AIREAD_DEBUG_MODE; hiện trạng: khi IS_DEBBUG = false thì ảnh debug không in ra — cần chuẩn hóa flags.</a:t>
             </a:r>
           </a:p>
         </p:txBody>
@@ -30264,35 +30203,7 @@
               <a:rPr sz="1400">
                 <a:latin typeface="Noto Sans JP"/>
               </a:rPr>
-              <a:t>Quá trình căn chỉnh hoạt động hiệu quả với các ảnh đầu vào, không còn vấn đề lệch lạc.</a:t>
-            </a:r>
-          </a:p>
-          <a:p>
-            <a:pPr algn="l" indent="-317500" marL="457200">
-              <a:lnSpc>
-                <a:spcPct val="115000"/>
-              </a:lnSpc>
-              <a:buChar char="●"/>
-            </a:pPr>
-            <a:r>
-              <a:rPr sz="1400">
-                <a:latin typeface="Noto Sans JP"/>
-              </a:rPr>
-              <a:t>Việc sử dụng ảnh gốc thay vì ảnh đã tiền xử lý giúp nâng cao độ chính xác của hệ thống, giảm thiểu lỗi trong quá trình nhận diện ký tự.</a:t>
-            </a:r>
-          </a:p>
-          <a:p>
-            <a:pPr algn="l" indent="-317500" marL="457200">
-              <a:lnSpc>
-                <a:spcPct val="115000"/>
-              </a:lnSpc>
-              <a:buChar char="●"/>
-            </a:pPr>
-            <a:r>
-              <a:rPr sz="1400">
-                <a:latin typeface="Noto Sans JP"/>
-              </a:rPr>
-              <a:t>Kết quả đạt được cho thấy hệ thống có khả năng hoạt động ổn định và chính xác hơn, góp phần cải thiện hiệu suất tổng thể.</a:t>
+              <a:t>Quality control: đảm bảo backward compatibility với pipeline hiện có bằng cách chỉ thay đổi luồng truyền src vs binary cho bước lấy warp_affine; verify rằng các thay đổi không gây lỗi trên tập test hiện hành.</a:t>
             </a:r>
           </a:p>
         </p:txBody>
@@ -30364,79 +30275,6 @@
         </p:nvSpPr>
         <p:spPr>
           <a:xfrm>
-            <a:off x="1191600" y="1483850"/>
-            <a:ext cx="6760800" cy="1555800"/>
-          </a:xfrm>
-          <a:prstGeom prst="rect">
-            <a:avLst/>
-          </a:prstGeom>
-          <a:noFill/>
-        </p:spPr>
-        <p:txBody>
-          <a:bodyPr wrap="square" lIns="45720" rIns="45720" tIns="22860" bIns="22860">
-            <a:spAutoFit/>
-          </a:bodyPr>
-          <a:lstStyle/>
-          <a:p>
-            <a:pPr algn="ctr">
-              <a:lnSpc>
-                <a:spcPct val="150000"/>
-              </a:lnSpc>
-            </a:pPr>
-            <a:r>
-              <a:rPr sz="2400" b="1">
-                <a:solidFill>
-                  <a:srgbClr val="000000"/>
-                </a:solidFill>
-                <a:latin typeface="Noto Sans JP"/>
-              </a:rPr>
-              <a:t>2.2. AIREAD_ARISE-4157 【multi3_jpn】</a:t>
-            </a:r>
-          </a:p>
-          <a:p>
-            <a:pPr algn="ctr">
-              <a:lnSpc>
-                <a:spcPct val="150000"/>
-              </a:lnSpc>
-            </a:pPr>
-            <a:r>
-              <a:rPr sz="2400" b="1">
-                <a:solidFill>
-                  <a:srgbClr val="000000"/>
-                </a:solidFill>
-                <a:latin typeface="Noto Sans JP"/>
-              </a:rPr>
-              <a:t>Cải thiện độ chính xác mô hình multi3_jpn</a:t>
-            </a:r>
-          </a:p>
-        </p:txBody>
-      </p:sp>
-    </p:spTree>
-  </p:cSld>
-  <p:clrMapOvr>
-    <a:masterClrMapping/>
-  </p:clrMapOvr>
-</p:sld>
-</file>
-
-<file path=ppt/slides/slide16.xml><?xml version="1.0" encoding="utf-8"?>
-<p:sld xmlns:a="http://schemas.openxmlformats.org/drawingml/2006/main" xmlns:p="http://schemas.openxmlformats.org/presentationml/2006/main" xmlns:r="http://schemas.openxmlformats.org/officeDocument/2006/relationships">
-  <p:cSld>
-    <p:spTree>
-      <p:nvGrpSpPr>
-        <p:cNvPr id="1" name=""/>
-        <p:cNvGrpSpPr/>
-        <p:nvPr/>
-      </p:nvGrpSpPr>
-      <p:grpSpPr/>
-      <p:sp>
-        <p:nvSpPr>
-          <p:cNvPr id="2" name="TextBox 1"/>
-          <p:cNvSpPr txBox="1"/>
-          <p:nvPr/>
-        </p:nvSpPr>
-        <p:spPr>
-          <a:xfrm>
             <a:off x="584875" y="427349"/>
             <a:ext cx="7717500" cy="421500"/>
           </a:xfrm>
@@ -30539,7 +30377,35 @@
               <a:rPr sz="1400">
                 <a:latin typeface="Noto Sans JP"/>
               </a:rPr>
-              <a:t>Mô hình multi3_jpn gặp khó khăn trong việc nhận diện các ký tự dài và ký tự đặc biệt như 「〃」, dẫn đến nhiều trường hợp đọc sai. Điều này ảnh hưởng đến độ tin cậy của hệ thống và trải nghiệm của người dùng.</a:t>
+              <a:t>Thay đổi truyền src để lấy warp_affine cho kết quả căn chỉnh tốt ngay cả khi ảnh raw chưa qua tiền xử lý; khi IS_DEBBUG = false các ảnh debug không được in ra.</a:t>
+            </a:r>
+          </a:p>
+          <a:p>
+            <a:pPr algn="l" indent="-317500" marL="457200">
+              <a:lnSpc>
+                <a:spcPct val="115000"/>
+              </a:lnSpc>
+              <a:buChar char="●"/>
+            </a:pPr>
+            <a:r>
+              <a:rPr sz="1400">
+                <a:latin typeface="Noto Sans JP"/>
+              </a:rPr>
+              <a:t>Nguyên nhân chính là bất đồng giữa nguồn ảnh dùng để trích feature (preprocessed) và template (original). Chuẩn hóa nguồn tính feature sang ảnh gốc (src) loại bỏ sai số do filter/thresholding/line-removal trong tiền xử lý. Thử nghiệm với template xoay/tilt chứng minh phương pháp matching (SIFT/warp_affine) bền vững với rotation nếu input là ảnh gốc. Việc điều khiển xuất debug giảm nhiễu output giúp QA và khách hàng dễ phân tích kết quả.</a:t>
+            </a:r>
+          </a:p>
+          <a:p>
+            <a:pPr algn="l" indent="-317500" marL="457200">
+              <a:lnSpc>
+                <a:spcPct val="115000"/>
+              </a:lnSpc>
+              <a:buChar char="●"/>
+            </a:pPr>
+            <a:r>
+              <a:rPr sz="1400">
+                <a:latin typeface="Noto Sans JP"/>
+              </a:rPr>
+              <a:t>Chất lượng căn chỉnh ổn định trên các test hiện có; cần đồng bộ tên flag debug (IS_DEBUG / IS_DEBBUG / AIREAD_DEBUG_MODE) giữa config và code để tránh nhầm lẫn vận hành.</a:t>
             </a:r>
           </a:p>
         </p:txBody>
@@ -30581,6 +30447,79 @@
                 <a:latin typeface="Noto Sans JP"/>
               </a:rPr>
               <a:t>2. 完了済み作業</a:t>
+            </a:r>
+          </a:p>
+        </p:txBody>
+      </p:sp>
+    </p:spTree>
+  </p:cSld>
+  <p:clrMapOvr>
+    <a:masterClrMapping/>
+  </p:clrMapOvr>
+</p:sld>
+</file>
+
+<file path=ppt/slides/slide16.xml><?xml version="1.0" encoding="utf-8"?>
+<p:sld xmlns:a="http://schemas.openxmlformats.org/drawingml/2006/main" xmlns:p="http://schemas.openxmlformats.org/presentationml/2006/main" xmlns:r="http://schemas.openxmlformats.org/officeDocument/2006/relationships">
+  <p:cSld>
+    <p:spTree>
+      <p:nvGrpSpPr>
+        <p:cNvPr id="1" name=""/>
+        <p:cNvGrpSpPr/>
+        <p:nvPr/>
+      </p:nvGrpSpPr>
+      <p:grpSpPr/>
+      <p:sp>
+        <p:nvSpPr>
+          <p:cNvPr id="2" name="TextBox 1"/>
+          <p:cNvSpPr txBox="1"/>
+          <p:nvPr/>
+        </p:nvSpPr>
+        <p:spPr>
+          <a:xfrm>
+            <a:off x="1191600" y="1483850"/>
+            <a:ext cx="6760800" cy="1555800"/>
+          </a:xfrm>
+          <a:prstGeom prst="rect">
+            <a:avLst/>
+          </a:prstGeom>
+          <a:noFill/>
+        </p:spPr>
+        <p:txBody>
+          <a:bodyPr wrap="square" lIns="45720" rIns="45720" tIns="22860" bIns="22860">
+            <a:spAutoFit/>
+          </a:bodyPr>
+          <a:lstStyle/>
+          <a:p>
+            <a:pPr algn="ctr">
+              <a:lnSpc>
+                <a:spcPct val="150000"/>
+              </a:lnSpc>
+            </a:pPr>
+            <a:r>
+              <a:rPr sz="2400" b="1">
+                <a:solidFill>
+                  <a:srgbClr val="000000"/>
+                </a:solidFill>
+                <a:latin typeface="Noto Sans JP"/>
+              </a:rPr>
+              <a:t>2.2. AIREAD_ARISE-4157 【multi3_jpn】</a:t>
+            </a:r>
+          </a:p>
+          <a:p>
+            <a:pPr algn="ctr">
+              <a:lnSpc>
+                <a:spcPct val="150000"/>
+              </a:lnSpc>
+            </a:pPr>
+            <a:r>
+              <a:rPr sz="2400" b="1">
+                <a:solidFill>
+                  <a:srgbClr val="000000"/>
+                </a:solidFill>
+                <a:latin typeface="Noto Sans JP"/>
+              </a:rPr>
+              <a:t>Cải thiện độ chính xác mô hình multi3_jpn</a:t>
             </a:r>
           </a:p>
         </p:txBody>
@@ -30713,49 +30652,7 @@
               <a:rPr sz="1400">
                 <a:latin typeface="Noto Sans JP"/>
               </a:rPr>
-              <a:t>Vấn đề hiện tại: Mô hình hiện tại không thể nhận diện chính xác các ký tự dài và ký tự đặc biệt, gây ra lỗi trong việc đọc ký tự.</a:t>
-            </a:r>
-          </a:p>
-          <a:p>
-            <a:pPr algn="l" lvl="1" indent="-317500" marL="914400">
-              <a:lnSpc>
-                <a:spcPct val="115000"/>
-              </a:lnSpc>
-              <a:buChar char="○"/>
-            </a:pPr>
-            <a:r>
-              <a:rPr sz="1400">
-                <a:latin typeface="Noto Sans JP"/>
-              </a:rPr>
-              <a:t>Chúng tôi đã thực hiện các bài kiểm tra riêng cho các trường hợp ký tự dài (~70 ký tự/câu) trên mã nguồn PaddleOCRv5 và mã dự án để xác định nguyên nhân gây ra lỗi.</a:t>
-            </a:r>
-          </a:p>
-          <a:p>
-            <a:pPr algn="l" lvl="1" indent="-317500" marL="914400">
-              <a:lnSpc>
-                <a:spcPct val="115000"/>
-              </a:lnSpc>
-              <a:buChar char="○"/>
-            </a:pPr>
-            <a:r>
-              <a:rPr sz="1400">
-                <a:latin typeface="Noto Sans JP"/>
-              </a:rPr>
-              <a:t>Implementation chi tiết: Đang kiểm tra lại phần preprocess của dự án để xác định vấn đề trong quy trình xử lý ảnh.</a:t>
-            </a:r>
-          </a:p>
-          <a:p>
-            <a:pPr algn="l" lvl="1" indent="-317500" marL="914400">
-              <a:lnSpc>
-                <a:spcPct val="115000"/>
-              </a:lnSpc>
-              <a:buChar char="○"/>
-            </a:pPr>
-            <a:r>
-              <a:rPr sz="1400">
-                <a:latin typeface="Noto Sans JP"/>
-              </a:rPr>
-              <a:t>Configuration changes: Không có thay đổi cấu hình cụ thể trong nhiệm vụ này.</a:t>
+              <a:t>Mô-đun multi3_jpn có tỷ lệ lỗi cao trên các component chứa nhiều chữ (long components) và đọc sai ký tự 「〃」 (U+3003). Nguyên nhân: preprocess hiện tại resize cố định (height=48 và width cố định) và padding trắng gây vỡ nét ảnh dài; padding trắng khác phân phối dữ liệu huấn luyện (padding xám) dẫn đến mô hình bị suy giảm performance.</a:t>
             </a:r>
           </a:p>
         </p:txBody>
@@ -30929,7 +30826,7 @@
               <a:rPr sz="1400">
                 <a:latin typeface="Noto Sans JP"/>
               </a:rPr>
-              <a:t>Vấn đề hiện tại: Mô hình hiện tại không thể nhận diện chính xác các ký tự dài và ký tự đặc biệt, gây ra lỗi trong việc đọc ký tự.</a:t>
+              <a:t>Chúng tôi đã sửa lại logic resize trong hàm preprocess() để giữ tỉ lệ chiều rộng thay vì ép buộc width cố định: resize chiều cao cố định 48px, chiều rộng giữ tỉ lệ ban đầu; padding màu xám được thêm vào bên phải tuỳ theo width của batch hiện tại.</a:t>
             </a:r>
           </a:p>
           <a:p>
@@ -30943,35 +30840,7 @@
               <a:rPr sz="1400">
                 <a:latin typeface="Noto Sans JP"/>
               </a:rPr>
-              <a:t>Testing đã thực hiện: Chúng tôi đã chạy các bài kiểm tra với các trường hợp ký tự dài và ký tự đặc biệt, so sánh kết quả giữa mã PaddleOCRv5 và mã dự án.</a:t>
-            </a:r>
-          </a:p>
-          <a:p>
-            <a:pPr algn="l" lvl="1" indent="-317500" marL="914400">
-              <a:lnSpc>
-                <a:spcPct val="115000"/>
-              </a:lnSpc>
-              <a:buChar char="○"/>
-            </a:pPr>
-            <a:r>
-              <a:rPr sz="1400">
-                <a:latin typeface="Noto Sans JP"/>
-              </a:rPr>
-              <a:t>Kết quả đo lường: Code PaddleOCRv5 đạt độ chính xác 91/100 với ảnh tự render, trong khi mã dự án gặp lỗi hoàn toàn.</a:t>
-            </a:r>
-          </a:p>
-          <a:p>
-            <a:pPr algn="l" lvl="1" indent="-317500" marL="914400">
-              <a:lnSpc>
-                <a:spcPct val="115000"/>
-              </a:lnSpc>
-              <a:buChar char="○"/>
-            </a:pPr>
-            <a:r>
-              <a:rPr sz="1400">
-                <a:latin typeface="Noto Sans JP"/>
-              </a:rPr>
-              <a:t>Quality control: Đang trong quá trình kiểm tra và xác minh các lỗi trong quy trình preprocess.</a:t>
+              <a:t>Ảnh quá ngắn được resize chiều cao 48px, chiều rộng theo tỉ lệ ảnh và padding bên phải sao cho giữ đúng tỉ lệ 320x48px (theo yêu cầu batch).</a:t>
             </a:r>
           </a:p>
         </p:txBody>
@@ -31145,35 +31014,7 @@
               <a:rPr sz="1400">
                 <a:latin typeface="Noto Sans JP"/>
               </a:rPr>
-              <a:t>Đã xác định được rằng mã dự án gặp vấn đề trong quy trình preprocess, cần được sửa đổi để cải thiện độ chính xác.</a:t>
-            </a:r>
-          </a:p>
-          <a:p>
-            <a:pPr algn="l" indent="-317500" marL="457200">
-              <a:lnSpc>
-                <a:spcPct val="115000"/>
-              </a:lnSpc>
-              <a:buChar char="●"/>
-            </a:pPr>
-            <a:r>
-              <a:rPr sz="1400">
-                <a:latin typeface="Noto Sans JP"/>
-              </a:rPr>
-              <a:t>Sự khác biệt trong kết quả giữa mã PaddleOCRv5 và mã dự án cho thấy cần phải điều chỉnh quy trình xử lý ảnh để đảm bảo tính chính xác trong nhận diện ký tự.</a:t>
-            </a:r>
-          </a:p>
-          <a:p>
-            <a:pPr algn="l" indent="-317500" marL="457200">
-              <a:lnSpc>
-                <a:spcPct val="115000"/>
-              </a:lnSpc>
-              <a:buChar char="●"/>
-            </a:pPr>
-            <a:r>
-              <a:rPr sz="1400">
-                <a:latin typeface="Noto Sans JP"/>
-              </a:rPr>
-              <a:t>Cần tiếp tục điều chỉnh và tối ưu hóa quy trình preprocess để đạt được kết quả tốt hơn.</a:t>
+              <a:t>Quality control: đảm bảo không làm xấu đi hầu hết các trường hợp (chỉ Dilate_num giảm); cần follow-up để phân tích lý do giảm và xác minh không có regression trên các test khác.</a:t>
             </a:r>
           </a:p>
         </p:txBody>
@@ -31297,79 +31138,6 @@
         </p:nvSpPr>
         <p:spPr>
           <a:xfrm>
-            <a:off x="1191600" y="1483850"/>
-            <a:ext cx="6760800" cy="1555800"/>
-          </a:xfrm>
-          <a:prstGeom prst="rect">
-            <a:avLst/>
-          </a:prstGeom>
-          <a:noFill/>
-        </p:spPr>
-        <p:txBody>
-          <a:bodyPr wrap="square" lIns="45720" rIns="45720" tIns="22860" bIns="22860">
-            <a:spAutoFit/>
-          </a:bodyPr>
-          <a:lstStyle/>
-          <a:p>
-            <a:pPr algn="ctr">
-              <a:lnSpc>
-                <a:spcPct val="150000"/>
-              </a:lnSpc>
-            </a:pPr>
-            <a:r>
-              <a:rPr sz="2400" b="1">
-                <a:solidFill>
-                  <a:srgbClr val="000000"/>
-                </a:solidFill>
-                <a:latin typeface="Noto Sans JP"/>
-              </a:rPr>
-              <a:t>2.3. AIREAD_ARISE-4157 【multi3_jpn】</a:t>
-            </a:r>
-          </a:p>
-          <a:p>
-            <a:pPr algn="ctr">
-              <a:lnSpc>
-                <a:spcPct val="150000"/>
-              </a:lnSpc>
-            </a:pPr>
-            <a:r>
-              <a:rPr sz="2400" b="1">
-                <a:solidFill>
-                  <a:srgbClr val="000000"/>
-                </a:solidFill>
-                <a:latin typeface="Noto Sans JP"/>
-              </a:rPr>
-              <a:t>Cải thiện độ chính xác mô hình multi3_jpn</a:t>
-            </a:r>
-          </a:p>
-        </p:txBody>
-      </p:sp>
-    </p:spTree>
-  </p:cSld>
-  <p:clrMapOvr>
-    <a:masterClrMapping/>
-  </p:clrMapOvr>
-</p:sld>
-</file>
-
-<file path=ppt/slides/slide21.xml><?xml version="1.0" encoding="utf-8"?>
-<p:sld xmlns:a="http://schemas.openxmlformats.org/drawingml/2006/main" xmlns:p="http://schemas.openxmlformats.org/presentationml/2006/main" xmlns:r="http://schemas.openxmlformats.org/officeDocument/2006/relationships">
-  <p:cSld>
-    <p:spTree>
-      <p:nvGrpSpPr>
-        <p:cNvPr id="1" name=""/>
-        <p:cNvGrpSpPr/>
-        <p:nvPr/>
-      </p:nvGrpSpPr>
-      <p:grpSpPr/>
-      <p:sp>
-        <p:nvSpPr>
-          <p:cNvPr id="2" name="TextBox 1"/>
-          <p:cNvSpPr txBox="1"/>
-          <p:nvPr/>
-        </p:nvSpPr>
-        <p:spPr>
-          <a:xfrm>
             <a:off x="584875" y="427349"/>
             <a:ext cx="7717500" cy="421500"/>
           </a:xfrm>
@@ -31472,7 +31240,35 @@
               <a:rPr sz="1400">
                 <a:latin typeface="Noto Sans JP"/>
               </a:rPr>
-              <a:t>Quy trình tiền xử lý cũ sử dụng resize cố định và padding trắng gây lỗi cho mô hình multi3_jpn, dẫn đến ảnh dài bị vỡ nét và padding không chính xác cho ảnh ngắn.</a:t>
+              <a:t>Accuracy cải thiện mạnh: long_comp tăng 0%→92%, vban chứa số 1%→99%, ký tự 「〃」 19%→92%; Dilate_num giảm nhẹ 94%→90% cần investigation thêm.</a:t>
+            </a:r>
+          </a:p>
+          <a:p>
+            <a:pPr algn="l" indent="-317500" marL="457200">
+              <a:lnSpc>
+                <a:spcPct val="115000"/>
+              </a:lnSpc>
+              <a:buChar char="●"/>
+            </a:pPr>
+            <a:r>
+              <a:rPr sz="1400">
+                <a:latin typeface="Noto Sans JP"/>
+              </a:rPr>
+              <a:t>Giải thích cải thiện: giữ tỉ lệ chiều rộng tránh vỡ nét ký tự dọc theo chiều ngang; padding màu xám tương thích với distribution huấn luyện giúp mô hình ổn định trên chuỗi dài và ký tự đặc biệt. Giải thích giảm ở Dilate_num: có thể do thay đổi padding/resize ảnh hưởng đến hình thái sau dilation — là trade-off; cần chạy regression test và có thể áp dụng xử lý đặc biệt (dilation trước resize hoặc branch preprocess cho case số).</a:t>
+            </a:r>
+          </a:p>
+          <a:p>
+            <a:pPr algn="l" indent="-317500" marL="457200">
+              <a:lnSpc>
+                <a:spcPct val="115000"/>
+              </a:lnSpc>
+              <a:buChar char="●"/>
+            </a:pPr>
+            <a:r>
+              <a:rPr sz="1400">
+                <a:latin typeface="Noto Sans JP"/>
+              </a:rPr>
+              <a:t>Chất lượng nhận diện cho trường hợp dài và ký tự đặc biệt đã cải thiện mạnh và đạt tương đương hoặc tốt hơn reference; cần follow-up để khôi phục accuracy Dilate_num nếu yêu cầu bảo toàn.</a:t>
             </a:r>
           </a:p>
         </p:txBody>
@@ -31514,6 +31310,79 @@
                 <a:latin typeface="Noto Sans JP"/>
               </a:rPr>
               <a:t>2. 完了済み作業</a:t>
+            </a:r>
+          </a:p>
+        </p:txBody>
+      </p:sp>
+    </p:spTree>
+  </p:cSld>
+  <p:clrMapOvr>
+    <a:masterClrMapping/>
+  </p:clrMapOvr>
+</p:sld>
+</file>
+
+<file path=ppt/slides/slide21.xml><?xml version="1.0" encoding="utf-8"?>
+<p:sld xmlns:a="http://schemas.openxmlformats.org/drawingml/2006/main" xmlns:p="http://schemas.openxmlformats.org/presentationml/2006/main" xmlns:r="http://schemas.openxmlformats.org/officeDocument/2006/relationships">
+  <p:cSld>
+    <p:spTree>
+      <p:nvGrpSpPr>
+        <p:cNvPr id="1" name=""/>
+        <p:cNvGrpSpPr/>
+        <p:nvPr/>
+      </p:nvGrpSpPr>
+      <p:grpSpPr/>
+      <p:sp>
+        <p:nvSpPr>
+          <p:cNvPr id="2" name="TextBox 1"/>
+          <p:cNvSpPr txBox="1"/>
+          <p:nvPr/>
+        </p:nvSpPr>
+        <p:spPr>
+          <a:xfrm>
+            <a:off x="1191600" y="1483850"/>
+            <a:ext cx="6760800" cy="1555800"/>
+          </a:xfrm>
+          <a:prstGeom prst="rect">
+            <a:avLst/>
+          </a:prstGeom>
+          <a:noFill/>
+        </p:spPr>
+        <p:txBody>
+          <a:bodyPr wrap="square" lIns="45720" rIns="45720" tIns="22860" bIns="22860">
+            <a:spAutoFit/>
+          </a:bodyPr>
+          <a:lstStyle/>
+          <a:p>
+            <a:pPr algn="ctr">
+              <a:lnSpc>
+                <a:spcPct val="150000"/>
+              </a:lnSpc>
+            </a:pPr>
+            <a:r>
+              <a:rPr sz="2400" b="1">
+                <a:solidFill>
+                  <a:srgbClr val="000000"/>
+                </a:solidFill>
+                <a:latin typeface="Noto Sans JP"/>
+              </a:rPr>
+              <a:t>2.3. AIREAD_ARISE-4149 【AIRead】</a:t>
+            </a:r>
+          </a:p>
+          <a:p>
+            <a:pPr algn="ctr">
+              <a:lnSpc>
+                <a:spcPct val="150000"/>
+              </a:lnSpc>
+            </a:pPr>
+            <a:r>
+              <a:rPr sz="2400" b="1">
+                <a:solidFill>
+                  <a:srgbClr val="000000"/>
+                </a:solidFill>
+                <a:latin typeface="Noto Sans JP"/>
+              </a:rPr>
+              <a:t>Trong folder Temp của USERPROFILE còn tồn tại onnxruntime-java</a:t>
             </a:r>
           </a:p>
         </p:txBody>
@@ -31646,49 +31515,7 @@
               <a:rPr sz="1400">
                 <a:latin typeface="Noto Sans JP"/>
               </a:rPr>
-              <a:t>Vấn đề hiện tại: Việc sử dụng chiều cao cố định 48px và padding trắng gây ra sự sai lệch trong quá trình nhận diện ký tự, đặc biệt với các ảnh dài.</a:t>
-            </a:r>
-          </a:p>
-          <a:p>
-            <a:pPr algn="l" lvl="1" indent="-317500" marL="914400">
-              <a:lnSpc>
-                <a:spcPct val="115000"/>
-              </a:lnSpc>
-              <a:buChar char="○"/>
-            </a:pPr>
-            <a:r>
-              <a:rPr sz="1400">
-                <a:latin typeface="Noto Sans JP"/>
-              </a:rPr>
-              <a:t>Chúng tôi đã sửa lại phần resize hàm preprocess để đảm bảo ảnh dài sẽ được resize về chiều cao 48px cố định, giữ tỷ lệ ban đầu cho chiều rộng.</a:t>
-            </a:r>
-          </a:p>
-          <a:p>
-            <a:pPr algn="l" lvl="1" indent="-317500" marL="914400">
-              <a:lnSpc>
-                <a:spcPct val="115000"/>
-              </a:lnSpc>
-              <a:buChar char="○"/>
-            </a:pPr>
-            <a:r>
-              <a:rPr sz="1400">
-                <a:latin typeface="Noto Sans JP"/>
-              </a:rPr>
-              <a:t>Implementation chi tiết: Chúng tôi đã điều chỉnh file MultiCharRecognitionManager.java, sửa đổi hàm preprocess() để thực hiện việc resize và padding chính xác.</a:t>
-            </a:r>
-          </a:p>
-          <a:p>
-            <a:pPr algn="l" lvl="1" indent="-317500" marL="914400">
-              <a:lnSpc>
-                <a:spcPct val="115000"/>
-              </a:lnSpc>
-              <a:buChar char="○"/>
-            </a:pPr>
-            <a:r>
-              <a:rPr sz="1400">
-                <a:latin typeface="Noto Sans JP"/>
-              </a:rPr>
-              <a:t>Configuration changes: resize_mode: "fixed" → "adaptive" (để giữ tỷ lệ ảnh gốc), padding_color: RGB(255,255,255) → RGB(128,128,128) (để match training data distribution).</a:t>
+              <a:t>Mỗi lần chạy AIRead tạo thư mục %USERPROFILE%\AppData\Local\Temp\onnxruntime-javaxxxxxxxxxxxxxx (~10MB mỗi folder). Nếu chạy nhiều lần các folder cũ tích luỹ gây tốn dung lượng. Yêu cầu: xóa các folder temp onnxruntime còn lại sau khi hoàn tất chạy để tránh chiếm dung lượng.</a:t>
             </a:r>
           </a:p>
         </p:txBody>
@@ -31862,49 +31689,7 @@
               <a:rPr sz="1400">
                 <a:latin typeface="Noto Sans JP"/>
               </a:rPr>
-              <a:t>Vấn đề hiện tại: Việc sử dụng chiều cao cố định 48px và padding trắng gây ra sự sai lệch trong quá trình nhận diện ký tự, đặc biệt với các ảnh dài.</a:t>
-            </a:r>
-          </a:p>
-          <a:p>
-            <a:pPr algn="l" lvl="1" indent="-317500" marL="914400">
-              <a:lnSpc>
-                <a:spcPct val="115000"/>
-              </a:lnSpc>
-              <a:buChar char="○"/>
-            </a:pPr>
-            <a:r>
-              <a:rPr sz="1400">
-                <a:latin typeface="Noto Sans JP"/>
-              </a:rPr>
-              <a:t>Testing đã thực hiện: Chúng tôi đã chạy thử nghiệm với 100 ảnh dài và 100 ảnh ngắn, kiểm tra độ chính xác của các ký tự.</a:t>
-            </a:r>
-          </a:p>
-          <a:p>
-            <a:pPr algn="l" lvl="1" indent="-317500" marL="914400">
-              <a:lnSpc>
-                <a:spcPct val="115000"/>
-              </a:lnSpc>
-              <a:buChar char="○"/>
-            </a:pPr>
-            <a:r>
-              <a:rPr sz="1400">
-                <a:latin typeface="Noto Sans JP"/>
-              </a:rPr>
-              <a:t>Kết quả đo lường: Preprocess cũ: long_comp: 0/100, vban chứa số: 1/100, ký tự 〃: 19/100. Preprocess mới: long_comp: 92/100, vban chứa số: 99/100, ký tự 〃: 92/100.</a:t>
-            </a:r>
-          </a:p>
-          <a:p>
-            <a:pPr algn="l" lvl="1" indent="-317500" marL="914400">
-              <a:lnSpc>
-                <a:spcPct val="115000"/>
-              </a:lnSpc>
-              <a:buChar char="○"/>
-            </a:pPr>
-            <a:r>
-              <a:rPr sz="1400">
-                <a:latin typeface="Noto Sans JP"/>
-              </a:rPr>
-              <a:t>Quality control: Đã kiểm tra tính tương thích ngược và không có regression trên các test case hiện có.</a:t>
+              <a:t>Quality control: đảm bảo việc xóa không ảnh hưởng đến các tiến trình đang chạy; chỉ xóa các folder không lock/khóa bởi process.</a:t>
             </a:r>
           </a:p>
         </p:txBody>
@@ -31976,6 +31761,102 @@
         </p:nvSpPr>
         <p:spPr>
           <a:xfrm>
+            <a:off x="2542873" y="2571750"/>
+            <a:ext cx="5665500" cy="862200"/>
+          </a:xfrm>
+          <a:prstGeom prst="rect">
+            <a:avLst/>
+          </a:prstGeom>
+          <a:noFill/>
+        </p:spPr>
+        <p:txBody>
+          <a:bodyPr wrap="square" lIns="45720" rIns="45720" tIns="22860" bIns="22860">
+            <a:spAutoFit/>
+          </a:bodyPr>
+          <a:lstStyle/>
+          <a:p>
+            <a:pPr algn="r">
+              <a:lnSpc>
+                <a:spcPct val="100000"/>
+              </a:lnSpc>
+            </a:pPr>
+            <a:r>
+              <a:rPr sz="3000" b="1">
+                <a:solidFill>
+                  <a:srgbClr val="000000"/>
+                </a:solidFill>
+                <a:latin typeface="Noto Sans JP"/>
+              </a:rPr>
+              <a:t>次の作業内容</a:t>
+            </a:r>
+          </a:p>
+        </p:txBody>
+      </p:sp>
+      <p:sp>
+        <p:nvSpPr>
+          <p:cNvPr id="3" name="TextBox 2"/>
+          <p:cNvSpPr txBox="1"/>
+          <p:nvPr/>
+        </p:nvSpPr>
+        <p:spPr>
+          <a:xfrm>
+            <a:off x="5151175" y="1768609"/>
+            <a:ext cx="3057300" cy="862200"/>
+          </a:xfrm>
+          <a:prstGeom prst="rect">
+            <a:avLst/>
+          </a:prstGeom>
+          <a:noFill/>
+        </p:spPr>
+        <p:txBody>
+          <a:bodyPr wrap="square" lIns="45720" rIns="45720" tIns="22860" bIns="22860">
+            <a:spAutoFit/>
+          </a:bodyPr>
+          <a:lstStyle/>
+          <a:p>
+            <a:pPr algn="r">
+              <a:lnSpc>
+                <a:spcPct val="100000"/>
+              </a:lnSpc>
+            </a:pPr>
+            <a:r>
+              <a:rPr sz="6000" b="1">
+                <a:solidFill>
+                  <a:srgbClr val="000000"/>
+                </a:solidFill>
+                <a:latin typeface="Noto Sans JP"/>
+              </a:rPr>
+              <a:t>03</a:t>
+            </a:r>
+          </a:p>
+        </p:txBody>
+      </p:sp>
+    </p:spTree>
+  </p:cSld>
+  <p:clrMapOvr>
+    <a:masterClrMapping/>
+  </p:clrMapOvr>
+</p:sld>
+</file>
+
+<file path=ppt/slides/slide25.xml><?xml version="1.0" encoding="utf-8"?>
+<p:sld xmlns:a="http://schemas.openxmlformats.org/drawingml/2006/main" xmlns:p="http://schemas.openxmlformats.org/presentationml/2006/main" xmlns:r="http://schemas.openxmlformats.org/officeDocument/2006/relationships">
+  <p:cSld>
+    <p:spTree>
+      <p:nvGrpSpPr>
+        <p:cNvPr id="1" name=""/>
+        <p:cNvGrpSpPr/>
+        <p:nvPr/>
+      </p:nvGrpSpPr>
+      <p:grpSpPr/>
+      <p:sp>
+        <p:nvSpPr>
+          <p:cNvPr id="2" name="TextBox 1"/>
+          <p:cNvSpPr txBox="1"/>
+          <p:nvPr/>
+        </p:nvSpPr>
+        <p:spPr>
+          <a:xfrm>
             <a:off x="584875" y="427349"/>
             <a:ext cx="7717500" cy="421500"/>
           </a:xfrm>
@@ -32002,7 +31883,7 @@
                 </a:solidFill>
                 <a:latin typeface="Noto Sans JP"/>
               </a:rPr>
-              <a:t>2. 完了済み作業</a:t>
+              <a:t>3. 次の作業内容</a:t>
             </a:r>
           </a:p>
         </p:txBody>
@@ -32078,35 +31959,7 @@
               <a:rPr sz="1400">
                 <a:latin typeface="Noto Sans JP"/>
               </a:rPr>
-              <a:t>Độ chính xác của mô hình đã được cải thiện đáng kể với long_comp tăng từ 0 lên 92, vban chứa số từ 1 lên 99, ký tự 〃 từ 19 lên 92.</a:t>
-            </a:r>
-          </a:p>
-          <a:p>
-            <a:pPr algn="l" indent="-317500" marL="457200">
-              <a:lnSpc>
-                <a:spcPct val="115000"/>
-              </a:lnSpc>
-              <a:buChar char="●"/>
-            </a:pPr>
-            <a:r>
-              <a:rPr sz="1400">
-                <a:latin typeface="Noto Sans JP"/>
-              </a:rPr>
-              <a:t>Việc điều chỉnh quy trình resize và padding giúp cải thiện đáng kể độ chính xác của hệ thống, cho thấy tầm quan trọng của việc tối ưu hóa quy trình tiền xử lý.</a:t>
-            </a:r>
-          </a:p>
-          <a:p>
-            <a:pPr algn="l" indent="-317500" marL="457200">
-              <a:lnSpc>
-                <a:spcPct val="115000"/>
-              </a:lnSpc>
-              <a:buChar char="●"/>
-            </a:pPr>
-            <a:r>
-              <a:rPr sz="1400">
-                <a:latin typeface="Noto Sans JP"/>
-              </a:rPr>
-              <a:t>Kết quả đạt được cho thấy mô hình hiện tại đã hoạt động ổn định và chính xác hơn, đáp ứng tốt hơn yêu cầu của khách hàng.</a:t>
+              <a:t>- AIREAD_ARISE-4157 (multi3_jpn): phân tích nguyên nhân giảm performance ở Dilate_num (94% → 90%): chạy thêm regression test cho Dilate_num, kiểm tra ordering dilation và resize (thử dilation trước resize hoặc điều chỉnh kernel/threshold). Nếu cần, bổ sung xử lý riêng cho các case số (preprocess branch) để khôi phục accuracy cho Dilate_num mà không mất lợi ích cho long_comp và 「〃」.</a:t>
             </a:r>
           </a:p>
         </p:txBody>
@@ -32147,782 +32000,7 @@
                 </a:solidFill>
                 <a:latin typeface="Noto Sans JP"/>
               </a:rPr>
-              <a:t>2. 完了済み作業</a:t>
-            </a:r>
-          </a:p>
-        </p:txBody>
-      </p:sp>
-    </p:spTree>
-  </p:cSld>
-  <p:clrMapOvr>
-    <a:masterClrMapping/>
-  </p:clrMapOvr>
-</p:sld>
-</file>
-
-<file path=ppt/slides/slide25.xml><?xml version="1.0" encoding="utf-8"?>
-<p:sld xmlns:a="http://schemas.openxmlformats.org/drawingml/2006/main" xmlns:p="http://schemas.openxmlformats.org/presentationml/2006/main" xmlns:r="http://schemas.openxmlformats.org/officeDocument/2006/relationships">
-  <p:cSld>
-    <p:spTree>
-      <p:nvGrpSpPr>
-        <p:cNvPr id="1" name=""/>
-        <p:cNvGrpSpPr/>
-        <p:nvPr/>
-      </p:nvGrpSpPr>
-      <p:grpSpPr/>
-      <p:sp>
-        <p:nvSpPr>
-          <p:cNvPr id="2" name="TextBox 1"/>
-          <p:cNvSpPr txBox="1"/>
-          <p:nvPr/>
-        </p:nvSpPr>
-        <p:spPr>
-          <a:xfrm>
-            <a:off x="1191600" y="1483850"/>
-            <a:ext cx="6760800" cy="1555800"/>
-          </a:xfrm>
-          <a:prstGeom prst="rect">
-            <a:avLst/>
-          </a:prstGeom>
-          <a:noFill/>
-        </p:spPr>
-        <p:txBody>
-          <a:bodyPr wrap="square" lIns="45720" rIns="45720" tIns="22860" bIns="22860">
-            <a:spAutoFit/>
-          </a:bodyPr>
-          <a:lstStyle/>
-          <a:p>
-            <a:pPr algn="ctr">
-              <a:lnSpc>
-                <a:spcPct val="150000"/>
-              </a:lnSpc>
-            </a:pPr>
-            <a:r>
-              <a:rPr sz="2400" b="1">
-                <a:solidFill>
-                  <a:srgbClr val="000000"/>
-                </a:solidFill>
-                <a:latin typeface="Noto Sans JP"/>
-              </a:rPr>
-              <a:t>2.4. AIREAD_ARISE-4149 【AIRead】</a:t>
-            </a:r>
-          </a:p>
-          <a:p>
-            <a:pPr algn="ctr">
-              <a:lnSpc>
-                <a:spcPct val="150000"/>
-              </a:lnSpc>
-            </a:pPr>
-            <a:r>
-              <a:rPr sz="2400" b="1">
-                <a:solidFill>
-                  <a:srgbClr val="000000"/>
-                </a:solidFill>
-                <a:latin typeface="Noto Sans JP"/>
-              </a:rPr>
-              <a:t>Trong folder Temp của USERPROFILE còn tồn tại onnxruntime-java</a:t>
-            </a:r>
-          </a:p>
-        </p:txBody>
-      </p:sp>
-    </p:spTree>
-  </p:cSld>
-  <p:clrMapOvr>
-    <a:masterClrMapping/>
-  </p:clrMapOvr>
-</p:sld>
-</file>
-
-<file path=ppt/slides/slide26.xml><?xml version="1.0" encoding="utf-8"?>
-<p:sld xmlns:a="http://schemas.openxmlformats.org/drawingml/2006/main" xmlns:p="http://schemas.openxmlformats.org/presentationml/2006/main" xmlns:r="http://schemas.openxmlformats.org/officeDocument/2006/relationships">
-  <p:cSld>
-    <p:spTree>
-      <p:nvGrpSpPr>
-        <p:cNvPr id="1" name=""/>
-        <p:cNvGrpSpPr/>
-        <p:nvPr/>
-      </p:nvGrpSpPr>
-      <p:grpSpPr/>
-      <p:sp>
-        <p:nvSpPr>
-          <p:cNvPr id="2" name="TextBox 1"/>
-          <p:cNvSpPr txBox="1"/>
-          <p:nvPr/>
-        </p:nvSpPr>
-        <p:spPr>
-          <a:xfrm>
-            <a:off x="584875" y="427349"/>
-            <a:ext cx="7717500" cy="421500"/>
-          </a:xfrm>
-          <a:prstGeom prst="rect">
-            <a:avLst/>
-          </a:prstGeom>
-          <a:noFill/>
-        </p:spPr>
-        <p:txBody>
-          <a:bodyPr wrap="square" lIns="45720" rIns="45720" tIns="22860" bIns="22860">
-            <a:spAutoFit/>
-          </a:bodyPr>
-          <a:lstStyle/>
-          <a:p>
-            <a:pPr algn="l">
-              <a:lnSpc>
-                <a:spcPct val="100000"/>
-              </a:lnSpc>
-            </a:pPr>
-            <a:r>
-              <a:rPr sz="1800" b="1">
-                <a:solidFill>
-                  <a:srgbClr val="000000"/>
-                </a:solidFill>
-                <a:latin typeface="Noto Sans JP"/>
-              </a:rPr>
-              <a:t>2. 完了済み作業</a:t>
-            </a:r>
-          </a:p>
-        </p:txBody>
-      </p:sp>
-      <p:sp>
-        <p:nvSpPr>
-          <p:cNvPr id="3" name="TextBox 2"/>
-          <p:cNvSpPr txBox="1"/>
-          <p:nvPr/>
-        </p:nvSpPr>
-        <p:spPr>
-          <a:xfrm>
-            <a:off x="8768388" y="4835723"/>
-            <a:ext cx="283200" cy="246300"/>
-          </a:xfrm>
-          <a:prstGeom prst="rect">
-            <a:avLst/>
-          </a:prstGeom>
-          <a:noFill/>
-        </p:spPr>
-        <p:txBody>
-          <a:bodyPr wrap="square" lIns="45720" rIns="45720" tIns="22860" bIns="22860">
-            <a:spAutoFit/>
-          </a:bodyPr>
-          <a:lstStyle/>
-          <a:p>
-            <a:pPr algn="l">
-              <a:lnSpc>
-                <a:spcPct val="100000"/>
-              </a:lnSpc>
-            </a:pPr>
-            <a:r>
-              <a:rPr sz="1000" b="0" i="0">
-                <a:solidFill>
-                  <a:srgbClr val="000000"/>
-                </a:solidFill>
-                <a:latin typeface="Arial"/>
-              </a:rPr>
-              <a:t>3</a:t>
-            </a:r>
-          </a:p>
-        </p:txBody>
-      </p:sp>
-      <p:sp>
-        <p:nvSpPr>
-          <p:cNvPr id="4" name="TextBox 3"/>
-          <p:cNvSpPr txBox="1"/>
-          <p:nvPr/>
-        </p:nvSpPr>
-        <p:spPr>
-          <a:xfrm>
-            <a:off x="626250" y="923775"/>
-            <a:ext cx="7891500" cy="3873600"/>
-          </a:xfrm>
-          <a:prstGeom prst="rect">
-            <a:avLst/>
-          </a:prstGeom>
-          <a:noFill/>
-        </p:spPr>
-        <p:txBody>
-          <a:bodyPr wrap="square" lIns="45720" rIns="45720" tIns="22860" bIns="22860">
-            <a:spAutoFit/>
-          </a:bodyPr>
-          <a:lstStyle/>
-          <a:p>
-            <a:pPr algn="l" indent="-317500" marL="457200">
-              <a:lnSpc>
-                <a:spcPct val="115000"/>
-              </a:lnSpc>
-              <a:buChar char="●"/>
-            </a:pPr>
-            <a:r>
-              <a:rPr sz="1400">
-                <a:latin typeface="Noto Sans JP"/>
-              </a:rPr>
-              <a:t>Mỗi lần chạy AIRead sẽ tạo ra một thư mục trên đường dẫn %USERPROFILE%\AppData\Local\Temp với dung lượng khoảng 10MB. Nếu số lần chạy tăng lên, sẽ chiếm nhiều dung lượng không cần thiết.</a:t>
-            </a:r>
-          </a:p>
-        </p:txBody>
-      </p:sp>
-      <p:sp>
-        <p:nvSpPr>
-          <p:cNvPr id="5" name="TextBox 4"/>
-          <p:cNvSpPr txBox="1"/>
-          <p:nvPr/>
-        </p:nvSpPr>
-        <p:spPr>
-          <a:xfrm>
-            <a:off x="2653144" y="-3003"/>
-            <a:ext cx="3816900" cy="421500"/>
-          </a:xfrm>
-          <a:prstGeom prst="rect">
-            <a:avLst/>
-          </a:prstGeom>
-          <a:solidFill>
-            <a:srgbClr val="FFECB9"/>
-          </a:solidFill>
-        </p:spPr>
-        <p:txBody>
-          <a:bodyPr wrap="square" lIns="45720" rIns="45720" tIns="22860" bIns="22860">
-            <a:spAutoFit/>
-          </a:bodyPr>
-          <a:lstStyle/>
-          <a:p>
-            <a:pPr algn="ctr">
-              <a:lnSpc>
-                <a:spcPct val="100000"/>
-              </a:lnSpc>
-            </a:pPr>
-            <a:r>
-              <a:rPr sz="2000" b="1" i="0">
-                <a:solidFill>
-                  <a:srgbClr val="000000"/>
-                </a:solidFill>
-                <a:latin typeface="Noto Sans JP"/>
-              </a:rPr>
-              <a:t>2. 完了済み作業</a:t>
-            </a:r>
-          </a:p>
-        </p:txBody>
-      </p:sp>
-    </p:spTree>
-  </p:cSld>
-  <p:clrMapOvr>
-    <a:masterClrMapping/>
-  </p:clrMapOvr>
-</p:sld>
-</file>
-
-<file path=ppt/slides/slide27.xml><?xml version="1.0" encoding="utf-8"?>
-<p:sld xmlns:a="http://schemas.openxmlformats.org/drawingml/2006/main" xmlns:p="http://schemas.openxmlformats.org/presentationml/2006/main" xmlns:r="http://schemas.openxmlformats.org/officeDocument/2006/relationships">
-  <p:cSld>
-    <p:spTree>
-      <p:nvGrpSpPr>
-        <p:cNvPr id="1" name=""/>
-        <p:cNvGrpSpPr/>
-        <p:nvPr/>
-      </p:nvGrpSpPr>
-      <p:grpSpPr/>
-      <p:sp>
-        <p:nvSpPr>
-          <p:cNvPr id="2" name="TextBox 1"/>
-          <p:cNvSpPr txBox="1"/>
-          <p:nvPr/>
-        </p:nvSpPr>
-        <p:spPr>
-          <a:xfrm>
-            <a:off x="584875" y="427349"/>
-            <a:ext cx="7717500" cy="421500"/>
-          </a:xfrm>
-          <a:prstGeom prst="rect">
-            <a:avLst/>
-          </a:prstGeom>
-          <a:noFill/>
-        </p:spPr>
-        <p:txBody>
-          <a:bodyPr wrap="square" lIns="45720" rIns="45720" tIns="22860" bIns="22860">
-            <a:spAutoFit/>
-          </a:bodyPr>
-          <a:lstStyle/>
-          <a:p>
-            <a:pPr algn="l">
-              <a:lnSpc>
-                <a:spcPct val="100000"/>
-              </a:lnSpc>
-            </a:pPr>
-            <a:r>
-              <a:rPr sz="1800" b="1">
-                <a:solidFill>
-                  <a:srgbClr val="000000"/>
-                </a:solidFill>
-                <a:latin typeface="Noto Sans JP"/>
-              </a:rPr>
-              <a:t>2. 完了済み作業</a:t>
-            </a:r>
-          </a:p>
-        </p:txBody>
-      </p:sp>
-      <p:sp>
-        <p:nvSpPr>
-          <p:cNvPr id="3" name="TextBox 2"/>
-          <p:cNvSpPr txBox="1"/>
-          <p:nvPr/>
-        </p:nvSpPr>
-        <p:spPr>
-          <a:xfrm>
-            <a:off x="8768388" y="4835723"/>
-            <a:ext cx="283200" cy="246300"/>
-          </a:xfrm>
-          <a:prstGeom prst="rect">
-            <a:avLst/>
-          </a:prstGeom>
-          <a:noFill/>
-        </p:spPr>
-        <p:txBody>
-          <a:bodyPr wrap="square" lIns="45720" rIns="45720" tIns="22860" bIns="22860">
-            <a:spAutoFit/>
-          </a:bodyPr>
-          <a:lstStyle/>
-          <a:p>
-            <a:pPr algn="l">
-              <a:lnSpc>
-                <a:spcPct val="100000"/>
-              </a:lnSpc>
-            </a:pPr>
-            <a:r>
-              <a:rPr sz="1000" b="0" i="0">
-                <a:solidFill>
-                  <a:srgbClr val="000000"/>
-                </a:solidFill>
-                <a:latin typeface="Arial"/>
-              </a:rPr>
-              <a:t>3</a:t>
-            </a:r>
-          </a:p>
-        </p:txBody>
-      </p:sp>
-      <p:sp>
-        <p:nvSpPr>
-          <p:cNvPr id="4" name="TextBox 3"/>
-          <p:cNvSpPr txBox="1"/>
-          <p:nvPr/>
-        </p:nvSpPr>
-        <p:spPr>
-          <a:xfrm>
-            <a:off x="626250" y="923775"/>
-            <a:ext cx="7891500" cy="3873600"/>
-          </a:xfrm>
-          <a:prstGeom prst="rect">
-            <a:avLst/>
-          </a:prstGeom>
-          <a:noFill/>
-        </p:spPr>
-        <p:txBody>
-          <a:bodyPr wrap="square" lIns="45720" rIns="45720" tIns="22860" bIns="22860">
-            <a:spAutoFit/>
-          </a:bodyPr>
-          <a:lstStyle/>
-          <a:p>
-            <a:pPr algn="l" indent="-317500" marL="457200">
-              <a:lnSpc>
-                <a:spcPct val="115000"/>
-              </a:lnSpc>
-              <a:buChar char="●"/>
-            </a:pPr>
-            <a:r>
-              <a:rPr sz="1400">
-                <a:latin typeface="Noto Sans JP"/>
-              </a:rPr>
-              <a:t>Vấn đề hiện tại: Việc tạo ra nhiều thư mục tạm thời gây lãng phí dung lượng lưu trữ, ảnh hưởng đến hiệu suất hệ thống.</a:t>
-            </a:r>
-          </a:p>
-          <a:p>
-            <a:pPr algn="l" lvl="1" indent="-317500" marL="914400">
-              <a:lnSpc>
-                <a:spcPct val="115000"/>
-              </a:lnSpc>
-              <a:buChar char="○"/>
-            </a:pPr>
-            <a:r>
-              <a:rPr sz="1400">
-                <a:latin typeface="Noto Sans JP"/>
-              </a:rPr>
-              <a:t>Chúng tôi đã thêm FileSystemUtil.java vào Core.src.main.java...Core.Utils để sử dụng trong MultiCharRecognitionManager.java nhằm xóa các file temp của onnxruntime.</a:t>
-            </a:r>
-          </a:p>
-          <a:p>
-            <a:pPr algn="l" lvl="1" indent="-317500" marL="914400">
-              <a:lnSpc>
-                <a:spcPct val="115000"/>
-              </a:lnSpc>
-              <a:buChar char="○"/>
-            </a:pPr>
-            <a:r>
-              <a:rPr sz="1400">
-                <a:latin typeface="Noto Sans JP"/>
-              </a:rPr>
-              <a:t>Implementation chi tiết: Chúng tôi đã thực hiện việc xóa các folder onnxruntime còn trong folder temp mà không ảnh hưởng đến các tiến trình khác.</a:t>
-            </a:r>
-          </a:p>
-          <a:p>
-            <a:pPr algn="l" lvl="1" indent="-317500" marL="914400">
-              <a:lnSpc>
-                <a:spcPct val="115000"/>
-              </a:lnSpc>
-              <a:buChar char="○"/>
-            </a:pPr>
-            <a:r>
-              <a:rPr sz="1400">
-                <a:latin typeface="Noto Sans JP"/>
-              </a:rPr>
-              <a:t>Configuration changes: Không có thay đổi cấu hình cụ thể trong nhiệm vụ này.</a:t>
-            </a:r>
-          </a:p>
-        </p:txBody>
-      </p:sp>
-      <p:sp>
-        <p:nvSpPr>
-          <p:cNvPr id="5" name="TextBox 4"/>
-          <p:cNvSpPr txBox="1"/>
-          <p:nvPr/>
-        </p:nvSpPr>
-        <p:spPr>
-          <a:xfrm>
-            <a:off x="2653144" y="-3003"/>
-            <a:ext cx="3816900" cy="421500"/>
-          </a:xfrm>
-          <a:prstGeom prst="rect">
-            <a:avLst/>
-          </a:prstGeom>
-          <a:solidFill>
-            <a:srgbClr val="FFECB9"/>
-          </a:solidFill>
-        </p:spPr>
-        <p:txBody>
-          <a:bodyPr wrap="square" lIns="45720" rIns="45720" tIns="22860" bIns="22860">
-            <a:spAutoFit/>
-          </a:bodyPr>
-          <a:lstStyle/>
-          <a:p>
-            <a:pPr algn="ctr">
-              <a:lnSpc>
-                <a:spcPct val="100000"/>
-              </a:lnSpc>
-            </a:pPr>
-            <a:r>
-              <a:rPr sz="2000" b="1" i="0">
-                <a:solidFill>
-                  <a:srgbClr val="000000"/>
-                </a:solidFill>
-                <a:latin typeface="Noto Sans JP"/>
-              </a:rPr>
-              <a:t>2. 完了済み作業</a:t>
-            </a:r>
-          </a:p>
-        </p:txBody>
-      </p:sp>
-    </p:spTree>
-  </p:cSld>
-  <p:clrMapOvr>
-    <a:masterClrMapping/>
-  </p:clrMapOvr>
-</p:sld>
-</file>
-
-<file path=ppt/slides/slide28.xml><?xml version="1.0" encoding="utf-8"?>
-<p:sld xmlns:a="http://schemas.openxmlformats.org/drawingml/2006/main" xmlns:p="http://schemas.openxmlformats.org/presentationml/2006/main" xmlns:r="http://schemas.openxmlformats.org/officeDocument/2006/relationships">
-  <p:cSld>
-    <p:spTree>
-      <p:nvGrpSpPr>
-        <p:cNvPr id="1" name=""/>
-        <p:cNvGrpSpPr/>
-        <p:nvPr/>
-      </p:nvGrpSpPr>
-      <p:grpSpPr/>
-      <p:sp>
-        <p:nvSpPr>
-          <p:cNvPr id="2" name="TextBox 1"/>
-          <p:cNvSpPr txBox="1"/>
-          <p:nvPr/>
-        </p:nvSpPr>
-        <p:spPr>
-          <a:xfrm>
-            <a:off x="584875" y="427349"/>
-            <a:ext cx="7717500" cy="421500"/>
-          </a:xfrm>
-          <a:prstGeom prst="rect">
-            <a:avLst/>
-          </a:prstGeom>
-          <a:noFill/>
-        </p:spPr>
-        <p:txBody>
-          <a:bodyPr wrap="square" lIns="45720" rIns="45720" tIns="22860" bIns="22860">
-            <a:spAutoFit/>
-          </a:bodyPr>
-          <a:lstStyle/>
-          <a:p>
-            <a:pPr algn="l">
-              <a:lnSpc>
-                <a:spcPct val="100000"/>
-              </a:lnSpc>
-            </a:pPr>
-            <a:r>
-              <a:rPr sz="1800" b="1">
-                <a:solidFill>
-                  <a:srgbClr val="000000"/>
-                </a:solidFill>
-                <a:latin typeface="Noto Sans JP"/>
-              </a:rPr>
-              <a:t>2. 完了済み作業</a:t>
-            </a:r>
-          </a:p>
-        </p:txBody>
-      </p:sp>
-      <p:sp>
-        <p:nvSpPr>
-          <p:cNvPr id="3" name="TextBox 2"/>
-          <p:cNvSpPr txBox="1"/>
-          <p:nvPr/>
-        </p:nvSpPr>
-        <p:spPr>
-          <a:xfrm>
-            <a:off x="8768388" y="4835723"/>
-            <a:ext cx="283200" cy="246300"/>
-          </a:xfrm>
-          <a:prstGeom prst="rect">
-            <a:avLst/>
-          </a:prstGeom>
-          <a:noFill/>
-        </p:spPr>
-        <p:txBody>
-          <a:bodyPr wrap="square" lIns="45720" rIns="45720" tIns="22860" bIns="22860">
-            <a:spAutoFit/>
-          </a:bodyPr>
-          <a:lstStyle/>
-          <a:p>
-            <a:pPr algn="l">
-              <a:lnSpc>
-                <a:spcPct val="100000"/>
-              </a:lnSpc>
-            </a:pPr>
-            <a:r>
-              <a:rPr sz="1000" b="0" i="0">
-                <a:solidFill>
-                  <a:srgbClr val="000000"/>
-                </a:solidFill>
-                <a:latin typeface="Arial"/>
-              </a:rPr>
-              <a:t>3</a:t>
-            </a:r>
-          </a:p>
-        </p:txBody>
-      </p:sp>
-      <p:sp>
-        <p:nvSpPr>
-          <p:cNvPr id="4" name="TextBox 3"/>
-          <p:cNvSpPr txBox="1"/>
-          <p:nvPr/>
-        </p:nvSpPr>
-        <p:spPr>
-          <a:xfrm>
-            <a:off x="626250" y="923775"/>
-            <a:ext cx="7891500" cy="3873600"/>
-          </a:xfrm>
-          <a:prstGeom prst="rect">
-            <a:avLst/>
-          </a:prstGeom>
-          <a:noFill/>
-        </p:spPr>
-        <p:txBody>
-          <a:bodyPr wrap="square" lIns="45720" rIns="45720" tIns="22860" bIns="22860">
-            <a:spAutoFit/>
-          </a:bodyPr>
-          <a:lstStyle/>
-          <a:p>
-            <a:pPr algn="l" indent="-317500" marL="457200">
-              <a:lnSpc>
-                <a:spcPct val="115000"/>
-              </a:lnSpc>
-              <a:buChar char="●"/>
-            </a:pPr>
-            <a:r>
-              <a:rPr sz="1400">
-                <a:latin typeface="Noto Sans JP"/>
-              </a:rPr>
-              <a:t>Vấn đề hiện tại: Việc tạo ra nhiều thư mục tạm thời gây lãng phí dung lượng lưu trữ, ảnh hưởng đến hiệu suất hệ thống.</a:t>
-            </a:r>
-          </a:p>
-          <a:p>
-            <a:pPr algn="l" lvl="1" indent="-317500" marL="914400">
-              <a:lnSpc>
-                <a:spcPct val="115000"/>
-              </a:lnSpc>
-              <a:buChar char="○"/>
-            </a:pPr>
-            <a:r>
-              <a:rPr sz="1400">
-                <a:latin typeface="Noto Sans JP"/>
-              </a:rPr>
-              <a:t>Testing đã thực hiện: Đã xác minh rằng việc xóa các folder onnxruntime không gây ra lỗi cho các tiến trình đang chạy.</a:t>
-            </a:r>
-          </a:p>
-          <a:p>
-            <a:pPr algn="l" lvl="1" indent="-317500" marL="914400">
-              <a:lnSpc>
-                <a:spcPct val="115000"/>
-              </a:lnSpc>
-              <a:buChar char="○"/>
-            </a:pPr>
-            <a:r>
-              <a:rPr sz="1400">
-                <a:latin typeface="Noto Sans JP"/>
-              </a:rPr>
-              <a:t>Kết quả đo lường: Đã xóa được các folder onnxruntime còn trong folder temp mà không làm ảnh hưởng đến các tiến trình khác, nhưng folder onnxruntime của lần chạy hiện tại không thể xóa.</a:t>
-            </a:r>
-          </a:p>
-          <a:p>
-            <a:pPr algn="l" lvl="1" indent="-317500" marL="914400">
-              <a:lnSpc>
-                <a:spcPct val="115000"/>
-              </a:lnSpc>
-              <a:buChar char="○"/>
-            </a:pPr>
-            <a:r>
-              <a:rPr sz="1400">
-                <a:latin typeface="Noto Sans JP"/>
-              </a:rPr>
-              <a:t>Quality control: Đảm bảo rằng việc xóa không làm ảnh hưởng đến quy trình hiện tại và sẽ được xóa trong lần chạy tiếp theo.</a:t>
-            </a:r>
-          </a:p>
-        </p:txBody>
-      </p:sp>
-      <p:sp>
-        <p:nvSpPr>
-          <p:cNvPr id="5" name="TextBox 4"/>
-          <p:cNvSpPr txBox="1"/>
-          <p:nvPr/>
-        </p:nvSpPr>
-        <p:spPr>
-          <a:xfrm>
-            <a:off x="2653144" y="-3003"/>
-            <a:ext cx="3816900" cy="421500"/>
-          </a:xfrm>
-          <a:prstGeom prst="rect">
-            <a:avLst/>
-          </a:prstGeom>
-          <a:solidFill>
-            <a:srgbClr val="FFECB9"/>
-          </a:solidFill>
-        </p:spPr>
-        <p:txBody>
-          <a:bodyPr wrap="square" lIns="45720" rIns="45720" tIns="22860" bIns="22860">
-            <a:spAutoFit/>
-          </a:bodyPr>
-          <a:lstStyle/>
-          <a:p>
-            <a:pPr algn="ctr">
-              <a:lnSpc>
-                <a:spcPct val="100000"/>
-              </a:lnSpc>
-            </a:pPr>
-            <a:r>
-              <a:rPr sz="2000" b="1" i="0">
-                <a:solidFill>
-                  <a:srgbClr val="000000"/>
-                </a:solidFill>
-                <a:latin typeface="Noto Sans JP"/>
-              </a:rPr>
-              <a:t>2. 完了済み作業</a:t>
-            </a:r>
-          </a:p>
-        </p:txBody>
-      </p:sp>
-    </p:spTree>
-  </p:cSld>
-  <p:clrMapOvr>
-    <a:masterClrMapping/>
-  </p:clrMapOvr>
-</p:sld>
-</file>
-
-<file path=ppt/slides/slide29.xml><?xml version="1.0" encoding="utf-8"?>
-<p:sld xmlns:a="http://schemas.openxmlformats.org/drawingml/2006/main" xmlns:p="http://schemas.openxmlformats.org/presentationml/2006/main" xmlns:r="http://schemas.openxmlformats.org/officeDocument/2006/relationships">
-  <p:cSld>
-    <p:spTree>
-      <p:nvGrpSpPr>
-        <p:cNvPr id="1" name=""/>
-        <p:cNvGrpSpPr/>
-        <p:nvPr/>
-      </p:nvGrpSpPr>
-      <p:grpSpPr/>
-      <p:sp>
-        <p:nvSpPr>
-          <p:cNvPr id="2" name="TextBox 1"/>
-          <p:cNvSpPr txBox="1"/>
-          <p:nvPr/>
-        </p:nvSpPr>
-        <p:spPr>
-          <a:xfrm>
-            <a:off x="2542873" y="2571750"/>
-            <a:ext cx="5665500" cy="862200"/>
-          </a:xfrm>
-          <a:prstGeom prst="rect">
-            <a:avLst/>
-          </a:prstGeom>
-          <a:noFill/>
-        </p:spPr>
-        <p:txBody>
-          <a:bodyPr wrap="square" lIns="45720" rIns="45720" tIns="22860" bIns="22860">
-            <a:spAutoFit/>
-          </a:bodyPr>
-          <a:lstStyle/>
-          <a:p>
-            <a:pPr algn="r">
-              <a:lnSpc>
-                <a:spcPct val="100000"/>
-              </a:lnSpc>
-            </a:pPr>
-            <a:r>
-              <a:rPr sz="3000" b="1">
-                <a:solidFill>
-                  <a:srgbClr val="000000"/>
-                </a:solidFill>
-                <a:latin typeface="Noto Sans JP"/>
-              </a:rPr>
-              <a:t>次の作業内容</a:t>
-            </a:r>
-          </a:p>
-        </p:txBody>
-      </p:sp>
-      <p:sp>
-        <p:nvSpPr>
-          <p:cNvPr id="3" name="TextBox 2"/>
-          <p:cNvSpPr txBox="1"/>
-          <p:nvPr/>
-        </p:nvSpPr>
-        <p:spPr>
-          <a:xfrm>
-            <a:off x="5151175" y="1768609"/>
-            <a:ext cx="3057300" cy="862200"/>
-          </a:xfrm>
-          <a:prstGeom prst="rect">
-            <a:avLst/>
-          </a:prstGeom>
-          <a:noFill/>
-        </p:spPr>
-        <p:txBody>
-          <a:bodyPr wrap="square" lIns="45720" rIns="45720" tIns="22860" bIns="22860">
-            <a:spAutoFit/>
-          </a:bodyPr>
-          <a:lstStyle/>
-          <a:p>
-            <a:pPr algn="r">
-              <a:lnSpc>
-                <a:spcPct val="100000"/>
-              </a:lnSpc>
-            </a:pPr>
-            <a:r>
-              <a:rPr sz="6000" b="1">
-                <a:solidFill>
-                  <a:srgbClr val="000000"/>
-                </a:solidFill>
-                <a:latin typeface="Noto Sans JP"/>
-              </a:rPr>
-              <a:t>03</a:t>
+              <a:t>3. 次の作業内容</a:t>
             </a:r>
           </a:p>
         </p:txBody>
@@ -32952,180 +32030,6 @@
           <a:chExt cx="0" cy="0"/>
         </a:xfrm>
       </p:grpSpPr>
-    </p:spTree>
-  </p:cSld>
-  <p:clrMapOvr>
-    <a:masterClrMapping/>
-  </p:clrMapOvr>
-</p:sld>
-</file>
-
-<file path=ppt/slides/slide30.xml><?xml version="1.0" encoding="utf-8"?>
-<p:sld xmlns:a="http://schemas.openxmlformats.org/drawingml/2006/main" xmlns:p="http://schemas.openxmlformats.org/presentationml/2006/main" xmlns:r="http://schemas.openxmlformats.org/officeDocument/2006/relationships">
-  <p:cSld>
-    <p:spTree>
-      <p:nvGrpSpPr>
-        <p:cNvPr id="1" name=""/>
-        <p:cNvGrpSpPr/>
-        <p:nvPr/>
-      </p:nvGrpSpPr>
-      <p:grpSpPr/>
-      <p:sp>
-        <p:nvSpPr>
-          <p:cNvPr id="2" name="TextBox 1"/>
-          <p:cNvSpPr txBox="1"/>
-          <p:nvPr/>
-        </p:nvSpPr>
-        <p:spPr>
-          <a:xfrm>
-            <a:off x="584875" y="427349"/>
-            <a:ext cx="7717500" cy="421500"/>
-          </a:xfrm>
-          <a:prstGeom prst="rect">
-            <a:avLst/>
-          </a:prstGeom>
-          <a:noFill/>
-        </p:spPr>
-        <p:txBody>
-          <a:bodyPr wrap="square" lIns="45720" rIns="45720" tIns="22860" bIns="22860">
-            <a:spAutoFit/>
-          </a:bodyPr>
-          <a:lstStyle/>
-          <a:p>
-            <a:pPr algn="l">
-              <a:lnSpc>
-                <a:spcPct val="100000"/>
-              </a:lnSpc>
-            </a:pPr>
-            <a:r>
-              <a:rPr sz="1800" b="1">
-                <a:solidFill>
-                  <a:srgbClr val="000000"/>
-                </a:solidFill>
-                <a:latin typeface="Noto Sans JP"/>
-              </a:rPr>
-              <a:t>3. 次の作業内容</a:t>
-            </a:r>
-          </a:p>
-        </p:txBody>
-      </p:sp>
-      <p:sp>
-        <p:nvSpPr>
-          <p:cNvPr id="3" name="TextBox 2"/>
-          <p:cNvSpPr txBox="1"/>
-          <p:nvPr/>
-        </p:nvSpPr>
-        <p:spPr>
-          <a:xfrm>
-            <a:off x="8768388" y="4835723"/>
-            <a:ext cx="283200" cy="246300"/>
-          </a:xfrm>
-          <a:prstGeom prst="rect">
-            <a:avLst/>
-          </a:prstGeom>
-          <a:noFill/>
-        </p:spPr>
-        <p:txBody>
-          <a:bodyPr wrap="square" lIns="45720" rIns="45720" tIns="22860" bIns="22860">
-            <a:spAutoFit/>
-          </a:bodyPr>
-          <a:lstStyle/>
-          <a:p>
-            <a:pPr algn="l">
-              <a:lnSpc>
-                <a:spcPct val="100000"/>
-              </a:lnSpc>
-            </a:pPr>
-            <a:r>
-              <a:rPr sz="1000" b="0" i="0">
-                <a:solidFill>
-                  <a:srgbClr val="000000"/>
-                </a:solidFill>
-                <a:latin typeface="Arial"/>
-              </a:rPr>
-              <a:t>3</a:t>
-            </a:r>
-          </a:p>
-        </p:txBody>
-      </p:sp>
-      <p:sp>
-        <p:nvSpPr>
-          <p:cNvPr id="4" name="TextBox 3"/>
-          <p:cNvSpPr txBox="1"/>
-          <p:nvPr/>
-        </p:nvSpPr>
-        <p:spPr>
-          <a:xfrm>
-            <a:off x="626250" y="923775"/>
-            <a:ext cx="7891500" cy="3873600"/>
-          </a:xfrm>
-          <a:prstGeom prst="rect">
-            <a:avLst/>
-          </a:prstGeom>
-          <a:noFill/>
-        </p:spPr>
-        <p:txBody>
-          <a:bodyPr wrap="square" lIns="45720" rIns="45720" tIns="22860" bIns="22860">
-            <a:spAutoFit/>
-          </a:bodyPr>
-          <a:lstStyle/>
-          <a:p>
-            <a:pPr algn="l" indent="-317500" marL="457200">
-              <a:lnSpc>
-                <a:spcPct val="115000"/>
-              </a:lnSpc>
-              <a:buChar char="●"/>
-            </a:pPr>
-            <a:r>
-              <a:rPr sz="1400">
-                <a:latin typeface="Noto Sans JP"/>
-              </a:rPr>
-              <a:t>Chúng tôi sẽ tiếp tục tối ưu hóa quy trình preprocess để cải thiện độ chính xác của mô hình multi3_jpn và thực hiện các kiểm tra sâu hơn để đảm bảo hiệu suất của hệ thống. Đồng thời, sẽ theo dõi và xử lý các vấn đề liên quan đến dung lượng lưu trữ trong folder temp để đảm bảo hiệu suất hệ thống lâu dài.</a:t>
-            </a:r>
-          </a:p>
-        </p:txBody>
-      </p:sp>
-      <p:sp>
-        <p:nvSpPr>
-          <p:cNvPr id="5" name="TextBox 4"/>
-          <p:cNvSpPr txBox="1"/>
-          <p:nvPr/>
-        </p:nvSpPr>
-        <p:spPr>
-          <a:xfrm>
-            <a:off x="2653144" y="-3003"/>
-            <a:ext cx="3816900" cy="421500"/>
-          </a:xfrm>
-          <a:prstGeom prst="rect">
-            <a:avLst/>
-          </a:prstGeom>
-          <a:solidFill>
-            <a:srgbClr val="FFECB9"/>
-          </a:solidFill>
-        </p:spPr>
-        <p:txBody>
-          <a:bodyPr wrap="square" lIns="45720" rIns="45720" tIns="22860" bIns="22860">
-            <a:spAutoFit/>
-          </a:bodyPr>
-          <a:lstStyle/>
-          <a:p>
-            <a:pPr algn="ctr">
-              <a:lnSpc>
-                <a:spcPct val="100000"/>
-              </a:lnSpc>
-            </a:pPr>
-            <a:r>
-              <a:rPr sz="2000" b="1" i="0">
-                <a:solidFill>
-                  <a:srgbClr val="000000"/>
-                </a:solidFill>
-                <a:latin typeface="Noto Sans JP"/>
-              </a:rPr>
-              <a:t>3. 次の作業内容</a:t>
-            </a:r>
-          </a:p>
-        </p:txBody>
-      </p:sp>
     </p:spTree>
   </p:cSld>
   <p:clrMapOvr>
@@ -33251,7 +32155,7 @@
                 </a:solidFill>
                 <a:latin typeface="Noto Sans JP"/>
               </a:rPr>
-              <a:t>20250708</a:t>
+              <a:t>20250807</a:t>
             </a:r>
             <a:r>
               <a:t>
@@ -33667,7 +32571,7 @@
               <a:rPr sz="1400">
                 <a:latin typeface="Noto Sans JP"/>
               </a:rPr>
-              <a:t>Một số biểu mẫu bị lệch do lấy điểm đặc trưng từ ảnh đã tiền xử lý, trong khi template sử dụng ảnh g...</a:t>
+              <a:t>Một số biểu mẫu bị lệch do lấy điểm đặc trưng từ ảnh đã tiền xử lý, trong khi template dùng ảnh gốc ...</a:t>
             </a:r>
           </a:p>
           <a:p>
@@ -33681,7 +32585,7 @@
               <a:rPr sz="1400">
                 <a:latin typeface="Noto Sans JP"/>
               </a:rPr>
-              <a:t>Kết quả: Quá trình căn chỉnh hoạt động hiệu quả với các ảnh đầu vào, không còn vấn đề lệch lạc.</a:t>
+              <a:t>Kết quả: Thay đổi truyền src để lấy warp_affine cho kết quả căn chỉnh tốt ngay cả khi ảnh raw chưa qua tiền x...</a:t>
             </a:r>
           </a:p>
           <a:p>
@@ -33695,7 +32599,7 @@
               <a:rPr sz="1400">
                 <a:latin typeface="Noto Sans JP"/>
               </a:rPr>
-              <a:t>AIREAD_ARISE-4157 【multi3_jpn】Cải thiện độ chính xác mô hình multi3_jpn</a:t>
+              <a:t>AIREAD_ARISE-4157 【multi3_jpn】 Cải thiện độ chính xác mô hình multi3_jpn</a:t>
             </a:r>
           </a:p>
           <a:p>
@@ -33709,7 +32613,7 @@
               <a:rPr sz="1400">
                 <a:latin typeface="Noto Sans JP"/>
               </a:rPr>
-              <a:t>Mô hình multi3_jpn gặp khó khăn trong việc nhận diện các ký tự dài và ký tự đặc biệt như 「〃」, dẫn đế...</a:t>
+              <a:t>Mô-đun multi3_jpn có tỷ lệ lỗi cao trên các component chứa nhiều chữ (long components) và đọc sai ký...</a:t>
             </a:r>
           </a:p>
           <a:p>
@@ -33723,7 +32627,7 @@
               <a:rPr sz="1400">
                 <a:latin typeface="Noto Sans JP"/>
               </a:rPr>
-              <a:t>Kết quả: Đã xác định được rằng mã dự án gặp vấn đề trong quy trình preprocess, cần được sửa đổi để cải thiện ...</a:t>
+              <a:t>Kết quả: Accuracy cải thiện mạnh: long_comp tăng 0%→92%, vban chứa số 1%→99%, ký tự 「〃」 19%→92%; Dilate_num g...</a:t>
             </a:r>
           </a:p>
           <a:p>
@@ -33737,7 +32641,7 @@
               <a:rPr sz="1400">
                 <a:latin typeface="Noto Sans JP"/>
               </a:rPr>
-              <a:t>AIREAD_ARISE-4149 【AIRead】Trong folder Temp của USERPROFILE còn tồn tại onnxruntime-java</a:t>
+              <a:t>AIREAD_ARISE-4149 【AIRead】 Trong folder Temp của USERPROFILE còn tồn tại onnxruntime-java</a:t>
             </a:r>
           </a:p>
           <a:p>
@@ -33751,7 +32655,7 @@
               <a:rPr sz="1400">
                 <a:latin typeface="Noto Sans JP"/>
               </a:rPr>
-              <a:t>Mỗi lần chạy AIRead sẽ tạo ra một thư mục trên đường dẫn %USERPROFILE%\AppData\Local\Temp với dung l...</a:t>
+              <a:t>Mỗi lần chạy AIRead tạo thư mục %USERPROFILE%\AppData\Local\Temp\onnxruntime-javaxxxxxxxxxxxxxx (~10...</a:t>
             </a:r>
           </a:p>
           <a:p>
@@ -33765,7 +32669,7 @@
               <a:rPr sz="1400">
                 <a:latin typeface="Noto Sans JP"/>
               </a:rPr>
-              <a:t>Kết quả: Đã giảm thiểu dung lượng lưu trữ không cần thiết trong folder temp, nhưng vẫn còn folder onnxruntime...</a:t>
+              <a:t>Kết quả: Đã xóa được các folder onnxruntime cũ trong Temp mà không ảnh hưởng tới tiến trình khác; thư mục onn...</a:t>
             </a:r>
           </a:p>
         </p:txBody>
